--- a/karpathy-cvpr2015.pptx
+++ b/karpathy-cvpr2015.pptx
@@ -4,13 +4,14 @@
   <p:sldMasterIdLst>
     <p:sldMasterId id="2147483648" r:id="rId2"/>
     <p:sldMasterId id="2147483661" r:id="rId3"/>
+    <p:sldMasterId id="2147483674" r:id="rId4"/>
   </p:sldMasterIdLst>
   <p:sldIdLst>
-    <p:sldId id="256" r:id="rId4"/>
-    <p:sldId id="257" r:id="rId5"/>
-    <p:sldId id="258" r:id="rId6"/>
-    <p:sldId id="259" r:id="rId7"/>
-    <p:sldId id="260" r:id="rId8"/>
+    <p:sldId id="256" r:id="rId5"/>
+    <p:sldId id="257" r:id="rId6"/>
+    <p:sldId id="258" r:id="rId7"/>
+    <p:sldId id="259" r:id="rId8"/>
+    <p:sldId id="260" r:id="rId9"/>
   </p:sldIdLst>
   <p:sldSz cx="12192000" cy="6858000"/>
   <p:notesSz cx="7559675" cy="10691812"/>
@@ -58,7 +59,7 @@
       </p:grpSpPr>
       <p:sp>
         <p:nvSpPr>
-          <p:cNvPr id="26" name="PlaceHolder 1"/>
+          <p:cNvPr id="23" name="PlaceHolder 1"/>
           <p:cNvSpPr>
             <a:spLocks noGrp="1"/>
           </p:cNvSpPr>
@@ -69,7 +70,7 @@
         <p:spPr>
           <a:xfrm>
             <a:off x="838080" y="365040"/>
-            <a:ext cx="10515240" cy="1325160"/>
+            <a:ext cx="10514880" cy="1324800"/>
           </a:xfrm>
           <a:prstGeom prst="rect">
             <a:avLst/>
@@ -78,23 +79,24 @@
         <p:txBody>
           <a:bodyPr lIns="0" rIns="0" tIns="0" bIns="0" anchor="ctr"/>
           <a:p>
-            <a:endParaRPr b="0" lang="zh-CN" sz="1800" spc="-1" strike="noStrike">
-              <a:solidFill>
-                <a:srgbClr val="000000"/>
-              </a:solidFill>
-              <a:uFill>
-                <a:solidFill>
-                  <a:srgbClr val="ffffff"/>
-                </a:solidFill>
-              </a:uFill>
-              <a:latin typeface="Calibri"/>
-            </a:endParaRPr>
-          </a:p>
-        </p:txBody>
-      </p:sp>
-      <p:sp>
-        <p:nvSpPr>
-          <p:cNvPr id="27" name="PlaceHolder 2"/>
+            <a:pPr algn="ctr"/>
+            <a:endParaRPr b="0" lang="en-US" sz="4400" spc="-1" strike="noStrike">
+              <a:solidFill>
+                <a:srgbClr val="000000"/>
+              </a:solidFill>
+              <a:uFill>
+                <a:solidFill>
+                  <a:srgbClr val="ffffff"/>
+                </a:solidFill>
+              </a:uFill>
+              <a:latin typeface="Arial"/>
+            </a:endParaRPr>
+          </a:p>
+        </p:txBody>
+      </p:sp>
+      <p:sp>
+        <p:nvSpPr>
+          <p:cNvPr id="24" name="PlaceHolder 2"/>
           <p:cNvSpPr>
             <a:spLocks noGrp="1"/>
           </p:cNvSpPr>
@@ -105,7 +107,7 @@
         <p:spPr>
           <a:xfrm>
             <a:off x="838080" y="1825560"/>
-            <a:ext cx="10515240" cy="2075040"/>
+            <a:ext cx="10514880" cy="2075040"/>
           </a:xfrm>
           <a:prstGeom prst="rect">
             <a:avLst/>
@@ -114,23 +116,23 @@
         <p:txBody>
           <a:bodyPr lIns="0" rIns="0" tIns="0" bIns="0"/>
           <a:p>
-            <a:endParaRPr b="0" lang="zh-CN" sz="2800" spc="-1" strike="noStrike">
-              <a:solidFill>
-                <a:srgbClr val="000000"/>
-              </a:solidFill>
-              <a:uFill>
-                <a:solidFill>
-                  <a:srgbClr val="ffffff"/>
-                </a:solidFill>
-              </a:uFill>
-              <a:latin typeface="Calibri"/>
-            </a:endParaRPr>
-          </a:p>
-        </p:txBody>
-      </p:sp>
-      <p:sp>
-        <p:nvSpPr>
-          <p:cNvPr id="28" name="PlaceHolder 3"/>
+            <a:endParaRPr b="0" lang="en-US" sz="3200" spc="-1" strike="noStrike">
+              <a:solidFill>
+                <a:srgbClr val="000000"/>
+              </a:solidFill>
+              <a:uFill>
+                <a:solidFill>
+                  <a:srgbClr val="ffffff"/>
+                </a:solidFill>
+              </a:uFill>
+              <a:latin typeface="Arial"/>
+            </a:endParaRPr>
+          </a:p>
+        </p:txBody>
+      </p:sp>
+      <p:sp>
+        <p:nvSpPr>
+          <p:cNvPr id="25" name="PlaceHolder 3"/>
           <p:cNvSpPr>
             <a:spLocks noGrp="1"/>
           </p:cNvSpPr>
@@ -141,7 +143,7 @@
         <p:spPr>
           <a:xfrm>
             <a:off x="838080" y="4098240"/>
-            <a:ext cx="10515240" cy="2075040"/>
+            <a:ext cx="10514880" cy="2075040"/>
           </a:xfrm>
           <a:prstGeom prst="rect">
             <a:avLst/>
@@ -150,16 +152,16 @@
         <p:txBody>
           <a:bodyPr lIns="0" rIns="0" tIns="0" bIns="0"/>
           <a:p>
-            <a:endParaRPr b="0" lang="zh-CN" sz="2800" spc="-1" strike="noStrike">
-              <a:solidFill>
-                <a:srgbClr val="000000"/>
-              </a:solidFill>
-              <a:uFill>
-                <a:solidFill>
-                  <a:srgbClr val="ffffff"/>
-                </a:solidFill>
-              </a:uFill>
-              <a:latin typeface="Calibri"/>
+            <a:endParaRPr b="0" lang="en-US" sz="3200" spc="-1" strike="noStrike">
+              <a:solidFill>
+                <a:srgbClr val="000000"/>
+              </a:solidFill>
+              <a:uFill>
+                <a:solidFill>
+                  <a:srgbClr val="ffffff"/>
+                </a:solidFill>
+              </a:uFill>
+              <a:latin typeface="Arial"/>
             </a:endParaRPr>
           </a:p>
         </p:txBody>
@@ -188,7 +190,7 @@
       </p:grpSpPr>
       <p:sp>
         <p:nvSpPr>
-          <p:cNvPr id="29" name="PlaceHolder 1"/>
+          <p:cNvPr id="26" name="PlaceHolder 1"/>
           <p:cNvSpPr>
             <a:spLocks noGrp="1"/>
           </p:cNvSpPr>
@@ -199,7 +201,7 @@
         <p:spPr>
           <a:xfrm>
             <a:off x="838080" y="365040"/>
-            <a:ext cx="10515240" cy="1325160"/>
+            <a:ext cx="10514880" cy="1324800"/>
           </a:xfrm>
           <a:prstGeom prst="rect">
             <a:avLst/>
@@ -208,23 +210,24 @@
         <p:txBody>
           <a:bodyPr lIns="0" rIns="0" tIns="0" bIns="0" anchor="ctr"/>
           <a:p>
-            <a:endParaRPr b="0" lang="zh-CN" sz="1800" spc="-1" strike="noStrike">
-              <a:solidFill>
-                <a:srgbClr val="000000"/>
-              </a:solidFill>
-              <a:uFill>
-                <a:solidFill>
-                  <a:srgbClr val="ffffff"/>
-                </a:solidFill>
-              </a:uFill>
-              <a:latin typeface="Calibri"/>
-            </a:endParaRPr>
-          </a:p>
-        </p:txBody>
-      </p:sp>
-      <p:sp>
-        <p:nvSpPr>
-          <p:cNvPr id="30" name="PlaceHolder 2"/>
+            <a:pPr algn="ctr"/>
+            <a:endParaRPr b="0" lang="en-US" sz="4400" spc="-1" strike="noStrike">
+              <a:solidFill>
+                <a:srgbClr val="000000"/>
+              </a:solidFill>
+              <a:uFill>
+                <a:solidFill>
+                  <a:srgbClr val="ffffff"/>
+                </a:solidFill>
+              </a:uFill>
+              <a:latin typeface="Arial"/>
+            </a:endParaRPr>
+          </a:p>
+        </p:txBody>
+      </p:sp>
+      <p:sp>
+        <p:nvSpPr>
+          <p:cNvPr id="27" name="PlaceHolder 2"/>
           <p:cNvSpPr>
             <a:spLocks noGrp="1"/>
           </p:cNvSpPr>
@@ -244,23 +247,23 @@
         <p:txBody>
           <a:bodyPr lIns="0" rIns="0" tIns="0" bIns="0"/>
           <a:p>
-            <a:endParaRPr b="0" lang="zh-CN" sz="2800" spc="-1" strike="noStrike">
-              <a:solidFill>
-                <a:srgbClr val="000000"/>
-              </a:solidFill>
-              <a:uFill>
-                <a:solidFill>
-                  <a:srgbClr val="ffffff"/>
-                </a:solidFill>
-              </a:uFill>
-              <a:latin typeface="Calibri"/>
-            </a:endParaRPr>
-          </a:p>
-        </p:txBody>
-      </p:sp>
-      <p:sp>
-        <p:nvSpPr>
-          <p:cNvPr id="31" name="PlaceHolder 3"/>
+            <a:endParaRPr b="0" lang="en-US" sz="3200" spc="-1" strike="noStrike">
+              <a:solidFill>
+                <a:srgbClr val="000000"/>
+              </a:solidFill>
+              <a:uFill>
+                <a:solidFill>
+                  <a:srgbClr val="ffffff"/>
+                </a:solidFill>
+              </a:uFill>
+              <a:latin typeface="Arial"/>
+            </a:endParaRPr>
+          </a:p>
+        </p:txBody>
+      </p:sp>
+      <p:sp>
+        <p:nvSpPr>
+          <p:cNvPr id="28" name="PlaceHolder 3"/>
           <p:cNvSpPr>
             <a:spLocks noGrp="1"/>
           </p:cNvSpPr>
@@ -280,23 +283,23 @@
         <p:txBody>
           <a:bodyPr lIns="0" rIns="0" tIns="0" bIns="0"/>
           <a:p>
-            <a:endParaRPr b="0" lang="zh-CN" sz="2800" spc="-1" strike="noStrike">
-              <a:solidFill>
-                <a:srgbClr val="000000"/>
-              </a:solidFill>
-              <a:uFill>
-                <a:solidFill>
-                  <a:srgbClr val="ffffff"/>
-                </a:solidFill>
-              </a:uFill>
-              <a:latin typeface="Calibri"/>
-            </a:endParaRPr>
-          </a:p>
-        </p:txBody>
-      </p:sp>
-      <p:sp>
-        <p:nvSpPr>
-          <p:cNvPr id="32" name="PlaceHolder 4"/>
+            <a:endParaRPr b="0" lang="en-US" sz="3200" spc="-1" strike="noStrike">
+              <a:solidFill>
+                <a:srgbClr val="000000"/>
+              </a:solidFill>
+              <a:uFill>
+                <a:solidFill>
+                  <a:srgbClr val="ffffff"/>
+                </a:solidFill>
+              </a:uFill>
+              <a:latin typeface="Arial"/>
+            </a:endParaRPr>
+          </a:p>
+        </p:txBody>
+      </p:sp>
+      <p:sp>
+        <p:nvSpPr>
+          <p:cNvPr id="29" name="PlaceHolder 4"/>
           <p:cNvSpPr>
             <a:spLocks noGrp="1"/>
           </p:cNvSpPr>
@@ -316,23 +319,23 @@
         <p:txBody>
           <a:bodyPr lIns="0" rIns="0" tIns="0" bIns="0"/>
           <a:p>
-            <a:endParaRPr b="0" lang="zh-CN" sz="2800" spc="-1" strike="noStrike">
-              <a:solidFill>
-                <a:srgbClr val="000000"/>
-              </a:solidFill>
-              <a:uFill>
-                <a:solidFill>
-                  <a:srgbClr val="ffffff"/>
-                </a:solidFill>
-              </a:uFill>
-              <a:latin typeface="Calibri"/>
-            </a:endParaRPr>
-          </a:p>
-        </p:txBody>
-      </p:sp>
-      <p:sp>
-        <p:nvSpPr>
-          <p:cNvPr id="33" name="PlaceHolder 5"/>
+            <a:endParaRPr b="0" lang="en-US" sz="3200" spc="-1" strike="noStrike">
+              <a:solidFill>
+                <a:srgbClr val="000000"/>
+              </a:solidFill>
+              <a:uFill>
+                <a:solidFill>
+                  <a:srgbClr val="ffffff"/>
+                </a:solidFill>
+              </a:uFill>
+              <a:latin typeface="Arial"/>
+            </a:endParaRPr>
+          </a:p>
+        </p:txBody>
+      </p:sp>
+      <p:sp>
+        <p:nvSpPr>
+          <p:cNvPr id="30" name="PlaceHolder 5"/>
           <p:cNvSpPr>
             <a:spLocks noGrp="1"/>
           </p:cNvSpPr>
@@ -352,16 +355,16 @@
         <p:txBody>
           <a:bodyPr lIns="0" rIns="0" tIns="0" bIns="0"/>
           <a:p>
-            <a:endParaRPr b="0" lang="zh-CN" sz="2800" spc="-1" strike="noStrike">
-              <a:solidFill>
-                <a:srgbClr val="000000"/>
-              </a:solidFill>
-              <a:uFill>
-                <a:solidFill>
-                  <a:srgbClr val="ffffff"/>
-                </a:solidFill>
-              </a:uFill>
-              <a:latin typeface="Calibri"/>
+            <a:endParaRPr b="0" lang="en-US" sz="3200" spc="-1" strike="noStrike">
+              <a:solidFill>
+                <a:srgbClr val="000000"/>
+              </a:solidFill>
+              <a:uFill>
+                <a:solidFill>
+                  <a:srgbClr val="ffffff"/>
+                </a:solidFill>
+              </a:uFill>
+              <a:latin typeface="Arial"/>
             </a:endParaRPr>
           </a:p>
         </p:txBody>
@@ -390,7 +393,7 @@
       </p:grpSpPr>
       <p:sp>
         <p:nvSpPr>
-          <p:cNvPr id="34" name="PlaceHolder 1"/>
+          <p:cNvPr id="31" name="PlaceHolder 1"/>
           <p:cNvSpPr>
             <a:spLocks noGrp="1"/>
           </p:cNvSpPr>
@@ -401,7 +404,7 @@
         <p:spPr>
           <a:xfrm>
             <a:off x="838080" y="365040"/>
-            <a:ext cx="10515240" cy="1325160"/>
+            <a:ext cx="10514880" cy="1324800"/>
           </a:xfrm>
           <a:prstGeom prst="rect">
             <a:avLst/>
@@ -410,23 +413,24 @@
         <p:txBody>
           <a:bodyPr lIns="0" rIns="0" tIns="0" bIns="0" anchor="ctr"/>
           <a:p>
-            <a:endParaRPr b="0" lang="zh-CN" sz="1800" spc="-1" strike="noStrike">
-              <a:solidFill>
-                <a:srgbClr val="000000"/>
-              </a:solidFill>
-              <a:uFill>
-                <a:solidFill>
-                  <a:srgbClr val="ffffff"/>
-                </a:solidFill>
-              </a:uFill>
-              <a:latin typeface="Calibri"/>
-            </a:endParaRPr>
-          </a:p>
-        </p:txBody>
-      </p:sp>
-      <p:sp>
-        <p:nvSpPr>
-          <p:cNvPr id="35" name="PlaceHolder 2"/>
+            <a:pPr algn="ctr"/>
+            <a:endParaRPr b="0" lang="en-US" sz="4400" spc="-1" strike="noStrike">
+              <a:solidFill>
+                <a:srgbClr val="000000"/>
+              </a:solidFill>
+              <a:uFill>
+                <a:solidFill>
+                  <a:srgbClr val="ffffff"/>
+                </a:solidFill>
+              </a:uFill>
+              <a:latin typeface="Arial"/>
+            </a:endParaRPr>
+          </a:p>
+        </p:txBody>
+      </p:sp>
+      <p:sp>
+        <p:nvSpPr>
+          <p:cNvPr id="32" name="PlaceHolder 2"/>
           <p:cNvSpPr>
             <a:spLocks noGrp="1"/>
           </p:cNvSpPr>
@@ -437,7 +441,7 @@
         <p:spPr>
           <a:xfrm>
             <a:off x="838080" y="1825560"/>
-            <a:ext cx="10515240" cy="4350960"/>
+            <a:ext cx="10514880" cy="4350600"/>
           </a:xfrm>
           <a:prstGeom prst="rect">
             <a:avLst/>
@@ -446,23 +450,23 @@
         <p:txBody>
           <a:bodyPr lIns="0" rIns="0" tIns="0" bIns="0"/>
           <a:p>
-            <a:endParaRPr b="0" lang="zh-CN" sz="2800" spc="-1" strike="noStrike">
-              <a:solidFill>
-                <a:srgbClr val="000000"/>
-              </a:solidFill>
-              <a:uFill>
-                <a:solidFill>
-                  <a:srgbClr val="ffffff"/>
-                </a:solidFill>
-              </a:uFill>
-              <a:latin typeface="Calibri"/>
-            </a:endParaRPr>
-          </a:p>
-        </p:txBody>
-      </p:sp>
-      <p:sp>
-        <p:nvSpPr>
-          <p:cNvPr id="36" name="PlaceHolder 3"/>
+            <a:endParaRPr b="0" lang="en-US" sz="3200" spc="-1" strike="noStrike">
+              <a:solidFill>
+                <a:srgbClr val="000000"/>
+              </a:solidFill>
+              <a:uFill>
+                <a:solidFill>
+                  <a:srgbClr val="ffffff"/>
+                </a:solidFill>
+              </a:uFill>
+              <a:latin typeface="Arial"/>
+            </a:endParaRPr>
+          </a:p>
+        </p:txBody>
+      </p:sp>
+      <p:sp>
+        <p:nvSpPr>
+          <p:cNvPr id="33" name="PlaceHolder 3"/>
           <p:cNvSpPr>
             <a:spLocks noGrp="1"/>
           </p:cNvSpPr>
@@ -473,7 +477,7 @@
         <p:spPr>
           <a:xfrm>
             <a:off x="838080" y="1825560"/>
-            <a:ext cx="10515240" cy="4350960"/>
+            <a:ext cx="10514880" cy="4350600"/>
           </a:xfrm>
           <a:prstGeom prst="rect">
             <a:avLst/>
@@ -482,23 +486,23 @@
         <p:txBody>
           <a:bodyPr lIns="0" rIns="0" tIns="0" bIns="0"/>
           <a:p>
-            <a:endParaRPr b="0" lang="zh-CN" sz="2800" spc="-1" strike="noStrike">
-              <a:solidFill>
-                <a:srgbClr val="000000"/>
-              </a:solidFill>
-              <a:uFill>
-                <a:solidFill>
-                  <a:srgbClr val="ffffff"/>
-                </a:solidFill>
-              </a:uFill>
-              <a:latin typeface="Calibri"/>
+            <a:endParaRPr b="0" lang="en-US" sz="3200" spc="-1" strike="noStrike">
+              <a:solidFill>
+                <a:srgbClr val="000000"/>
+              </a:solidFill>
+              <a:uFill>
+                <a:solidFill>
+                  <a:srgbClr val="ffffff"/>
+                </a:solidFill>
+              </a:uFill>
+              <a:latin typeface="Arial"/>
             </a:endParaRPr>
           </a:p>
         </p:txBody>
       </p:sp>
       <p:pic>
         <p:nvPicPr>
-          <p:cNvPr id="37" name="" descr=""/>
+          <p:cNvPr id="34" name="" descr=""/>
           <p:cNvPicPr/>
           <p:nvPr/>
         </p:nvPicPr>
@@ -508,8 +512,8 @@
         </p:blipFill>
         <p:spPr>
           <a:xfrm>
-            <a:off x="3368880" y="1825560"/>
-            <a:ext cx="5452920" cy="4350960"/>
+            <a:off x="3369240" y="1825200"/>
+            <a:ext cx="5452560" cy="4350600"/>
           </a:xfrm>
           <a:prstGeom prst="rect">
             <a:avLst/>
@@ -521,7 +525,7 @@
       </p:pic>
       <p:pic>
         <p:nvPicPr>
-          <p:cNvPr id="38" name="" descr=""/>
+          <p:cNvPr id="35" name="" descr=""/>
           <p:cNvPicPr/>
           <p:nvPr/>
         </p:nvPicPr>
@@ -531,8 +535,8 @@
         </p:blipFill>
         <p:spPr>
           <a:xfrm>
-            <a:off x="3368880" y="1825560"/>
-            <a:ext cx="5452920" cy="4350960"/>
+            <a:off x="3369240" y="1825200"/>
+            <a:ext cx="5452560" cy="4350600"/>
           </a:xfrm>
           <a:prstGeom prst="rect">
             <a:avLst/>
@@ -588,7 +592,7 @@
       </p:grpSpPr>
       <p:sp>
         <p:nvSpPr>
-          <p:cNvPr id="44" name="PlaceHolder 1"/>
+          <p:cNvPr id="38" name="PlaceHolder 1"/>
           <p:cNvSpPr>
             <a:spLocks noGrp="1"/>
           </p:cNvSpPr>
@@ -599,7 +603,7 @@
         <p:spPr>
           <a:xfrm>
             <a:off x="838080" y="365040"/>
-            <a:ext cx="10515240" cy="1325160"/>
+            <a:ext cx="10514880" cy="1324800"/>
           </a:xfrm>
           <a:prstGeom prst="rect">
             <a:avLst/>
@@ -608,23 +612,24 @@
         <p:txBody>
           <a:bodyPr lIns="0" rIns="0" tIns="0" bIns="0" anchor="ctr"/>
           <a:p>
-            <a:endParaRPr b="0" lang="zh-CN" sz="1800" spc="-1" strike="noStrike">
-              <a:solidFill>
-                <a:srgbClr val="000000"/>
-              </a:solidFill>
-              <a:uFill>
-                <a:solidFill>
-                  <a:srgbClr val="ffffff"/>
-                </a:solidFill>
-              </a:uFill>
-              <a:latin typeface="Calibri"/>
-            </a:endParaRPr>
-          </a:p>
-        </p:txBody>
-      </p:sp>
-      <p:sp>
-        <p:nvSpPr>
-          <p:cNvPr id="45" name="PlaceHolder 2"/>
+            <a:pPr algn="ctr"/>
+            <a:endParaRPr b="0" lang="en-US" sz="4400" spc="-1" strike="noStrike">
+              <a:solidFill>
+                <a:srgbClr val="000000"/>
+              </a:solidFill>
+              <a:uFill>
+                <a:solidFill>
+                  <a:srgbClr val="ffffff"/>
+                </a:solidFill>
+              </a:uFill>
+              <a:latin typeface="Arial"/>
+            </a:endParaRPr>
+          </a:p>
+        </p:txBody>
+      </p:sp>
+      <p:sp>
+        <p:nvSpPr>
+          <p:cNvPr id="39" name="PlaceHolder 2"/>
           <p:cNvSpPr>
             <a:spLocks noGrp="1"/>
           </p:cNvSpPr>
@@ -635,7 +640,7 @@
         <p:spPr>
           <a:xfrm>
             <a:off x="838080" y="1825560"/>
-            <a:ext cx="10515240" cy="4350960"/>
+            <a:ext cx="10514880" cy="4350600"/>
           </a:xfrm>
           <a:prstGeom prst="rect">
             <a:avLst/>
@@ -683,7 +688,7 @@
       </p:grpSpPr>
       <p:sp>
         <p:nvSpPr>
-          <p:cNvPr id="46" name="PlaceHolder 1"/>
+          <p:cNvPr id="40" name="PlaceHolder 1"/>
           <p:cNvSpPr>
             <a:spLocks noGrp="1"/>
           </p:cNvSpPr>
@@ -694,7 +699,7 @@
         <p:spPr>
           <a:xfrm>
             <a:off x="838080" y="365040"/>
-            <a:ext cx="10515240" cy="1325160"/>
+            <a:ext cx="10514880" cy="1324800"/>
           </a:xfrm>
           <a:prstGeom prst="rect">
             <a:avLst/>
@@ -703,23 +708,24 @@
         <p:txBody>
           <a:bodyPr lIns="0" rIns="0" tIns="0" bIns="0" anchor="ctr"/>
           <a:p>
-            <a:endParaRPr b="0" lang="zh-CN" sz="1800" spc="-1" strike="noStrike">
-              <a:solidFill>
-                <a:srgbClr val="000000"/>
-              </a:solidFill>
-              <a:uFill>
-                <a:solidFill>
-                  <a:srgbClr val="ffffff"/>
-                </a:solidFill>
-              </a:uFill>
-              <a:latin typeface="Calibri"/>
-            </a:endParaRPr>
-          </a:p>
-        </p:txBody>
-      </p:sp>
-      <p:sp>
-        <p:nvSpPr>
-          <p:cNvPr id="47" name="PlaceHolder 2"/>
+            <a:pPr algn="ctr"/>
+            <a:endParaRPr b="0" lang="en-US" sz="4400" spc="-1" strike="noStrike">
+              <a:solidFill>
+                <a:srgbClr val="000000"/>
+              </a:solidFill>
+              <a:uFill>
+                <a:solidFill>
+                  <a:srgbClr val="ffffff"/>
+                </a:solidFill>
+              </a:uFill>
+              <a:latin typeface="Arial"/>
+            </a:endParaRPr>
+          </a:p>
+        </p:txBody>
+      </p:sp>
+      <p:sp>
+        <p:nvSpPr>
+          <p:cNvPr id="41" name="PlaceHolder 2"/>
           <p:cNvSpPr>
             <a:spLocks noGrp="1"/>
           </p:cNvSpPr>
@@ -730,7 +736,7 @@
         <p:spPr>
           <a:xfrm>
             <a:off x="838080" y="1825560"/>
-            <a:ext cx="10515240" cy="4350960"/>
+            <a:ext cx="10514880" cy="4350600"/>
           </a:xfrm>
           <a:prstGeom prst="rect">
             <a:avLst/>
@@ -739,16 +745,16 @@
         <p:txBody>
           <a:bodyPr lIns="0" rIns="0" tIns="0" bIns="0"/>
           <a:p>
-            <a:endParaRPr b="0" lang="zh-CN" sz="2800" spc="-1" strike="noStrike">
-              <a:solidFill>
-                <a:srgbClr val="000000"/>
-              </a:solidFill>
-              <a:uFill>
-                <a:solidFill>
-                  <a:srgbClr val="ffffff"/>
-                </a:solidFill>
-              </a:uFill>
-              <a:latin typeface="Calibri"/>
+            <a:endParaRPr b="0" lang="en-US" sz="3200" spc="-1" strike="noStrike">
+              <a:solidFill>
+                <a:srgbClr val="000000"/>
+              </a:solidFill>
+              <a:uFill>
+                <a:solidFill>
+                  <a:srgbClr val="ffffff"/>
+                </a:solidFill>
+              </a:uFill>
+              <a:latin typeface="Arial"/>
             </a:endParaRPr>
           </a:p>
         </p:txBody>
@@ -777,7 +783,7 @@
       </p:grpSpPr>
       <p:sp>
         <p:nvSpPr>
-          <p:cNvPr id="48" name="PlaceHolder 1"/>
+          <p:cNvPr id="42" name="PlaceHolder 1"/>
           <p:cNvSpPr>
             <a:spLocks noGrp="1"/>
           </p:cNvSpPr>
@@ -788,7 +794,7 @@
         <p:spPr>
           <a:xfrm>
             <a:off x="838080" y="365040"/>
-            <a:ext cx="10515240" cy="1325160"/>
+            <a:ext cx="10514880" cy="1324800"/>
           </a:xfrm>
           <a:prstGeom prst="rect">
             <a:avLst/>
@@ -797,23 +803,24 @@
         <p:txBody>
           <a:bodyPr lIns="0" rIns="0" tIns="0" bIns="0" anchor="ctr"/>
           <a:p>
-            <a:endParaRPr b="0" lang="zh-CN" sz="1800" spc="-1" strike="noStrike">
-              <a:solidFill>
-                <a:srgbClr val="000000"/>
-              </a:solidFill>
-              <a:uFill>
-                <a:solidFill>
-                  <a:srgbClr val="ffffff"/>
-                </a:solidFill>
-              </a:uFill>
-              <a:latin typeface="Calibri"/>
-            </a:endParaRPr>
-          </a:p>
-        </p:txBody>
-      </p:sp>
-      <p:sp>
-        <p:nvSpPr>
-          <p:cNvPr id="49" name="PlaceHolder 2"/>
+            <a:pPr algn="ctr"/>
+            <a:endParaRPr b="0" lang="en-US" sz="4400" spc="-1" strike="noStrike">
+              <a:solidFill>
+                <a:srgbClr val="000000"/>
+              </a:solidFill>
+              <a:uFill>
+                <a:solidFill>
+                  <a:srgbClr val="ffffff"/>
+                </a:solidFill>
+              </a:uFill>
+              <a:latin typeface="Arial"/>
+            </a:endParaRPr>
+          </a:p>
+        </p:txBody>
+      </p:sp>
+      <p:sp>
+        <p:nvSpPr>
+          <p:cNvPr id="43" name="PlaceHolder 2"/>
           <p:cNvSpPr>
             <a:spLocks noGrp="1"/>
           </p:cNvSpPr>
@@ -824,7 +831,7 @@
         <p:spPr>
           <a:xfrm>
             <a:off x="838080" y="1825560"/>
-            <a:ext cx="5131080" cy="4350960"/>
+            <a:ext cx="5131080" cy="4350600"/>
           </a:xfrm>
           <a:prstGeom prst="rect">
             <a:avLst/>
@@ -833,23 +840,23 @@
         <p:txBody>
           <a:bodyPr lIns="0" rIns="0" tIns="0" bIns="0"/>
           <a:p>
-            <a:endParaRPr b="0" lang="zh-CN" sz="2800" spc="-1" strike="noStrike">
-              <a:solidFill>
-                <a:srgbClr val="000000"/>
-              </a:solidFill>
-              <a:uFill>
-                <a:solidFill>
-                  <a:srgbClr val="ffffff"/>
-                </a:solidFill>
-              </a:uFill>
-              <a:latin typeface="Calibri"/>
-            </a:endParaRPr>
-          </a:p>
-        </p:txBody>
-      </p:sp>
-      <p:sp>
-        <p:nvSpPr>
-          <p:cNvPr id="50" name="PlaceHolder 3"/>
+            <a:endParaRPr b="0" lang="en-US" sz="3200" spc="-1" strike="noStrike">
+              <a:solidFill>
+                <a:srgbClr val="000000"/>
+              </a:solidFill>
+              <a:uFill>
+                <a:solidFill>
+                  <a:srgbClr val="ffffff"/>
+                </a:solidFill>
+              </a:uFill>
+              <a:latin typeface="Arial"/>
+            </a:endParaRPr>
+          </a:p>
+        </p:txBody>
+      </p:sp>
+      <p:sp>
+        <p:nvSpPr>
+          <p:cNvPr id="44" name="PlaceHolder 3"/>
           <p:cNvSpPr>
             <a:spLocks noGrp="1"/>
           </p:cNvSpPr>
@@ -860,7 +867,7 @@
         <p:spPr>
           <a:xfrm>
             <a:off x="6226200" y="1825560"/>
-            <a:ext cx="5131080" cy="4350960"/>
+            <a:ext cx="5131080" cy="4350600"/>
           </a:xfrm>
           <a:prstGeom prst="rect">
             <a:avLst/>
@@ -869,16 +876,16 @@
         <p:txBody>
           <a:bodyPr lIns="0" rIns="0" tIns="0" bIns="0"/>
           <a:p>
-            <a:endParaRPr b="0" lang="zh-CN" sz="2800" spc="-1" strike="noStrike">
-              <a:solidFill>
-                <a:srgbClr val="000000"/>
-              </a:solidFill>
-              <a:uFill>
-                <a:solidFill>
-                  <a:srgbClr val="ffffff"/>
-                </a:solidFill>
-              </a:uFill>
-              <a:latin typeface="Calibri"/>
+            <a:endParaRPr b="0" lang="en-US" sz="3200" spc="-1" strike="noStrike">
+              <a:solidFill>
+                <a:srgbClr val="000000"/>
+              </a:solidFill>
+              <a:uFill>
+                <a:solidFill>
+                  <a:srgbClr val="ffffff"/>
+                </a:solidFill>
+              </a:uFill>
+              <a:latin typeface="Arial"/>
             </a:endParaRPr>
           </a:p>
         </p:txBody>
@@ -907,7 +914,7 @@
       </p:grpSpPr>
       <p:sp>
         <p:nvSpPr>
-          <p:cNvPr id="51" name="PlaceHolder 1"/>
+          <p:cNvPr id="45" name="PlaceHolder 1"/>
           <p:cNvSpPr>
             <a:spLocks noGrp="1"/>
           </p:cNvSpPr>
@@ -918,7 +925,7 @@
         <p:spPr>
           <a:xfrm>
             <a:off x="838080" y="365040"/>
-            <a:ext cx="10515240" cy="1325160"/>
+            <a:ext cx="10514880" cy="1324800"/>
           </a:xfrm>
           <a:prstGeom prst="rect">
             <a:avLst/>
@@ -927,16 +934,17 @@
         <p:txBody>
           <a:bodyPr lIns="0" rIns="0" tIns="0" bIns="0" anchor="ctr"/>
           <a:p>
-            <a:endParaRPr b="0" lang="zh-CN" sz="1800" spc="-1" strike="noStrike">
-              <a:solidFill>
-                <a:srgbClr val="000000"/>
-              </a:solidFill>
-              <a:uFill>
-                <a:solidFill>
-                  <a:srgbClr val="ffffff"/>
-                </a:solidFill>
-              </a:uFill>
-              <a:latin typeface="Calibri"/>
+            <a:pPr algn="ctr"/>
+            <a:endParaRPr b="0" lang="en-US" sz="4400" spc="-1" strike="noStrike">
+              <a:solidFill>
+                <a:srgbClr val="000000"/>
+              </a:solidFill>
+              <a:uFill>
+                <a:solidFill>
+                  <a:srgbClr val="ffffff"/>
+                </a:solidFill>
+              </a:uFill>
+              <a:latin typeface="Arial"/>
             </a:endParaRPr>
           </a:p>
         </p:txBody>
@@ -965,7 +973,7 @@
       </p:grpSpPr>
       <p:sp>
         <p:nvSpPr>
-          <p:cNvPr id="52" name="PlaceHolder 1"/>
+          <p:cNvPr id="46" name="PlaceHolder 1"/>
           <p:cNvSpPr>
             <a:spLocks noGrp="1"/>
           </p:cNvSpPr>
@@ -976,7 +984,7 @@
         <p:spPr>
           <a:xfrm>
             <a:off x="838080" y="365040"/>
-            <a:ext cx="10515240" cy="6144120"/>
+            <a:ext cx="10514880" cy="6142320"/>
           </a:xfrm>
           <a:prstGeom prst="rect">
             <a:avLst/>
@@ -1024,7 +1032,7 @@
       </p:grpSpPr>
       <p:sp>
         <p:nvSpPr>
-          <p:cNvPr id="53" name="PlaceHolder 1"/>
+          <p:cNvPr id="47" name="PlaceHolder 1"/>
           <p:cNvSpPr>
             <a:spLocks noGrp="1"/>
           </p:cNvSpPr>
@@ -1035,7 +1043,7 @@
         <p:spPr>
           <a:xfrm>
             <a:off x="838080" y="365040"/>
-            <a:ext cx="10515240" cy="1325160"/>
+            <a:ext cx="10514880" cy="1324800"/>
           </a:xfrm>
           <a:prstGeom prst="rect">
             <a:avLst/>
@@ -1044,23 +1052,24 @@
         <p:txBody>
           <a:bodyPr lIns="0" rIns="0" tIns="0" bIns="0" anchor="ctr"/>
           <a:p>
-            <a:endParaRPr b="0" lang="zh-CN" sz="1800" spc="-1" strike="noStrike">
-              <a:solidFill>
-                <a:srgbClr val="000000"/>
-              </a:solidFill>
-              <a:uFill>
-                <a:solidFill>
-                  <a:srgbClr val="ffffff"/>
-                </a:solidFill>
-              </a:uFill>
-              <a:latin typeface="Calibri"/>
-            </a:endParaRPr>
-          </a:p>
-        </p:txBody>
-      </p:sp>
-      <p:sp>
-        <p:nvSpPr>
-          <p:cNvPr id="54" name="PlaceHolder 2"/>
+            <a:pPr algn="ctr"/>
+            <a:endParaRPr b="0" lang="en-US" sz="4400" spc="-1" strike="noStrike">
+              <a:solidFill>
+                <a:srgbClr val="000000"/>
+              </a:solidFill>
+              <a:uFill>
+                <a:solidFill>
+                  <a:srgbClr val="ffffff"/>
+                </a:solidFill>
+              </a:uFill>
+              <a:latin typeface="Arial"/>
+            </a:endParaRPr>
+          </a:p>
+        </p:txBody>
+      </p:sp>
+      <p:sp>
+        <p:nvSpPr>
+          <p:cNvPr id="48" name="PlaceHolder 2"/>
           <p:cNvSpPr>
             <a:spLocks noGrp="1"/>
           </p:cNvSpPr>
@@ -1080,23 +1089,23 @@
         <p:txBody>
           <a:bodyPr lIns="0" rIns="0" tIns="0" bIns="0"/>
           <a:p>
-            <a:endParaRPr b="0" lang="zh-CN" sz="2800" spc="-1" strike="noStrike">
-              <a:solidFill>
-                <a:srgbClr val="000000"/>
-              </a:solidFill>
-              <a:uFill>
-                <a:solidFill>
-                  <a:srgbClr val="ffffff"/>
-                </a:solidFill>
-              </a:uFill>
-              <a:latin typeface="Calibri"/>
-            </a:endParaRPr>
-          </a:p>
-        </p:txBody>
-      </p:sp>
-      <p:sp>
-        <p:nvSpPr>
-          <p:cNvPr id="55" name="PlaceHolder 3"/>
+            <a:endParaRPr b="0" lang="en-US" sz="3200" spc="-1" strike="noStrike">
+              <a:solidFill>
+                <a:srgbClr val="000000"/>
+              </a:solidFill>
+              <a:uFill>
+                <a:solidFill>
+                  <a:srgbClr val="ffffff"/>
+                </a:solidFill>
+              </a:uFill>
+              <a:latin typeface="Arial"/>
+            </a:endParaRPr>
+          </a:p>
+        </p:txBody>
+      </p:sp>
+      <p:sp>
+        <p:nvSpPr>
+          <p:cNvPr id="49" name="PlaceHolder 3"/>
           <p:cNvSpPr>
             <a:spLocks noGrp="1"/>
           </p:cNvSpPr>
@@ -1116,23 +1125,23 @@
         <p:txBody>
           <a:bodyPr lIns="0" rIns="0" tIns="0" bIns="0"/>
           <a:p>
-            <a:endParaRPr b="0" lang="zh-CN" sz="2800" spc="-1" strike="noStrike">
-              <a:solidFill>
-                <a:srgbClr val="000000"/>
-              </a:solidFill>
-              <a:uFill>
-                <a:solidFill>
-                  <a:srgbClr val="ffffff"/>
-                </a:solidFill>
-              </a:uFill>
-              <a:latin typeface="Calibri"/>
-            </a:endParaRPr>
-          </a:p>
-        </p:txBody>
-      </p:sp>
-      <p:sp>
-        <p:nvSpPr>
-          <p:cNvPr id="56" name="PlaceHolder 4"/>
+            <a:endParaRPr b="0" lang="en-US" sz="3200" spc="-1" strike="noStrike">
+              <a:solidFill>
+                <a:srgbClr val="000000"/>
+              </a:solidFill>
+              <a:uFill>
+                <a:solidFill>
+                  <a:srgbClr val="ffffff"/>
+                </a:solidFill>
+              </a:uFill>
+              <a:latin typeface="Arial"/>
+            </a:endParaRPr>
+          </a:p>
+        </p:txBody>
+      </p:sp>
+      <p:sp>
+        <p:nvSpPr>
+          <p:cNvPr id="50" name="PlaceHolder 4"/>
           <p:cNvSpPr>
             <a:spLocks noGrp="1"/>
           </p:cNvSpPr>
@@ -1143,7 +1152,7 @@
         <p:spPr>
           <a:xfrm>
             <a:off x="6226200" y="1825560"/>
-            <a:ext cx="5131080" cy="4350960"/>
+            <a:ext cx="5131080" cy="4350600"/>
           </a:xfrm>
           <a:prstGeom prst="rect">
             <a:avLst/>
@@ -1152,16 +1161,16 @@
         <p:txBody>
           <a:bodyPr lIns="0" rIns="0" tIns="0" bIns="0"/>
           <a:p>
-            <a:endParaRPr b="0" lang="zh-CN" sz="2800" spc="-1" strike="noStrike">
-              <a:solidFill>
-                <a:srgbClr val="000000"/>
-              </a:solidFill>
-              <a:uFill>
-                <a:solidFill>
-                  <a:srgbClr val="ffffff"/>
-                </a:solidFill>
-              </a:uFill>
-              <a:latin typeface="Calibri"/>
+            <a:endParaRPr b="0" lang="en-US" sz="3200" spc="-1" strike="noStrike">
+              <a:solidFill>
+                <a:srgbClr val="000000"/>
+              </a:solidFill>
+              <a:uFill>
+                <a:solidFill>
+                  <a:srgbClr val="ffffff"/>
+                </a:solidFill>
+              </a:uFill>
+              <a:latin typeface="Arial"/>
             </a:endParaRPr>
           </a:p>
         </p:txBody>
@@ -1190,7 +1199,7 @@
       </p:grpSpPr>
       <p:sp>
         <p:nvSpPr>
-          <p:cNvPr id="5" name="PlaceHolder 1"/>
+          <p:cNvPr id="2" name="PlaceHolder 1"/>
           <p:cNvSpPr>
             <a:spLocks noGrp="1"/>
           </p:cNvSpPr>
@@ -1201,7 +1210,7 @@
         <p:spPr>
           <a:xfrm>
             <a:off x="838080" y="365040"/>
-            <a:ext cx="10515240" cy="1325160"/>
+            <a:ext cx="10514880" cy="1324800"/>
           </a:xfrm>
           <a:prstGeom prst="rect">
             <a:avLst/>
@@ -1210,23 +1219,24 @@
         <p:txBody>
           <a:bodyPr lIns="0" rIns="0" tIns="0" bIns="0" anchor="ctr"/>
           <a:p>
-            <a:endParaRPr b="0" lang="zh-CN" sz="1800" spc="-1" strike="noStrike">
-              <a:solidFill>
-                <a:srgbClr val="000000"/>
-              </a:solidFill>
-              <a:uFill>
-                <a:solidFill>
-                  <a:srgbClr val="ffffff"/>
-                </a:solidFill>
-              </a:uFill>
-              <a:latin typeface="Calibri"/>
-            </a:endParaRPr>
-          </a:p>
-        </p:txBody>
-      </p:sp>
-      <p:sp>
-        <p:nvSpPr>
-          <p:cNvPr id="6" name="PlaceHolder 2"/>
+            <a:pPr algn="ctr"/>
+            <a:endParaRPr b="0" lang="en-US" sz="4400" spc="-1" strike="noStrike">
+              <a:solidFill>
+                <a:srgbClr val="000000"/>
+              </a:solidFill>
+              <a:uFill>
+                <a:solidFill>
+                  <a:srgbClr val="ffffff"/>
+                </a:solidFill>
+              </a:uFill>
+              <a:latin typeface="Arial"/>
+            </a:endParaRPr>
+          </a:p>
+        </p:txBody>
+      </p:sp>
+      <p:sp>
+        <p:nvSpPr>
+          <p:cNvPr id="3" name="PlaceHolder 2"/>
           <p:cNvSpPr>
             <a:spLocks noGrp="1"/>
           </p:cNvSpPr>
@@ -1237,7 +1247,7 @@
         <p:spPr>
           <a:xfrm>
             <a:off x="838080" y="1825560"/>
-            <a:ext cx="10515240" cy="4350960"/>
+            <a:ext cx="10514880" cy="4350600"/>
           </a:xfrm>
           <a:prstGeom prst="rect">
             <a:avLst/>
@@ -1285,7 +1295,7 @@
       </p:grpSpPr>
       <p:sp>
         <p:nvSpPr>
-          <p:cNvPr id="57" name="PlaceHolder 1"/>
+          <p:cNvPr id="51" name="PlaceHolder 1"/>
           <p:cNvSpPr>
             <a:spLocks noGrp="1"/>
           </p:cNvSpPr>
@@ -1296,7 +1306,7 @@
         <p:spPr>
           <a:xfrm>
             <a:off x="838080" y="365040"/>
-            <a:ext cx="10515240" cy="1325160"/>
+            <a:ext cx="10514880" cy="1324800"/>
           </a:xfrm>
           <a:prstGeom prst="rect">
             <a:avLst/>
@@ -1305,23 +1315,24 @@
         <p:txBody>
           <a:bodyPr lIns="0" rIns="0" tIns="0" bIns="0" anchor="ctr"/>
           <a:p>
-            <a:endParaRPr b="0" lang="zh-CN" sz="1800" spc="-1" strike="noStrike">
-              <a:solidFill>
-                <a:srgbClr val="000000"/>
-              </a:solidFill>
-              <a:uFill>
-                <a:solidFill>
-                  <a:srgbClr val="ffffff"/>
-                </a:solidFill>
-              </a:uFill>
-              <a:latin typeface="Calibri"/>
-            </a:endParaRPr>
-          </a:p>
-        </p:txBody>
-      </p:sp>
-      <p:sp>
-        <p:nvSpPr>
-          <p:cNvPr id="58" name="PlaceHolder 2"/>
+            <a:pPr algn="ctr"/>
+            <a:endParaRPr b="0" lang="en-US" sz="4400" spc="-1" strike="noStrike">
+              <a:solidFill>
+                <a:srgbClr val="000000"/>
+              </a:solidFill>
+              <a:uFill>
+                <a:solidFill>
+                  <a:srgbClr val="ffffff"/>
+                </a:solidFill>
+              </a:uFill>
+              <a:latin typeface="Arial"/>
+            </a:endParaRPr>
+          </a:p>
+        </p:txBody>
+      </p:sp>
+      <p:sp>
+        <p:nvSpPr>
+          <p:cNvPr id="52" name="PlaceHolder 2"/>
           <p:cNvSpPr>
             <a:spLocks noGrp="1"/>
           </p:cNvSpPr>
@@ -1332,7 +1343,7 @@
         <p:spPr>
           <a:xfrm>
             <a:off x="838080" y="1825560"/>
-            <a:ext cx="5131080" cy="4350960"/>
+            <a:ext cx="5131080" cy="4350600"/>
           </a:xfrm>
           <a:prstGeom prst="rect">
             <a:avLst/>
@@ -1341,23 +1352,23 @@
         <p:txBody>
           <a:bodyPr lIns="0" rIns="0" tIns="0" bIns="0"/>
           <a:p>
-            <a:endParaRPr b="0" lang="zh-CN" sz="2800" spc="-1" strike="noStrike">
-              <a:solidFill>
-                <a:srgbClr val="000000"/>
-              </a:solidFill>
-              <a:uFill>
-                <a:solidFill>
-                  <a:srgbClr val="ffffff"/>
-                </a:solidFill>
-              </a:uFill>
-              <a:latin typeface="Calibri"/>
-            </a:endParaRPr>
-          </a:p>
-        </p:txBody>
-      </p:sp>
-      <p:sp>
-        <p:nvSpPr>
-          <p:cNvPr id="59" name="PlaceHolder 3"/>
+            <a:endParaRPr b="0" lang="en-US" sz="3200" spc="-1" strike="noStrike">
+              <a:solidFill>
+                <a:srgbClr val="000000"/>
+              </a:solidFill>
+              <a:uFill>
+                <a:solidFill>
+                  <a:srgbClr val="ffffff"/>
+                </a:solidFill>
+              </a:uFill>
+              <a:latin typeface="Arial"/>
+            </a:endParaRPr>
+          </a:p>
+        </p:txBody>
+      </p:sp>
+      <p:sp>
+        <p:nvSpPr>
+          <p:cNvPr id="53" name="PlaceHolder 3"/>
           <p:cNvSpPr>
             <a:spLocks noGrp="1"/>
           </p:cNvSpPr>
@@ -1377,23 +1388,23 @@
         <p:txBody>
           <a:bodyPr lIns="0" rIns="0" tIns="0" bIns="0"/>
           <a:p>
-            <a:endParaRPr b="0" lang="zh-CN" sz="2800" spc="-1" strike="noStrike">
-              <a:solidFill>
-                <a:srgbClr val="000000"/>
-              </a:solidFill>
-              <a:uFill>
-                <a:solidFill>
-                  <a:srgbClr val="ffffff"/>
-                </a:solidFill>
-              </a:uFill>
-              <a:latin typeface="Calibri"/>
-            </a:endParaRPr>
-          </a:p>
-        </p:txBody>
-      </p:sp>
-      <p:sp>
-        <p:nvSpPr>
-          <p:cNvPr id="60" name="PlaceHolder 4"/>
+            <a:endParaRPr b="0" lang="en-US" sz="3200" spc="-1" strike="noStrike">
+              <a:solidFill>
+                <a:srgbClr val="000000"/>
+              </a:solidFill>
+              <a:uFill>
+                <a:solidFill>
+                  <a:srgbClr val="ffffff"/>
+                </a:solidFill>
+              </a:uFill>
+              <a:latin typeface="Arial"/>
+            </a:endParaRPr>
+          </a:p>
+        </p:txBody>
+      </p:sp>
+      <p:sp>
+        <p:nvSpPr>
+          <p:cNvPr id="54" name="PlaceHolder 4"/>
           <p:cNvSpPr>
             <a:spLocks noGrp="1"/>
           </p:cNvSpPr>
@@ -1413,16 +1424,16 @@
         <p:txBody>
           <a:bodyPr lIns="0" rIns="0" tIns="0" bIns="0"/>
           <a:p>
-            <a:endParaRPr b="0" lang="zh-CN" sz="2800" spc="-1" strike="noStrike">
-              <a:solidFill>
-                <a:srgbClr val="000000"/>
-              </a:solidFill>
-              <a:uFill>
-                <a:solidFill>
-                  <a:srgbClr val="ffffff"/>
-                </a:solidFill>
-              </a:uFill>
-              <a:latin typeface="Calibri"/>
+            <a:endParaRPr b="0" lang="en-US" sz="3200" spc="-1" strike="noStrike">
+              <a:solidFill>
+                <a:srgbClr val="000000"/>
+              </a:solidFill>
+              <a:uFill>
+                <a:solidFill>
+                  <a:srgbClr val="ffffff"/>
+                </a:solidFill>
+              </a:uFill>
+              <a:latin typeface="Arial"/>
             </a:endParaRPr>
           </a:p>
         </p:txBody>
@@ -1451,7 +1462,7 @@
       </p:grpSpPr>
       <p:sp>
         <p:nvSpPr>
-          <p:cNvPr id="61" name="PlaceHolder 1"/>
+          <p:cNvPr id="55" name="PlaceHolder 1"/>
           <p:cNvSpPr>
             <a:spLocks noGrp="1"/>
           </p:cNvSpPr>
@@ -1462,7 +1473,7 @@
         <p:spPr>
           <a:xfrm>
             <a:off x="838080" y="365040"/>
-            <a:ext cx="10515240" cy="1325160"/>
+            <a:ext cx="10514880" cy="1324800"/>
           </a:xfrm>
           <a:prstGeom prst="rect">
             <a:avLst/>
@@ -1471,23 +1482,24 @@
         <p:txBody>
           <a:bodyPr lIns="0" rIns="0" tIns="0" bIns="0" anchor="ctr"/>
           <a:p>
-            <a:endParaRPr b="0" lang="zh-CN" sz="1800" spc="-1" strike="noStrike">
-              <a:solidFill>
-                <a:srgbClr val="000000"/>
-              </a:solidFill>
-              <a:uFill>
-                <a:solidFill>
-                  <a:srgbClr val="ffffff"/>
-                </a:solidFill>
-              </a:uFill>
-              <a:latin typeface="Calibri"/>
-            </a:endParaRPr>
-          </a:p>
-        </p:txBody>
-      </p:sp>
-      <p:sp>
-        <p:nvSpPr>
-          <p:cNvPr id="62" name="PlaceHolder 2"/>
+            <a:pPr algn="ctr"/>
+            <a:endParaRPr b="0" lang="en-US" sz="4400" spc="-1" strike="noStrike">
+              <a:solidFill>
+                <a:srgbClr val="000000"/>
+              </a:solidFill>
+              <a:uFill>
+                <a:solidFill>
+                  <a:srgbClr val="ffffff"/>
+                </a:solidFill>
+              </a:uFill>
+              <a:latin typeface="Arial"/>
+            </a:endParaRPr>
+          </a:p>
+        </p:txBody>
+      </p:sp>
+      <p:sp>
+        <p:nvSpPr>
+          <p:cNvPr id="56" name="PlaceHolder 2"/>
           <p:cNvSpPr>
             <a:spLocks noGrp="1"/>
           </p:cNvSpPr>
@@ -1507,23 +1519,23 @@
         <p:txBody>
           <a:bodyPr lIns="0" rIns="0" tIns="0" bIns="0"/>
           <a:p>
-            <a:endParaRPr b="0" lang="zh-CN" sz="2800" spc="-1" strike="noStrike">
-              <a:solidFill>
-                <a:srgbClr val="000000"/>
-              </a:solidFill>
-              <a:uFill>
-                <a:solidFill>
-                  <a:srgbClr val="ffffff"/>
-                </a:solidFill>
-              </a:uFill>
-              <a:latin typeface="Calibri"/>
-            </a:endParaRPr>
-          </a:p>
-        </p:txBody>
-      </p:sp>
-      <p:sp>
-        <p:nvSpPr>
-          <p:cNvPr id="63" name="PlaceHolder 3"/>
+            <a:endParaRPr b="0" lang="en-US" sz="3200" spc="-1" strike="noStrike">
+              <a:solidFill>
+                <a:srgbClr val="000000"/>
+              </a:solidFill>
+              <a:uFill>
+                <a:solidFill>
+                  <a:srgbClr val="ffffff"/>
+                </a:solidFill>
+              </a:uFill>
+              <a:latin typeface="Arial"/>
+            </a:endParaRPr>
+          </a:p>
+        </p:txBody>
+      </p:sp>
+      <p:sp>
+        <p:nvSpPr>
+          <p:cNvPr id="57" name="PlaceHolder 3"/>
           <p:cNvSpPr>
             <a:spLocks noGrp="1"/>
           </p:cNvSpPr>
@@ -1543,23 +1555,23 @@
         <p:txBody>
           <a:bodyPr lIns="0" rIns="0" tIns="0" bIns="0"/>
           <a:p>
-            <a:endParaRPr b="0" lang="zh-CN" sz="2800" spc="-1" strike="noStrike">
-              <a:solidFill>
-                <a:srgbClr val="000000"/>
-              </a:solidFill>
-              <a:uFill>
-                <a:solidFill>
-                  <a:srgbClr val="ffffff"/>
-                </a:solidFill>
-              </a:uFill>
-              <a:latin typeface="Calibri"/>
-            </a:endParaRPr>
-          </a:p>
-        </p:txBody>
-      </p:sp>
-      <p:sp>
-        <p:nvSpPr>
-          <p:cNvPr id="64" name="PlaceHolder 4"/>
+            <a:endParaRPr b="0" lang="en-US" sz="3200" spc="-1" strike="noStrike">
+              <a:solidFill>
+                <a:srgbClr val="000000"/>
+              </a:solidFill>
+              <a:uFill>
+                <a:solidFill>
+                  <a:srgbClr val="ffffff"/>
+                </a:solidFill>
+              </a:uFill>
+              <a:latin typeface="Arial"/>
+            </a:endParaRPr>
+          </a:p>
+        </p:txBody>
+      </p:sp>
+      <p:sp>
+        <p:nvSpPr>
+          <p:cNvPr id="58" name="PlaceHolder 4"/>
           <p:cNvSpPr>
             <a:spLocks noGrp="1"/>
           </p:cNvSpPr>
@@ -1570,7 +1582,7 @@
         <p:spPr>
           <a:xfrm>
             <a:off x="838080" y="4098240"/>
-            <a:ext cx="10515240" cy="2075040"/>
+            <a:ext cx="10514880" cy="2075040"/>
           </a:xfrm>
           <a:prstGeom prst="rect">
             <a:avLst/>
@@ -1579,16 +1591,16 @@
         <p:txBody>
           <a:bodyPr lIns="0" rIns="0" tIns="0" bIns="0"/>
           <a:p>
-            <a:endParaRPr b="0" lang="zh-CN" sz="2800" spc="-1" strike="noStrike">
-              <a:solidFill>
-                <a:srgbClr val="000000"/>
-              </a:solidFill>
-              <a:uFill>
-                <a:solidFill>
-                  <a:srgbClr val="ffffff"/>
-                </a:solidFill>
-              </a:uFill>
-              <a:latin typeface="Calibri"/>
+            <a:endParaRPr b="0" lang="en-US" sz="3200" spc="-1" strike="noStrike">
+              <a:solidFill>
+                <a:srgbClr val="000000"/>
+              </a:solidFill>
+              <a:uFill>
+                <a:solidFill>
+                  <a:srgbClr val="ffffff"/>
+                </a:solidFill>
+              </a:uFill>
+              <a:latin typeface="Arial"/>
             </a:endParaRPr>
           </a:p>
         </p:txBody>
@@ -1617,7 +1629,7 @@
       </p:grpSpPr>
       <p:sp>
         <p:nvSpPr>
-          <p:cNvPr id="65" name="PlaceHolder 1"/>
+          <p:cNvPr id="59" name="PlaceHolder 1"/>
           <p:cNvSpPr>
             <a:spLocks noGrp="1"/>
           </p:cNvSpPr>
@@ -1628,7 +1640,7 @@
         <p:spPr>
           <a:xfrm>
             <a:off x="838080" y="365040"/>
-            <a:ext cx="10515240" cy="1325160"/>
+            <a:ext cx="10514880" cy="1324800"/>
           </a:xfrm>
           <a:prstGeom prst="rect">
             <a:avLst/>
@@ -1637,23 +1649,24 @@
         <p:txBody>
           <a:bodyPr lIns="0" rIns="0" tIns="0" bIns="0" anchor="ctr"/>
           <a:p>
-            <a:endParaRPr b="0" lang="zh-CN" sz="1800" spc="-1" strike="noStrike">
-              <a:solidFill>
-                <a:srgbClr val="000000"/>
-              </a:solidFill>
-              <a:uFill>
-                <a:solidFill>
-                  <a:srgbClr val="ffffff"/>
-                </a:solidFill>
-              </a:uFill>
-              <a:latin typeface="Calibri"/>
-            </a:endParaRPr>
-          </a:p>
-        </p:txBody>
-      </p:sp>
-      <p:sp>
-        <p:nvSpPr>
-          <p:cNvPr id="66" name="PlaceHolder 2"/>
+            <a:pPr algn="ctr"/>
+            <a:endParaRPr b="0" lang="en-US" sz="4400" spc="-1" strike="noStrike">
+              <a:solidFill>
+                <a:srgbClr val="000000"/>
+              </a:solidFill>
+              <a:uFill>
+                <a:solidFill>
+                  <a:srgbClr val="ffffff"/>
+                </a:solidFill>
+              </a:uFill>
+              <a:latin typeface="Arial"/>
+            </a:endParaRPr>
+          </a:p>
+        </p:txBody>
+      </p:sp>
+      <p:sp>
+        <p:nvSpPr>
+          <p:cNvPr id="60" name="PlaceHolder 2"/>
           <p:cNvSpPr>
             <a:spLocks noGrp="1"/>
           </p:cNvSpPr>
@@ -1664,7 +1677,7 @@
         <p:spPr>
           <a:xfrm>
             <a:off x="838080" y="1825560"/>
-            <a:ext cx="10515240" cy="2075040"/>
+            <a:ext cx="10514880" cy="2075040"/>
           </a:xfrm>
           <a:prstGeom prst="rect">
             <a:avLst/>
@@ -1673,23 +1686,23 @@
         <p:txBody>
           <a:bodyPr lIns="0" rIns="0" tIns="0" bIns="0"/>
           <a:p>
-            <a:endParaRPr b="0" lang="zh-CN" sz="2800" spc="-1" strike="noStrike">
-              <a:solidFill>
-                <a:srgbClr val="000000"/>
-              </a:solidFill>
-              <a:uFill>
-                <a:solidFill>
-                  <a:srgbClr val="ffffff"/>
-                </a:solidFill>
-              </a:uFill>
-              <a:latin typeface="Calibri"/>
-            </a:endParaRPr>
-          </a:p>
-        </p:txBody>
-      </p:sp>
-      <p:sp>
-        <p:nvSpPr>
-          <p:cNvPr id="67" name="PlaceHolder 3"/>
+            <a:endParaRPr b="0" lang="en-US" sz="3200" spc="-1" strike="noStrike">
+              <a:solidFill>
+                <a:srgbClr val="000000"/>
+              </a:solidFill>
+              <a:uFill>
+                <a:solidFill>
+                  <a:srgbClr val="ffffff"/>
+                </a:solidFill>
+              </a:uFill>
+              <a:latin typeface="Arial"/>
+            </a:endParaRPr>
+          </a:p>
+        </p:txBody>
+      </p:sp>
+      <p:sp>
+        <p:nvSpPr>
+          <p:cNvPr id="61" name="PlaceHolder 3"/>
           <p:cNvSpPr>
             <a:spLocks noGrp="1"/>
           </p:cNvSpPr>
@@ -1700,7 +1713,7 @@
         <p:spPr>
           <a:xfrm>
             <a:off x="838080" y="4098240"/>
-            <a:ext cx="10515240" cy="2075040"/>
+            <a:ext cx="10514880" cy="2075040"/>
           </a:xfrm>
           <a:prstGeom prst="rect">
             <a:avLst/>
@@ -1709,16 +1722,16 @@
         <p:txBody>
           <a:bodyPr lIns="0" rIns="0" tIns="0" bIns="0"/>
           <a:p>
-            <a:endParaRPr b="0" lang="zh-CN" sz="2800" spc="-1" strike="noStrike">
-              <a:solidFill>
-                <a:srgbClr val="000000"/>
-              </a:solidFill>
-              <a:uFill>
-                <a:solidFill>
-                  <a:srgbClr val="ffffff"/>
-                </a:solidFill>
-              </a:uFill>
-              <a:latin typeface="Calibri"/>
+            <a:endParaRPr b="0" lang="en-US" sz="3200" spc="-1" strike="noStrike">
+              <a:solidFill>
+                <a:srgbClr val="000000"/>
+              </a:solidFill>
+              <a:uFill>
+                <a:solidFill>
+                  <a:srgbClr val="ffffff"/>
+                </a:solidFill>
+              </a:uFill>
+              <a:latin typeface="Arial"/>
             </a:endParaRPr>
           </a:p>
         </p:txBody>
@@ -1747,7 +1760,7 @@
       </p:grpSpPr>
       <p:sp>
         <p:nvSpPr>
-          <p:cNvPr id="68" name="PlaceHolder 1"/>
+          <p:cNvPr id="62" name="PlaceHolder 1"/>
           <p:cNvSpPr>
             <a:spLocks noGrp="1"/>
           </p:cNvSpPr>
@@ -1758,7 +1771,7 @@
         <p:spPr>
           <a:xfrm>
             <a:off x="838080" y="365040"/>
-            <a:ext cx="10515240" cy="1325160"/>
+            <a:ext cx="10514880" cy="1324800"/>
           </a:xfrm>
           <a:prstGeom prst="rect">
             <a:avLst/>
@@ -1767,23 +1780,24 @@
         <p:txBody>
           <a:bodyPr lIns="0" rIns="0" tIns="0" bIns="0" anchor="ctr"/>
           <a:p>
-            <a:endParaRPr b="0" lang="zh-CN" sz="1800" spc="-1" strike="noStrike">
-              <a:solidFill>
-                <a:srgbClr val="000000"/>
-              </a:solidFill>
-              <a:uFill>
-                <a:solidFill>
-                  <a:srgbClr val="ffffff"/>
-                </a:solidFill>
-              </a:uFill>
-              <a:latin typeface="Calibri"/>
-            </a:endParaRPr>
-          </a:p>
-        </p:txBody>
-      </p:sp>
-      <p:sp>
-        <p:nvSpPr>
-          <p:cNvPr id="69" name="PlaceHolder 2"/>
+            <a:pPr algn="ctr"/>
+            <a:endParaRPr b="0" lang="en-US" sz="4400" spc="-1" strike="noStrike">
+              <a:solidFill>
+                <a:srgbClr val="000000"/>
+              </a:solidFill>
+              <a:uFill>
+                <a:solidFill>
+                  <a:srgbClr val="ffffff"/>
+                </a:solidFill>
+              </a:uFill>
+              <a:latin typeface="Arial"/>
+            </a:endParaRPr>
+          </a:p>
+        </p:txBody>
+      </p:sp>
+      <p:sp>
+        <p:nvSpPr>
+          <p:cNvPr id="63" name="PlaceHolder 2"/>
           <p:cNvSpPr>
             <a:spLocks noGrp="1"/>
           </p:cNvSpPr>
@@ -1803,23 +1817,23 @@
         <p:txBody>
           <a:bodyPr lIns="0" rIns="0" tIns="0" bIns="0"/>
           <a:p>
-            <a:endParaRPr b="0" lang="zh-CN" sz="2800" spc="-1" strike="noStrike">
-              <a:solidFill>
-                <a:srgbClr val="000000"/>
-              </a:solidFill>
-              <a:uFill>
-                <a:solidFill>
-                  <a:srgbClr val="ffffff"/>
-                </a:solidFill>
-              </a:uFill>
-              <a:latin typeface="Calibri"/>
-            </a:endParaRPr>
-          </a:p>
-        </p:txBody>
-      </p:sp>
-      <p:sp>
-        <p:nvSpPr>
-          <p:cNvPr id="70" name="PlaceHolder 3"/>
+            <a:endParaRPr b="0" lang="en-US" sz="3200" spc="-1" strike="noStrike">
+              <a:solidFill>
+                <a:srgbClr val="000000"/>
+              </a:solidFill>
+              <a:uFill>
+                <a:solidFill>
+                  <a:srgbClr val="ffffff"/>
+                </a:solidFill>
+              </a:uFill>
+              <a:latin typeface="Arial"/>
+            </a:endParaRPr>
+          </a:p>
+        </p:txBody>
+      </p:sp>
+      <p:sp>
+        <p:nvSpPr>
+          <p:cNvPr id="64" name="PlaceHolder 3"/>
           <p:cNvSpPr>
             <a:spLocks noGrp="1"/>
           </p:cNvSpPr>
@@ -1839,23 +1853,23 @@
         <p:txBody>
           <a:bodyPr lIns="0" rIns="0" tIns="0" bIns="0"/>
           <a:p>
-            <a:endParaRPr b="0" lang="zh-CN" sz="2800" spc="-1" strike="noStrike">
-              <a:solidFill>
-                <a:srgbClr val="000000"/>
-              </a:solidFill>
-              <a:uFill>
-                <a:solidFill>
-                  <a:srgbClr val="ffffff"/>
-                </a:solidFill>
-              </a:uFill>
-              <a:latin typeface="Calibri"/>
-            </a:endParaRPr>
-          </a:p>
-        </p:txBody>
-      </p:sp>
-      <p:sp>
-        <p:nvSpPr>
-          <p:cNvPr id="71" name="PlaceHolder 4"/>
+            <a:endParaRPr b="0" lang="en-US" sz="3200" spc="-1" strike="noStrike">
+              <a:solidFill>
+                <a:srgbClr val="000000"/>
+              </a:solidFill>
+              <a:uFill>
+                <a:solidFill>
+                  <a:srgbClr val="ffffff"/>
+                </a:solidFill>
+              </a:uFill>
+              <a:latin typeface="Arial"/>
+            </a:endParaRPr>
+          </a:p>
+        </p:txBody>
+      </p:sp>
+      <p:sp>
+        <p:nvSpPr>
+          <p:cNvPr id="65" name="PlaceHolder 4"/>
           <p:cNvSpPr>
             <a:spLocks noGrp="1"/>
           </p:cNvSpPr>
@@ -1875,23 +1889,23 @@
         <p:txBody>
           <a:bodyPr lIns="0" rIns="0" tIns="0" bIns="0"/>
           <a:p>
-            <a:endParaRPr b="0" lang="zh-CN" sz="2800" spc="-1" strike="noStrike">
-              <a:solidFill>
-                <a:srgbClr val="000000"/>
-              </a:solidFill>
-              <a:uFill>
-                <a:solidFill>
-                  <a:srgbClr val="ffffff"/>
-                </a:solidFill>
-              </a:uFill>
-              <a:latin typeface="Calibri"/>
-            </a:endParaRPr>
-          </a:p>
-        </p:txBody>
-      </p:sp>
-      <p:sp>
-        <p:nvSpPr>
-          <p:cNvPr id="72" name="PlaceHolder 5"/>
+            <a:endParaRPr b="0" lang="en-US" sz="3200" spc="-1" strike="noStrike">
+              <a:solidFill>
+                <a:srgbClr val="000000"/>
+              </a:solidFill>
+              <a:uFill>
+                <a:solidFill>
+                  <a:srgbClr val="ffffff"/>
+                </a:solidFill>
+              </a:uFill>
+              <a:latin typeface="Arial"/>
+            </a:endParaRPr>
+          </a:p>
+        </p:txBody>
+      </p:sp>
+      <p:sp>
+        <p:nvSpPr>
+          <p:cNvPr id="66" name="PlaceHolder 5"/>
           <p:cNvSpPr>
             <a:spLocks noGrp="1"/>
           </p:cNvSpPr>
@@ -1911,16 +1925,16 @@
         <p:txBody>
           <a:bodyPr lIns="0" rIns="0" tIns="0" bIns="0"/>
           <a:p>
-            <a:endParaRPr b="0" lang="zh-CN" sz="2800" spc="-1" strike="noStrike">
-              <a:solidFill>
-                <a:srgbClr val="000000"/>
-              </a:solidFill>
-              <a:uFill>
-                <a:solidFill>
-                  <a:srgbClr val="ffffff"/>
-                </a:solidFill>
-              </a:uFill>
-              <a:latin typeface="Calibri"/>
+            <a:endParaRPr b="0" lang="en-US" sz="3200" spc="-1" strike="noStrike">
+              <a:solidFill>
+                <a:srgbClr val="000000"/>
+              </a:solidFill>
+              <a:uFill>
+                <a:solidFill>
+                  <a:srgbClr val="ffffff"/>
+                </a:solidFill>
+              </a:uFill>
+              <a:latin typeface="Arial"/>
             </a:endParaRPr>
           </a:p>
         </p:txBody>
@@ -1949,7 +1963,7 @@
       </p:grpSpPr>
       <p:sp>
         <p:nvSpPr>
-          <p:cNvPr id="73" name="PlaceHolder 1"/>
+          <p:cNvPr id="67" name="PlaceHolder 1"/>
           <p:cNvSpPr>
             <a:spLocks noGrp="1"/>
           </p:cNvSpPr>
@@ -1960,7 +1974,7 @@
         <p:spPr>
           <a:xfrm>
             <a:off x="838080" y="365040"/>
-            <a:ext cx="10515240" cy="1325160"/>
+            <a:ext cx="10514880" cy="1324800"/>
           </a:xfrm>
           <a:prstGeom prst="rect">
             <a:avLst/>
@@ -1969,23 +1983,24 @@
         <p:txBody>
           <a:bodyPr lIns="0" rIns="0" tIns="0" bIns="0" anchor="ctr"/>
           <a:p>
-            <a:endParaRPr b="0" lang="zh-CN" sz="1800" spc="-1" strike="noStrike">
-              <a:solidFill>
-                <a:srgbClr val="000000"/>
-              </a:solidFill>
-              <a:uFill>
-                <a:solidFill>
-                  <a:srgbClr val="ffffff"/>
-                </a:solidFill>
-              </a:uFill>
-              <a:latin typeface="Calibri"/>
-            </a:endParaRPr>
-          </a:p>
-        </p:txBody>
-      </p:sp>
-      <p:sp>
-        <p:nvSpPr>
-          <p:cNvPr id="74" name="PlaceHolder 2"/>
+            <a:pPr algn="ctr"/>
+            <a:endParaRPr b="0" lang="en-US" sz="4400" spc="-1" strike="noStrike">
+              <a:solidFill>
+                <a:srgbClr val="000000"/>
+              </a:solidFill>
+              <a:uFill>
+                <a:solidFill>
+                  <a:srgbClr val="ffffff"/>
+                </a:solidFill>
+              </a:uFill>
+              <a:latin typeface="Arial"/>
+            </a:endParaRPr>
+          </a:p>
+        </p:txBody>
+      </p:sp>
+      <p:sp>
+        <p:nvSpPr>
+          <p:cNvPr id="68" name="PlaceHolder 2"/>
           <p:cNvSpPr>
             <a:spLocks noGrp="1"/>
           </p:cNvSpPr>
@@ -1996,7 +2011,7 @@
         <p:spPr>
           <a:xfrm>
             <a:off x="838080" y="1825560"/>
-            <a:ext cx="10515240" cy="4350960"/>
+            <a:ext cx="10514880" cy="4350600"/>
           </a:xfrm>
           <a:prstGeom prst="rect">
             <a:avLst/>
@@ -2005,23 +2020,23 @@
         <p:txBody>
           <a:bodyPr lIns="0" rIns="0" tIns="0" bIns="0"/>
           <a:p>
-            <a:endParaRPr b="0" lang="zh-CN" sz="2800" spc="-1" strike="noStrike">
-              <a:solidFill>
-                <a:srgbClr val="000000"/>
-              </a:solidFill>
-              <a:uFill>
-                <a:solidFill>
-                  <a:srgbClr val="ffffff"/>
-                </a:solidFill>
-              </a:uFill>
-              <a:latin typeface="Calibri"/>
-            </a:endParaRPr>
-          </a:p>
-        </p:txBody>
-      </p:sp>
-      <p:sp>
-        <p:nvSpPr>
-          <p:cNvPr id="75" name="PlaceHolder 3"/>
+            <a:endParaRPr b="0" lang="en-US" sz="3200" spc="-1" strike="noStrike">
+              <a:solidFill>
+                <a:srgbClr val="000000"/>
+              </a:solidFill>
+              <a:uFill>
+                <a:solidFill>
+                  <a:srgbClr val="ffffff"/>
+                </a:solidFill>
+              </a:uFill>
+              <a:latin typeface="Arial"/>
+            </a:endParaRPr>
+          </a:p>
+        </p:txBody>
+      </p:sp>
+      <p:sp>
+        <p:nvSpPr>
+          <p:cNvPr id="69" name="PlaceHolder 3"/>
           <p:cNvSpPr>
             <a:spLocks noGrp="1"/>
           </p:cNvSpPr>
@@ -2032,7 +2047,7 @@
         <p:spPr>
           <a:xfrm>
             <a:off x="838080" y="1825560"/>
-            <a:ext cx="10515240" cy="4350960"/>
+            <a:ext cx="10514880" cy="4350600"/>
           </a:xfrm>
           <a:prstGeom prst="rect">
             <a:avLst/>
@@ -2041,23 +2056,23 @@
         <p:txBody>
           <a:bodyPr lIns="0" rIns="0" tIns="0" bIns="0"/>
           <a:p>
-            <a:endParaRPr b="0" lang="zh-CN" sz="2800" spc="-1" strike="noStrike">
-              <a:solidFill>
-                <a:srgbClr val="000000"/>
-              </a:solidFill>
-              <a:uFill>
-                <a:solidFill>
-                  <a:srgbClr val="ffffff"/>
-                </a:solidFill>
-              </a:uFill>
-              <a:latin typeface="Calibri"/>
+            <a:endParaRPr b="0" lang="en-US" sz="3200" spc="-1" strike="noStrike">
+              <a:solidFill>
+                <a:srgbClr val="000000"/>
+              </a:solidFill>
+              <a:uFill>
+                <a:solidFill>
+                  <a:srgbClr val="ffffff"/>
+                </a:solidFill>
+              </a:uFill>
+              <a:latin typeface="Arial"/>
             </a:endParaRPr>
           </a:p>
         </p:txBody>
       </p:sp>
       <p:pic>
         <p:nvPicPr>
-          <p:cNvPr id="76" name="" descr=""/>
+          <p:cNvPr id="70" name="" descr=""/>
           <p:cNvPicPr/>
           <p:nvPr/>
         </p:nvPicPr>
@@ -2067,8 +2082,8 @@
         </p:blipFill>
         <p:spPr>
           <a:xfrm>
-            <a:off x="3368880" y="1825560"/>
-            <a:ext cx="5452920" cy="4350960"/>
+            <a:off x="3369240" y="1825200"/>
+            <a:ext cx="5452560" cy="4350600"/>
           </a:xfrm>
           <a:prstGeom prst="rect">
             <a:avLst/>
@@ -2080,7 +2095,7 @@
       </p:pic>
       <p:pic>
         <p:nvPicPr>
-          <p:cNvPr id="77" name="" descr=""/>
+          <p:cNvPr id="71" name="" descr=""/>
           <p:cNvPicPr/>
           <p:nvPr/>
         </p:nvPicPr>
@@ -2090,8 +2105,8 @@
         </p:blipFill>
         <p:spPr>
           <a:xfrm>
-            <a:off x="3368880" y="1825560"/>
-            <a:ext cx="5452920" cy="4350960"/>
+            <a:off x="3369240" y="1825200"/>
+            <a:ext cx="5452560" cy="4350600"/>
           </a:xfrm>
           <a:prstGeom prst="rect">
             <a:avLst/>
@@ -2101,6 +2116,409 @@
           </a:ln>
         </p:spPr>
       </p:pic>
+    </p:spTree>
+  </p:cSld>
+</p:sldLayout>
+</file>
+
+<file path=ppt/slideLayouts/slideLayout25.xml><?xml version="1.0" encoding="utf-8"?>
+<p:sldLayout xmlns:a="http://schemas.openxmlformats.org/drawingml/2006/main" xmlns:p="http://schemas.openxmlformats.org/presentationml/2006/main" xmlns:r="http://schemas.openxmlformats.org/officeDocument/2006/relationships" xmlns:p14="http://schemas.microsoft.com/office/powerpoint/2010/main" xmlns:p15="http://schemas.microsoft.com/office/powerpoint/2012/main" xmlns:mc="http://schemas.openxmlformats.org/markup-compatibility/2006" type="blank" preserve="1">
+  <p:cSld name="Blank Slide">
+    <p:spTree>
+      <p:nvGrpSpPr>
+        <p:cNvPr id="1" name=""/>
+        <p:cNvGrpSpPr/>
+        <p:nvPr/>
+      </p:nvGrpSpPr>
+      <p:grpSpPr>
+        <a:xfrm>
+          <a:off x="0" y="0"/>
+          <a:ext cx="0" cy="0"/>
+          <a:chOff x="0" y="0"/>
+          <a:chExt cx="0" cy="0"/>
+        </a:xfrm>
+      </p:grpSpPr>
+    </p:spTree>
+  </p:cSld>
+</p:sldLayout>
+</file>
+
+<file path=ppt/slideLayouts/slideLayout26.xml><?xml version="1.0" encoding="utf-8"?>
+<p:sldLayout xmlns:a="http://schemas.openxmlformats.org/drawingml/2006/main" xmlns:p="http://schemas.openxmlformats.org/presentationml/2006/main" xmlns:r="http://schemas.openxmlformats.org/officeDocument/2006/relationships" xmlns:p14="http://schemas.microsoft.com/office/powerpoint/2010/main" xmlns:p15="http://schemas.microsoft.com/office/powerpoint/2012/main" xmlns:mc="http://schemas.openxmlformats.org/markup-compatibility/2006" type="tx" preserve="1">
+  <p:cSld name="Title Slide">
+    <p:spTree>
+      <p:nvGrpSpPr>
+        <p:cNvPr id="1" name=""/>
+        <p:cNvGrpSpPr/>
+        <p:nvPr/>
+      </p:nvGrpSpPr>
+      <p:grpSpPr>
+        <a:xfrm>
+          <a:off x="0" y="0"/>
+          <a:ext cx="0" cy="0"/>
+          <a:chOff x="0" y="0"/>
+          <a:chExt cx="0" cy="0"/>
+        </a:xfrm>
+      </p:grpSpPr>
+      <p:sp>
+        <p:nvSpPr>
+          <p:cNvPr id="74" name="PlaceHolder 1"/>
+          <p:cNvSpPr>
+            <a:spLocks noGrp="1"/>
+          </p:cNvSpPr>
+          <p:nvPr>
+            <p:ph type="title"/>
+          </p:nvPr>
+        </p:nvSpPr>
+        <p:spPr>
+          <a:xfrm>
+            <a:off x="838080" y="365040"/>
+            <a:ext cx="10514880" cy="1324800"/>
+          </a:xfrm>
+          <a:prstGeom prst="rect">
+            <a:avLst/>
+          </a:prstGeom>
+        </p:spPr>
+        <p:txBody>
+          <a:bodyPr lIns="0" rIns="0" tIns="0" bIns="0" anchor="ctr"/>
+          <a:p>
+            <a:pPr algn="ctr"/>
+            <a:endParaRPr b="0" lang="en-US" sz="4400" spc="-1" strike="noStrike">
+              <a:solidFill>
+                <a:srgbClr val="000000"/>
+              </a:solidFill>
+              <a:uFill>
+                <a:solidFill>
+                  <a:srgbClr val="ffffff"/>
+                </a:solidFill>
+              </a:uFill>
+              <a:latin typeface="Arial"/>
+            </a:endParaRPr>
+          </a:p>
+        </p:txBody>
+      </p:sp>
+      <p:sp>
+        <p:nvSpPr>
+          <p:cNvPr id="75" name="PlaceHolder 2"/>
+          <p:cNvSpPr>
+            <a:spLocks noGrp="1"/>
+          </p:cNvSpPr>
+          <p:nvPr>
+            <p:ph type="subTitle"/>
+          </p:nvPr>
+        </p:nvSpPr>
+        <p:spPr>
+          <a:xfrm>
+            <a:off x="838080" y="1825560"/>
+            <a:ext cx="10514880" cy="4350600"/>
+          </a:xfrm>
+          <a:prstGeom prst="rect">
+            <a:avLst/>
+          </a:prstGeom>
+        </p:spPr>
+        <p:txBody>
+          <a:bodyPr lIns="0" rIns="0" tIns="0" bIns="0" anchor="ctr"/>
+          <a:p>
+            <a:pPr algn="ctr"/>
+            <a:endParaRPr b="0" lang="en-US" sz="3200" spc="-1" strike="noStrike">
+              <a:solidFill>
+                <a:srgbClr val="000000"/>
+              </a:solidFill>
+              <a:uFill>
+                <a:solidFill>
+                  <a:srgbClr val="ffffff"/>
+                </a:solidFill>
+              </a:uFill>
+              <a:latin typeface="Arial"/>
+            </a:endParaRPr>
+          </a:p>
+        </p:txBody>
+      </p:sp>
+    </p:spTree>
+  </p:cSld>
+</p:sldLayout>
+</file>
+
+<file path=ppt/slideLayouts/slideLayout27.xml><?xml version="1.0" encoding="utf-8"?>
+<p:sldLayout xmlns:a="http://schemas.openxmlformats.org/drawingml/2006/main" xmlns:p="http://schemas.openxmlformats.org/presentationml/2006/main" xmlns:r="http://schemas.openxmlformats.org/officeDocument/2006/relationships" xmlns:p14="http://schemas.microsoft.com/office/powerpoint/2010/main" xmlns:p15="http://schemas.microsoft.com/office/powerpoint/2012/main" xmlns:mc="http://schemas.openxmlformats.org/markup-compatibility/2006" type="obj" preserve="1">
+  <p:cSld name="Title, Content">
+    <p:spTree>
+      <p:nvGrpSpPr>
+        <p:cNvPr id="1" name=""/>
+        <p:cNvGrpSpPr/>
+        <p:nvPr/>
+      </p:nvGrpSpPr>
+      <p:grpSpPr>
+        <a:xfrm>
+          <a:off x="0" y="0"/>
+          <a:ext cx="0" cy="0"/>
+          <a:chOff x="0" y="0"/>
+          <a:chExt cx="0" cy="0"/>
+        </a:xfrm>
+      </p:grpSpPr>
+      <p:sp>
+        <p:nvSpPr>
+          <p:cNvPr id="76" name="PlaceHolder 1"/>
+          <p:cNvSpPr>
+            <a:spLocks noGrp="1"/>
+          </p:cNvSpPr>
+          <p:nvPr>
+            <p:ph type="title"/>
+          </p:nvPr>
+        </p:nvSpPr>
+        <p:spPr>
+          <a:xfrm>
+            <a:off x="838080" y="365040"/>
+            <a:ext cx="10514880" cy="1324800"/>
+          </a:xfrm>
+          <a:prstGeom prst="rect">
+            <a:avLst/>
+          </a:prstGeom>
+        </p:spPr>
+        <p:txBody>
+          <a:bodyPr lIns="0" rIns="0" tIns="0" bIns="0" anchor="ctr"/>
+          <a:p>
+            <a:pPr algn="ctr"/>
+            <a:endParaRPr b="0" lang="en-US" sz="4400" spc="-1" strike="noStrike">
+              <a:solidFill>
+                <a:srgbClr val="000000"/>
+              </a:solidFill>
+              <a:uFill>
+                <a:solidFill>
+                  <a:srgbClr val="ffffff"/>
+                </a:solidFill>
+              </a:uFill>
+              <a:latin typeface="Arial"/>
+            </a:endParaRPr>
+          </a:p>
+        </p:txBody>
+      </p:sp>
+      <p:sp>
+        <p:nvSpPr>
+          <p:cNvPr id="77" name="PlaceHolder 2"/>
+          <p:cNvSpPr>
+            <a:spLocks noGrp="1"/>
+          </p:cNvSpPr>
+          <p:nvPr>
+            <p:ph type="body"/>
+          </p:nvPr>
+        </p:nvSpPr>
+        <p:spPr>
+          <a:xfrm>
+            <a:off x="838080" y="1825560"/>
+            <a:ext cx="10514880" cy="4350600"/>
+          </a:xfrm>
+          <a:prstGeom prst="rect">
+            <a:avLst/>
+          </a:prstGeom>
+        </p:spPr>
+        <p:txBody>
+          <a:bodyPr lIns="0" rIns="0" tIns="0" bIns="0"/>
+          <a:p>
+            <a:endParaRPr b="0" lang="en-US" sz="3200" spc="-1" strike="noStrike">
+              <a:solidFill>
+                <a:srgbClr val="000000"/>
+              </a:solidFill>
+              <a:uFill>
+                <a:solidFill>
+                  <a:srgbClr val="ffffff"/>
+                </a:solidFill>
+              </a:uFill>
+              <a:latin typeface="Arial"/>
+            </a:endParaRPr>
+          </a:p>
+        </p:txBody>
+      </p:sp>
+    </p:spTree>
+  </p:cSld>
+</p:sldLayout>
+</file>
+
+<file path=ppt/slideLayouts/slideLayout28.xml><?xml version="1.0" encoding="utf-8"?>
+<p:sldLayout xmlns:a="http://schemas.openxmlformats.org/drawingml/2006/main" xmlns:p="http://schemas.openxmlformats.org/presentationml/2006/main" xmlns:r="http://schemas.openxmlformats.org/officeDocument/2006/relationships" xmlns:p14="http://schemas.microsoft.com/office/powerpoint/2010/main" xmlns:p15="http://schemas.microsoft.com/office/powerpoint/2012/main" xmlns:mc="http://schemas.openxmlformats.org/markup-compatibility/2006" type="twoObj" preserve="1">
+  <p:cSld name="Title, 2 Content">
+    <p:spTree>
+      <p:nvGrpSpPr>
+        <p:cNvPr id="1" name=""/>
+        <p:cNvGrpSpPr/>
+        <p:nvPr/>
+      </p:nvGrpSpPr>
+      <p:grpSpPr>
+        <a:xfrm>
+          <a:off x="0" y="0"/>
+          <a:ext cx="0" cy="0"/>
+          <a:chOff x="0" y="0"/>
+          <a:chExt cx="0" cy="0"/>
+        </a:xfrm>
+      </p:grpSpPr>
+      <p:sp>
+        <p:nvSpPr>
+          <p:cNvPr id="78" name="PlaceHolder 1"/>
+          <p:cNvSpPr>
+            <a:spLocks noGrp="1"/>
+          </p:cNvSpPr>
+          <p:nvPr>
+            <p:ph type="title"/>
+          </p:nvPr>
+        </p:nvSpPr>
+        <p:spPr>
+          <a:xfrm>
+            <a:off x="838080" y="365040"/>
+            <a:ext cx="10514880" cy="1324800"/>
+          </a:xfrm>
+          <a:prstGeom prst="rect">
+            <a:avLst/>
+          </a:prstGeom>
+        </p:spPr>
+        <p:txBody>
+          <a:bodyPr lIns="0" rIns="0" tIns="0" bIns="0" anchor="ctr"/>
+          <a:p>
+            <a:pPr algn="ctr"/>
+            <a:endParaRPr b="0" lang="en-US" sz="4400" spc="-1" strike="noStrike">
+              <a:solidFill>
+                <a:srgbClr val="000000"/>
+              </a:solidFill>
+              <a:uFill>
+                <a:solidFill>
+                  <a:srgbClr val="ffffff"/>
+                </a:solidFill>
+              </a:uFill>
+              <a:latin typeface="Arial"/>
+            </a:endParaRPr>
+          </a:p>
+        </p:txBody>
+      </p:sp>
+      <p:sp>
+        <p:nvSpPr>
+          <p:cNvPr id="79" name="PlaceHolder 2"/>
+          <p:cNvSpPr>
+            <a:spLocks noGrp="1"/>
+          </p:cNvSpPr>
+          <p:nvPr>
+            <p:ph type="body"/>
+          </p:nvPr>
+        </p:nvSpPr>
+        <p:spPr>
+          <a:xfrm>
+            <a:off x="838080" y="1825560"/>
+            <a:ext cx="5131080" cy="4350600"/>
+          </a:xfrm>
+          <a:prstGeom prst="rect">
+            <a:avLst/>
+          </a:prstGeom>
+        </p:spPr>
+        <p:txBody>
+          <a:bodyPr lIns="0" rIns="0" tIns="0" bIns="0"/>
+          <a:p>
+            <a:endParaRPr b="0" lang="en-US" sz="3200" spc="-1" strike="noStrike">
+              <a:solidFill>
+                <a:srgbClr val="000000"/>
+              </a:solidFill>
+              <a:uFill>
+                <a:solidFill>
+                  <a:srgbClr val="ffffff"/>
+                </a:solidFill>
+              </a:uFill>
+              <a:latin typeface="Arial"/>
+            </a:endParaRPr>
+          </a:p>
+        </p:txBody>
+      </p:sp>
+      <p:sp>
+        <p:nvSpPr>
+          <p:cNvPr id="80" name="PlaceHolder 3"/>
+          <p:cNvSpPr>
+            <a:spLocks noGrp="1"/>
+          </p:cNvSpPr>
+          <p:nvPr>
+            <p:ph type="body"/>
+          </p:nvPr>
+        </p:nvSpPr>
+        <p:spPr>
+          <a:xfrm>
+            <a:off x="6226200" y="1825560"/>
+            <a:ext cx="5131080" cy="4350600"/>
+          </a:xfrm>
+          <a:prstGeom prst="rect">
+            <a:avLst/>
+          </a:prstGeom>
+        </p:spPr>
+        <p:txBody>
+          <a:bodyPr lIns="0" rIns="0" tIns="0" bIns="0"/>
+          <a:p>
+            <a:endParaRPr b="0" lang="en-US" sz="3200" spc="-1" strike="noStrike">
+              <a:solidFill>
+                <a:srgbClr val="000000"/>
+              </a:solidFill>
+              <a:uFill>
+                <a:solidFill>
+                  <a:srgbClr val="ffffff"/>
+                </a:solidFill>
+              </a:uFill>
+              <a:latin typeface="Arial"/>
+            </a:endParaRPr>
+          </a:p>
+        </p:txBody>
+      </p:sp>
+    </p:spTree>
+  </p:cSld>
+</p:sldLayout>
+</file>
+
+<file path=ppt/slideLayouts/slideLayout29.xml><?xml version="1.0" encoding="utf-8"?>
+<p:sldLayout xmlns:a="http://schemas.openxmlformats.org/drawingml/2006/main" xmlns:p="http://schemas.openxmlformats.org/presentationml/2006/main" xmlns:r="http://schemas.openxmlformats.org/officeDocument/2006/relationships" xmlns:p14="http://schemas.microsoft.com/office/powerpoint/2010/main" xmlns:p15="http://schemas.microsoft.com/office/powerpoint/2012/main" xmlns:mc="http://schemas.openxmlformats.org/markup-compatibility/2006" type="titleOnly" preserve="1">
+  <p:cSld name="Title Only">
+    <p:spTree>
+      <p:nvGrpSpPr>
+        <p:cNvPr id="1" name=""/>
+        <p:cNvGrpSpPr/>
+        <p:nvPr/>
+      </p:nvGrpSpPr>
+      <p:grpSpPr>
+        <a:xfrm>
+          <a:off x="0" y="0"/>
+          <a:ext cx="0" cy="0"/>
+          <a:chOff x="0" y="0"/>
+          <a:chExt cx="0" cy="0"/>
+        </a:xfrm>
+      </p:grpSpPr>
+      <p:sp>
+        <p:nvSpPr>
+          <p:cNvPr id="81" name="PlaceHolder 1"/>
+          <p:cNvSpPr>
+            <a:spLocks noGrp="1"/>
+          </p:cNvSpPr>
+          <p:nvPr>
+            <p:ph type="title"/>
+          </p:nvPr>
+        </p:nvSpPr>
+        <p:spPr>
+          <a:xfrm>
+            <a:off x="838080" y="365040"/>
+            <a:ext cx="10514880" cy="1324800"/>
+          </a:xfrm>
+          <a:prstGeom prst="rect">
+            <a:avLst/>
+          </a:prstGeom>
+        </p:spPr>
+        <p:txBody>
+          <a:bodyPr lIns="0" rIns="0" tIns="0" bIns="0" anchor="ctr"/>
+          <a:p>
+            <a:pPr algn="ctr"/>
+            <a:endParaRPr b="0" lang="en-US" sz="4400" spc="-1" strike="noStrike">
+              <a:solidFill>
+                <a:srgbClr val="000000"/>
+              </a:solidFill>
+              <a:uFill>
+                <a:solidFill>
+                  <a:srgbClr val="ffffff"/>
+                </a:solidFill>
+              </a:uFill>
+              <a:latin typeface="Arial"/>
+            </a:endParaRPr>
+          </a:p>
+        </p:txBody>
+      </p:sp>
     </p:spTree>
   </p:cSld>
 </p:sldLayout>
@@ -2125,7 +2543,7 @@
       </p:grpSpPr>
       <p:sp>
         <p:nvSpPr>
-          <p:cNvPr id="7" name="PlaceHolder 1"/>
+          <p:cNvPr id="4" name="PlaceHolder 1"/>
           <p:cNvSpPr>
             <a:spLocks noGrp="1"/>
           </p:cNvSpPr>
@@ -2136,7 +2554,7 @@
         <p:spPr>
           <a:xfrm>
             <a:off x="838080" y="365040"/>
-            <a:ext cx="10515240" cy="1325160"/>
+            <a:ext cx="10514880" cy="1324800"/>
           </a:xfrm>
           <a:prstGeom prst="rect">
             <a:avLst/>
@@ -2145,23 +2563,24 @@
         <p:txBody>
           <a:bodyPr lIns="0" rIns="0" tIns="0" bIns="0" anchor="ctr"/>
           <a:p>
-            <a:endParaRPr b="0" lang="zh-CN" sz="1800" spc="-1" strike="noStrike">
-              <a:solidFill>
-                <a:srgbClr val="000000"/>
-              </a:solidFill>
-              <a:uFill>
-                <a:solidFill>
-                  <a:srgbClr val="ffffff"/>
-                </a:solidFill>
-              </a:uFill>
-              <a:latin typeface="Calibri"/>
-            </a:endParaRPr>
-          </a:p>
-        </p:txBody>
-      </p:sp>
-      <p:sp>
-        <p:nvSpPr>
-          <p:cNvPr id="8" name="PlaceHolder 2"/>
+            <a:pPr algn="ctr"/>
+            <a:endParaRPr b="0" lang="en-US" sz="4400" spc="-1" strike="noStrike">
+              <a:solidFill>
+                <a:srgbClr val="000000"/>
+              </a:solidFill>
+              <a:uFill>
+                <a:solidFill>
+                  <a:srgbClr val="ffffff"/>
+                </a:solidFill>
+              </a:uFill>
+              <a:latin typeface="Arial"/>
+            </a:endParaRPr>
+          </a:p>
+        </p:txBody>
+      </p:sp>
+      <p:sp>
+        <p:nvSpPr>
+          <p:cNvPr id="5" name="PlaceHolder 2"/>
           <p:cNvSpPr>
             <a:spLocks noGrp="1"/>
           </p:cNvSpPr>
@@ -2172,7 +2591,7 @@
         <p:spPr>
           <a:xfrm>
             <a:off x="838080" y="1825560"/>
-            <a:ext cx="10515240" cy="4350960"/>
+            <a:ext cx="10514880" cy="4350600"/>
           </a:xfrm>
           <a:prstGeom prst="rect">
             <a:avLst/>
@@ -2181,20 +2600,1091 @@
         <p:txBody>
           <a:bodyPr lIns="0" rIns="0" tIns="0" bIns="0"/>
           <a:p>
-            <a:endParaRPr b="0" lang="zh-CN" sz="2800" spc="-1" strike="noStrike">
-              <a:solidFill>
-                <a:srgbClr val="000000"/>
-              </a:solidFill>
-              <a:uFill>
-                <a:solidFill>
-                  <a:srgbClr val="ffffff"/>
-                </a:solidFill>
-              </a:uFill>
-              <a:latin typeface="Calibri"/>
-            </a:endParaRPr>
-          </a:p>
-        </p:txBody>
-      </p:sp>
+            <a:endParaRPr b="0" lang="en-US" sz="3200" spc="-1" strike="noStrike">
+              <a:solidFill>
+                <a:srgbClr val="000000"/>
+              </a:solidFill>
+              <a:uFill>
+                <a:solidFill>
+                  <a:srgbClr val="ffffff"/>
+                </a:solidFill>
+              </a:uFill>
+              <a:latin typeface="Arial"/>
+            </a:endParaRPr>
+          </a:p>
+        </p:txBody>
+      </p:sp>
+    </p:spTree>
+  </p:cSld>
+</p:sldLayout>
+</file>
+
+<file path=ppt/slideLayouts/slideLayout30.xml><?xml version="1.0" encoding="utf-8"?>
+<p:sldLayout xmlns:a="http://schemas.openxmlformats.org/drawingml/2006/main" xmlns:p="http://schemas.openxmlformats.org/presentationml/2006/main" xmlns:r="http://schemas.openxmlformats.org/officeDocument/2006/relationships" xmlns:p14="http://schemas.microsoft.com/office/powerpoint/2010/main" xmlns:p15="http://schemas.microsoft.com/office/powerpoint/2012/main" xmlns:mc="http://schemas.openxmlformats.org/markup-compatibility/2006" type="objOnly" preserve="1">
+  <p:cSld name="Centered Text">
+    <p:spTree>
+      <p:nvGrpSpPr>
+        <p:cNvPr id="1" name=""/>
+        <p:cNvGrpSpPr/>
+        <p:nvPr/>
+      </p:nvGrpSpPr>
+      <p:grpSpPr>
+        <a:xfrm>
+          <a:off x="0" y="0"/>
+          <a:ext cx="0" cy="0"/>
+          <a:chOff x="0" y="0"/>
+          <a:chExt cx="0" cy="0"/>
+        </a:xfrm>
+      </p:grpSpPr>
+      <p:sp>
+        <p:nvSpPr>
+          <p:cNvPr id="82" name="PlaceHolder 1"/>
+          <p:cNvSpPr>
+            <a:spLocks noGrp="1"/>
+          </p:cNvSpPr>
+          <p:nvPr>
+            <p:ph type="subTitle"/>
+          </p:nvPr>
+        </p:nvSpPr>
+        <p:spPr>
+          <a:xfrm>
+            <a:off x="838080" y="365040"/>
+            <a:ext cx="10514880" cy="6142320"/>
+          </a:xfrm>
+          <a:prstGeom prst="rect">
+            <a:avLst/>
+          </a:prstGeom>
+        </p:spPr>
+        <p:txBody>
+          <a:bodyPr lIns="0" rIns="0" tIns="0" bIns="0" anchor="ctr"/>
+          <a:p>
+            <a:pPr algn="ctr"/>
+            <a:endParaRPr b="0" lang="en-US" sz="3200" spc="-1" strike="noStrike">
+              <a:solidFill>
+                <a:srgbClr val="000000"/>
+              </a:solidFill>
+              <a:uFill>
+                <a:solidFill>
+                  <a:srgbClr val="ffffff"/>
+                </a:solidFill>
+              </a:uFill>
+              <a:latin typeface="Arial"/>
+            </a:endParaRPr>
+          </a:p>
+        </p:txBody>
+      </p:sp>
+    </p:spTree>
+  </p:cSld>
+</p:sldLayout>
+</file>
+
+<file path=ppt/slideLayouts/slideLayout31.xml><?xml version="1.0" encoding="utf-8"?>
+<p:sldLayout xmlns:a="http://schemas.openxmlformats.org/drawingml/2006/main" xmlns:p="http://schemas.openxmlformats.org/presentationml/2006/main" xmlns:r="http://schemas.openxmlformats.org/officeDocument/2006/relationships" xmlns:p14="http://schemas.microsoft.com/office/powerpoint/2010/main" xmlns:p15="http://schemas.microsoft.com/office/powerpoint/2012/main" xmlns:mc="http://schemas.openxmlformats.org/markup-compatibility/2006" type="twoObjAndObj" preserve="1">
+  <p:cSld name="Title, 2 Content and Content">
+    <p:spTree>
+      <p:nvGrpSpPr>
+        <p:cNvPr id="1" name=""/>
+        <p:cNvGrpSpPr/>
+        <p:nvPr/>
+      </p:nvGrpSpPr>
+      <p:grpSpPr>
+        <a:xfrm>
+          <a:off x="0" y="0"/>
+          <a:ext cx="0" cy="0"/>
+          <a:chOff x="0" y="0"/>
+          <a:chExt cx="0" cy="0"/>
+        </a:xfrm>
+      </p:grpSpPr>
+      <p:sp>
+        <p:nvSpPr>
+          <p:cNvPr id="83" name="PlaceHolder 1"/>
+          <p:cNvSpPr>
+            <a:spLocks noGrp="1"/>
+          </p:cNvSpPr>
+          <p:nvPr>
+            <p:ph type="title"/>
+          </p:nvPr>
+        </p:nvSpPr>
+        <p:spPr>
+          <a:xfrm>
+            <a:off x="838080" y="365040"/>
+            <a:ext cx="10514880" cy="1324800"/>
+          </a:xfrm>
+          <a:prstGeom prst="rect">
+            <a:avLst/>
+          </a:prstGeom>
+        </p:spPr>
+        <p:txBody>
+          <a:bodyPr lIns="0" rIns="0" tIns="0" bIns="0" anchor="ctr"/>
+          <a:p>
+            <a:pPr algn="ctr"/>
+            <a:endParaRPr b="0" lang="en-US" sz="4400" spc="-1" strike="noStrike">
+              <a:solidFill>
+                <a:srgbClr val="000000"/>
+              </a:solidFill>
+              <a:uFill>
+                <a:solidFill>
+                  <a:srgbClr val="ffffff"/>
+                </a:solidFill>
+              </a:uFill>
+              <a:latin typeface="Arial"/>
+            </a:endParaRPr>
+          </a:p>
+        </p:txBody>
+      </p:sp>
+      <p:sp>
+        <p:nvSpPr>
+          <p:cNvPr id="84" name="PlaceHolder 2"/>
+          <p:cNvSpPr>
+            <a:spLocks noGrp="1"/>
+          </p:cNvSpPr>
+          <p:nvPr>
+            <p:ph type="body"/>
+          </p:nvPr>
+        </p:nvSpPr>
+        <p:spPr>
+          <a:xfrm>
+            <a:off x="838080" y="1825560"/>
+            <a:ext cx="5131080" cy="2075040"/>
+          </a:xfrm>
+          <a:prstGeom prst="rect">
+            <a:avLst/>
+          </a:prstGeom>
+        </p:spPr>
+        <p:txBody>
+          <a:bodyPr lIns="0" rIns="0" tIns="0" bIns="0"/>
+          <a:p>
+            <a:endParaRPr b="0" lang="en-US" sz="3200" spc="-1" strike="noStrike">
+              <a:solidFill>
+                <a:srgbClr val="000000"/>
+              </a:solidFill>
+              <a:uFill>
+                <a:solidFill>
+                  <a:srgbClr val="ffffff"/>
+                </a:solidFill>
+              </a:uFill>
+              <a:latin typeface="Arial"/>
+            </a:endParaRPr>
+          </a:p>
+        </p:txBody>
+      </p:sp>
+      <p:sp>
+        <p:nvSpPr>
+          <p:cNvPr id="85" name="PlaceHolder 3"/>
+          <p:cNvSpPr>
+            <a:spLocks noGrp="1"/>
+          </p:cNvSpPr>
+          <p:nvPr>
+            <p:ph type="body"/>
+          </p:nvPr>
+        </p:nvSpPr>
+        <p:spPr>
+          <a:xfrm>
+            <a:off x="838080" y="4098240"/>
+            <a:ext cx="5131080" cy="2075040"/>
+          </a:xfrm>
+          <a:prstGeom prst="rect">
+            <a:avLst/>
+          </a:prstGeom>
+        </p:spPr>
+        <p:txBody>
+          <a:bodyPr lIns="0" rIns="0" tIns="0" bIns="0"/>
+          <a:p>
+            <a:endParaRPr b="0" lang="en-US" sz="3200" spc="-1" strike="noStrike">
+              <a:solidFill>
+                <a:srgbClr val="000000"/>
+              </a:solidFill>
+              <a:uFill>
+                <a:solidFill>
+                  <a:srgbClr val="ffffff"/>
+                </a:solidFill>
+              </a:uFill>
+              <a:latin typeface="Arial"/>
+            </a:endParaRPr>
+          </a:p>
+        </p:txBody>
+      </p:sp>
+      <p:sp>
+        <p:nvSpPr>
+          <p:cNvPr id="86" name="PlaceHolder 4"/>
+          <p:cNvSpPr>
+            <a:spLocks noGrp="1"/>
+          </p:cNvSpPr>
+          <p:nvPr>
+            <p:ph type="body"/>
+          </p:nvPr>
+        </p:nvSpPr>
+        <p:spPr>
+          <a:xfrm>
+            <a:off x="6226200" y="1825560"/>
+            <a:ext cx="5131080" cy="4350600"/>
+          </a:xfrm>
+          <a:prstGeom prst="rect">
+            <a:avLst/>
+          </a:prstGeom>
+        </p:spPr>
+        <p:txBody>
+          <a:bodyPr lIns="0" rIns="0" tIns="0" bIns="0"/>
+          <a:p>
+            <a:endParaRPr b="0" lang="en-US" sz="3200" spc="-1" strike="noStrike">
+              <a:solidFill>
+                <a:srgbClr val="000000"/>
+              </a:solidFill>
+              <a:uFill>
+                <a:solidFill>
+                  <a:srgbClr val="ffffff"/>
+                </a:solidFill>
+              </a:uFill>
+              <a:latin typeface="Arial"/>
+            </a:endParaRPr>
+          </a:p>
+        </p:txBody>
+      </p:sp>
+    </p:spTree>
+  </p:cSld>
+</p:sldLayout>
+</file>
+
+<file path=ppt/slideLayouts/slideLayout32.xml><?xml version="1.0" encoding="utf-8"?>
+<p:sldLayout xmlns:a="http://schemas.openxmlformats.org/drawingml/2006/main" xmlns:p="http://schemas.openxmlformats.org/presentationml/2006/main" xmlns:r="http://schemas.openxmlformats.org/officeDocument/2006/relationships" xmlns:p14="http://schemas.microsoft.com/office/powerpoint/2010/main" xmlns:p15="http://schemas.microsoft.com/office/powerpoint/2012/main" xmlns:mc="http://schemas.openxmlformats.org/markup-compatibility/2006" type="objAndTwoObj" preserve="1">
+  <p:cSld name="Title Content and 2 Content">
+    <p:spTree>
+      <p:nvGrpSpPr>
+        <p:cNvPr id="1" name=""/>
+        <p:cNvGrpSpPr/>
+        <p:nvPr/>
+      </p:nvGrpSpPr>
+      <p:grpSpPr>
+        <a:xfrm>
+          <a:off x="0" y="0"/>
+          <a:ext cx="0" cy="0"/>
+          <a:chOff x="0" y="0"/>
+          <a:chExt cx="0" cy="0"/>
+        </a:xfrm>
+      </p:grpSpPr>
+      <p:sp>
+        <p:nvSpPr>
+          <p:cNvPr id="87" name="PlaceHolder 1"/>
+          <p:cNvSpPr>
+            <a:spLocks noGrp="1"/>
+          </p:cNvSpPr>
+          <p:nvPr>
+            <p:ph type="title"/>
+          </p:nvPr>
+        </p:nvSpPr>
+        <p:spPr>
+          <a:xfrm>
+            <a:off x="838080" y="365040"/>
+            <a:ext cx="10514880" cy="1324800"/>
+          </a:xfrm>
+          <a:prstGeom prst="rect">
+            <a:avLst/>
+          </a:prstGeom>
+        </p:spPr>
+        <p:txBody>
+          <a:bodyPr lIns="0" rIns="0" tIns="0" bIns="0" anchor="ctr"/>
+          <a:p>
+            <a:pPr algn="ctr"/>
+            <a:endParaRPr b="0" lang="en-US" sz="4400" spc="-1" strike="noStrike">
+              <a:solidFill>
+                <a:srgbClr val="000000"/>
+              </a:solidFill>
+              <a:uFill>
+                <a:solidFill>
+                  <a:srgbClr val="ffffff"/>
+                </a:solidFill>
+              </a:uFill>
+              <a:latin typeface="Arial"/>
+            </a:endParaRPr>
+          </a:p>
+        </p:txBody>
+      </p:sp>
+      <p:sp>
+        <p:nvSpPr>
+          <p:cNvPr id="88" name="PlaceHolder 2"/>
+          <p:cNvSpPr>
+            <a:spLocks noGrp="1"/>
+          </p:cNvSpPr>
+          <p:nvPr>
+            <p:ph type="body"/>
+          </p:nvPr>
+        </p:nvSpPr>
+        <p:spPr>
+          <a:xfrm>
+            <a:off x="838080" y="1825560"/>
+            <a:ext cx="5131080" cy="4350600"/>
+          </a:xfrm>
+          <a:prstGeom prst="rect">
+            <a:avLst/>
+          </a:prstGeom>
+        </p:spPr>
+        <p:txBody>
+          <a:bodyPr lIns="0" rIns="0" tIns="0" bIns="0"/>
+          <a:p>
+            <a:endParaRPr b="0" lang="en-US" sz="3200" spc="-1" strike="noStrike">
+              <a:solidFill>
+                <a:srgbClr val="000000"/>
+              </a:solidFill>
+              <a:uFill>
+                <a:solidFill>
+                  <a:srgbClr val="ffffff"/>
+                </a:solidFill>
+              </a:uFill>
+              <a:latin typeface="Arial"/>
+            </a:endParaRPr>
+          </a:p>
+        </p:txBody>
+      </p:sp>
+      <p:sp>
+        <p:nvSpPr>
+          <p:cNvPr id="89" name="PlaceHolder 3"/>
+          <p:cNvSpPr>
+            <a:spLocks noGrp="1"/>
+          </p:cNvSpPr>
+          <p:nvPr>
+            <p:ph type="body"/>
+          </p:nvPr>
+        </p:nvSpPr>
+        <p:spPr>
+          <a:xfrm>
+            <a:off x="6226200" y="1825560"/>
+            <a:ext cx="5131080" cy="2075040"/>
+          </a:xfrm>
+          <a:prstGeom prst="rect">
+            <a:avLst/>
+          </a:prstGeom>
+        </p:spPr>
+        <p:txBody>
+          <a:bodyPr lIns="0" rIns="0" tIns="0" bIns="0"/>
+          <a:p>
+            <a:endParaRPr b="0" lang="en-US" sz="3200" spc="-1" strike="noStrike">
+              <a:solidFill>
+                <a:srgbClr val="000000"/>
+              </a:solidFill>
+              <a:uFill>
+                <a:solidFill>
+                  <a:srgbClr val="ffffff"/>
+                </a:solidFill>
+              </a:uFill>
+              <a:latin typeface="Arial"/>
+            </a:endParaRPr>
+          </a:p>
+        </p:txBody>
+      </p:sp>
+      <p:sp>
+        <p:nvSpPr>
+          <p:cNvPr id="90" name="PlaceHolder 4"/>
+          <p:cNvSpPr>
+            <a:spLocks noGrp="1"/>
+          </p:cNvSpPr>
+          <p:nvPr>
+            <p:ph type="body"/>
+          </p:nvPr>
+        </p:nvSpPr>
+        <p:spPr>
+          <a:xfrm>
+            <a:off x="6226200" y="4098240"/>
+            <a:ext cx="5131080" cy="2075040"/>
+          </a:xfrm>
+          <a:prstGeom prst="rect">
+            <a:avLst/>
+          </a:prstGeom>
+        </p:spPr>
+        <p:txBody>
+          <a:bodyPr lIns="0" rIns="0" tIns="0" bIns="0"/>
+          <a:p>
+            <a:endParaRPr b="0" lang="en-US" sz="3200" spc="-1" strike="noStrike">
+              <a:solidFill>
+                <a:srgbClr val="000000"/>
+              </a:solidFill>
+              <a:uFill>
+                <a:solidFill>
+                  <a:srgbClr val="ffffff"/>
+                </a:solidFill>
+              </a:uFill>
+              <a:latin typeface="Arial"/>
+            </a:endParaRPr>
+          </a:p>
+        </p:txBody>
+      </p:sp>
+    </p:spTree>
+  </p:cSld>
+</p:sldLayout>
+</file>
+
+<file path=ppt/slideLayouts/slideLayout33.xml><?xml version="1.0" encoding="utf-8"?>
+<p:sldLayout xmlns:a="http://schemas.openxmlformats.org/drawingml/2006/main" xmlns:p="http://schemas.openxmlformats.org/presentationml/2006/main" xmlns:r="http://schemas.openxmlformats.org/officeDocument/2006/relationships" xmlns:p14="http://schemas.microsoft.com/office/powerpoint/2010/main" xmlns:p15="http://schemas.microsoft.com/office/powerpoint/2012/main" xmlns:mc="http://schemas.openxmlformats.org/markup-compatibility/2006" type="twoObjOverTx" preserve="1">
+  <p:cSld name="Title, 2 Content over Content">
+    <p:spTree>
+      <p:nvGrpSpPr>
+        <p:cNvPr id="1" name=""/>
+        <p:cNvGrpSpPr/>
+        <p:nvPr/>
+      </p:nvGrpSpPr>
+      <p:grpSpPr>
+        <a:xfrm>
+          <a:off x="0" y="0"/>
+          <a:ext cx="0" cy="0"/>
+          <a:chOff x="0" y="0"/>
+          <a:chExt cx="0" cy="0"/>
+        </a:xfrm>
+      </p:grpSpPr>
+      <p:sp>
+        <p:nvSpPr>
+          <p:cNvPr id="91" name="PlaceHolder 1"/>
+          <p:cNvSpPr>
+            <a:spLocks noGrp="1"/>
+          </p:cNvSpPr>
+          <p:nvPr>
+            <p:ph type="title"/>
+          </p:nvPr>
+        </p:nvSpPr>
+        <p:spPr>
+          <a:xfrm>
+            <a:off x="838080" y="365040"/>
+            <a:ext cx="10514880" cy="1324800"/>
+          </a:xfrm>
+          <a:prstGeom prst="rect">
+            <a:avLst/>
+          </a:prstGeom>
+        </p:spPr>
+        <p:txBody>
+          <a:bodyPr lIns="0" rIns="0" tIns="0" bIns="0" anchor="ctr"/>
+          <a:p>
+            <a:pPr algn="ctr"/>
+            <a:endParaRPr b="0" lang="en-US" sz="4400" spc="-1" strike="noStrike">
+              <a:solidFill>
+                <a:srgbClr val="000000"/>
+              </a:solidFill>
+              <a:uFill>
+                <a:solidFill>
+                  <a:srgbClr val="ffffff"/>
+                </a:solidFill>
+              </a:uFill>
+              <a:latin typeface="Arial"/>
+            </a:endParaRPr>
+          </a:p>
+        </p:txBody>
+      </p:sp>
+      <p:sp>
+        <p:nvSpPr>
+          <p:cNvPr id="92" name="PlaceHolder 2"/>
+          <p:cNvSpPr>
+            <a:spLocks noGrp="1"/>
+          </p:cNvSpPr>
+          <p:nvPr>
+            <p:ph type="body"/>
+          </p:nvPr>
+        </p:nvSpPr>
+        <p:spPr>
+          <a:xfrm>
+            <a:off x="838080" y="1825560"/>
+            <a:ext cx="5131080" cy="2075040"/>
+          </a:xfrm>
+          <a:prstGeom prst="rect">
+            <a:avLst/>
+          </a:prstGeom>
+        </p:spPr>
+        <p:txBody>
+          <a:bodyPr lIns="0" rIns="0" tIns="0" bIns="0"/>
+          <a:p>
+            <a:endParaRPr b="0" lang="en-US" sz="3200" spc="-1" strike="noStrike">
+              <a:solidFill>
+                <a:srgbClr val="000000"/>
+              </a:solidFill>
+              <a:uFill>
+                <a:solidFill>
+                  <a:srgbClr val="ffffff"/>
+                </a:solidFill>
+              </a:uFill>
+              <a:latin typeface="Arial"/>
+            </a:endParaRPr>
+          </a:p>
+        </p:txBody>
+      </p:sp>
+      <p:sp>
+        <p:nvSpPr>
+          <p:cNvPr id="93" name="PlaceHolder 3"/>
+          <p:cNvSpPr>
+            <a:spLocks noGrp="1"/>
+          </p:cNvSpPr>
+          <p:nvPr>
+            <p:ph type="body"/>
+          </p:nvPr>
+        </p:nvSpPr>
+        <p:spPr>
+          <a:xfrm>
+            <a:off x="6226200" y="1825560"/>
+            <a:ext cx="5131080" cy="2075040"/>
+          </a:xfrm>
+          <a:prstGeom prst="rect">
+            <a:avLst/>
+          </a:prstGeom>
+        </p:spPr>
+        <p:txBody>
+          <a:bodyPr lIns="0" rIns="0" tIns="0" bIns="0"/>
+          <a:p>
+            <a:endParaRPr b="0" lang="en-US" sz="3200" spc="-1" strike="noStrike">
+              <a:solidFill>
+                <a:srgbClr val="000000"/>
+              </a:solidFill>
+              <a:uFill>
+                <a:solidFill>
+                  <a:srgbClr val="ffffff"/>
+                </a:solidFill>
+              </a:uFill>
+              <a:latin typeface="Arial"/>
+            </a:endParaRPr>
+          </a:p>
+        </p:txBody>
+      </p:sp>
+      <p:sp>
+        <p:nvSpPr>
+          <p:cNvPr id="94" name="PlaceHolder 4"/>
+          <p:cNvSpPr>
+            <a:spLocks noGrp="1"/>
+          </p:cNvSpPr>
+          <p:nvPr>
+            <p:ph type="body"/>
+          </p:nvPr>
+        </p:nvSpPr>
+        <p:spPr>
+          <a:xfrm>
+            <a:off x="838080" y="4098240"/>
+            <a:ext cx="10514880" cy="2075040"/>
+          </a:xfrm>
+          <a:prstGeom prst="rect">
+            <a:avLst/>
+          </a:prstGeom>
+        </p:spPr>
+        <p:txBody>
+          <a:bodyPr lIns="0" rIns="0" tIns="0" bIns="0"/>
+          <a:p>
+            <a:endParaRPr b="0" lang="en-US" sz="3200" spc="-1" strike="noStrike">
+              <a:solidFill>
+                <a:srgbClr val="000000"/>
+              </a:solidFill>
+              <a:uFill>
+                <a:solidFill>
+                  <a:srgbClr val="ffffff"/>
+                </a:solidFill>
+              </a:uFill>
+              <a:latin typeface="Arial"/>
+            </a:endParaRPr>
+          </a:p>
+        </p:txBody>
+      </p:sp>
+    </p:spTree>
+  </p:cSld>
+</p:sldLayout>
+</file>
+
+<file path=ppt/slideLayouts/slideLayout34.xml><?xml version="1.0" encoding="utf-8"?>
+<p:sldLayout xmlns:a="http://schemas.openxmlformats.org/drawingml/2006/main" xmlns:p="http://schemas.openxmlformats.org/presentationml/2006/main" xmlns:r="http://schemas.openxmlformats.org/officeDocument/2006/relationships" xmlns:p14="http://schemas.microsoft.com/office/powerpoint/2010/main" xmlns:p15="http://schemas.microsoft.com/office/powerpoint/2012/main" xmlns:mc="http://schemas.openxmlformats.org/markup-compatibility/2006" type="objOverTx" preserve="1">
+  <p:cSld name="Title, Content over Content">
+    <p:spTree>
+      <p:nvGrpSpPr>
+        <p:cNvPr id="1" name=""/>
+        <p:cNvGrpSpPr/>
+        <p:nvPr/>
+      </p:nvGrpSpPr>
+      <p:grpSpPr>
+        <a:xfrm>
+          <a:off x="0" y="0"/>
+          <a:ext cx="0" cy="0"/>
+          <a:chOff x="0" y="0"/>
+          <a:chExt cx="0" cy="0"/>
+        </a:xfrm>
+      </p:grpSpPr>
+      <p:sp>
+        <p:nvSpPr>
+          <p:cNvPr id="95" name="PlaceHolder 1"/>
+          <p:cNvSpPr>
+            <a:spLocks noGrp="1"/>
+          </p:cNvSpPr>
+          <p:nvPr>
+            <p:ph type="title"/>
+          </p:nvPr>
+        </p:nvSpPr>
+        <p:spPr>
+          <a:xfrm>
+            <a:off x="838080" y="365040"/>
+            <a:ext cx="10514880" cy="1324800"/>
+          </a:xfrm>
+          <a:prstGeom prst="rect">
+            <a:avLst/>
+          </a:prstGeom>
+        </p:spPr>
+        <p:txBody>
+          <a:bodyPr lIns="0" rIns="0" tIns="0" bIns="0" anchor="ctr"/>
+          <a:p>
+            <a:pPr algn="ctr"/>
+            <a:endParaRPr b="0" lang="en-US" sz="4400" spc="-1" strike="noStrike">
+              <a:solidFill>
+                <a:srgbClr val="000000"/>
+              </a:solidFill>
+              <a:uFill>
+                <a:solidFill>
+                  <a:srgbClr val="ffffff"/>
+                </a:solidFill>
+              </a:uFill>
+              <a:latin typeface="Arial"/>
+            </a:endParaRPr>
+          </a:p>
+        </p:txBody>
+      </p:sp>
+      <p:sp>
+        <p:nvSpPr>
+          <p:cNvPr id="96" name="PlaceHolder 2"/>
+          <p:cNvSpPr>
+            <a:spLocks noGrp="1"/>
+          </p:cNvSpPr>
+          <p:nvPr>
+            <p:ph type="body"/>
+          </p:nvPr>
+        </p:nvSpPr>
+        <p:spPr>
+          <a:xfrm>
+            <a:off x="838080" y="1825560"/>
+            <a:ext cx="10514880" cy="2075040"/>
+          </a:xfrm>
+          <a:prstGeom prst="rect">
+            <a:avLst/>
+          </a:prstGeom>
+        </p:spPr>
+        <p:txBody>
+          <a:bodyPr lIns="0" rIns="0" tIns="0" bIns="0"/>
+          <a:p>
+            <a:endParaRPr b="0" lang="en-US" sz="3200" spc="-1" strike="noStrike">
+              <a:solidFill>
+                <a:srgbClr val="000000"/>
+              </a:solidFill>
+              <a:uFill>
+                <a:solidFill>
+                  <a:srgbClr val="ffffff"/>
+                </a:solidFill>
+              </a:uFill>
+              <a:latin typeface="Arial"/>
+            </a:endParaRPr>
+          </a:p>
+        </p:txBody>
+      </p:sp>
+      <p:sp>
+        <p:nvSpPr>
+          <p:cNvPr id="97" name="PlaceHolder 3"/>
+          <p:cNvSpPr>
+            <a:spLocks noGrp="1"/>
+          </p:cNvSpPr>
+          <p:nvPr>
+            <p:ph type="body"/>
+          </p:nvPr>
+        </p:nvSpPr>
+        <p:spPr>
+          <a:xfrm>
+            <a:off x="838080" y="4098240"/>
+            <a:ext cx="10514880" cy="2075040"/>
+          </a:xfrm>
+          <a:prstGeom prst="rect">
+            <a:avLst/>
+          </a:prstGeom>
+        </p:spPr>
+        <p:txBody>
+          <a:bodyPr lIns="0" rIns="0" tIns="0" bIns="0"/>
+          <a:p>
+            <a:endParaRPr b="0" lang="en-US" sz="3200" spc="-1" strike="noStrike">
+              <a:solidFill>
+                <a:srgbClr val="000000"/>
+              </a:solidFill>
+              <a:uFill>
+                <a:solidFill>
+                  <a:srgbClr val="ffffff"/>
+                </a:solidFill>
+              </a:uFill>
+              <a:latin typeface="Arial"/>
+            </a:endParaRPr>
+          </a:p>
+        </p:txBody>
+      </p:sp>
+    </p:spTree>
+  </p:cSld>
+</p:sldLayout>
+</file>
+
+<file path=ppt/slideLayouts/slideLayout35.xml><?xml version="1.0" encoding="utf-8"?>
+<p:sldLayout xmlns:a="http://schemas.openxmlformats.org/drawingml/2006/main" xmlns:p="http://schemas.openxmlformats.org/presentationml/2006/main" xmlns:r="http://schemas.openxmlformats.org/officeDocument/2006/relationships" xmlns:p14="http://schemas.microsoft.com/office/powerpoint/2010/main" xmlns:p15="http://schemas.microsoft.com/office/powerpoint/2012/main" xmlns:mc="http://schemas.openxmlformats.org/markup-compatibility/2006" type="fourObj" preserve="1">
+  <p:cSld name="Title, 4 Content">
+    <p:spTree>
+      <p:nvGrpSpPr>
+        <p:cNvPr id="1" name=""/>
+        <p:cNvGrpSpPr/>
+        <p:nvPr/>
+      </p:nvGrpSpPr>
+      <p:grpSpPr>
+        <a:xfrm>
+          <a:off x="0" y="0"/>
+          <a:ext cx="0" cy="0"/>
+          <a:chOff x="0" y="0"/>
+          <a:chExt cx="0" cy="0"/>
+        </a:xfrm>
+      </p:grpSpPr>
+      <p:sp>
+        <p:nvSpPr>
+          <p:cNvPr id="98" name="PlaceHolder 1"/>
+          <p:cNvSpPr>
+            <a:spLocks noGrp="1"/>
+          </p:cNvSpPr>
+          <p:nvPr>
+            <p:ph type="title"/>
+          </p:nvPr>
+        </p:nvSpPr>
+        <p:spPr>
+          <a:xfrm>
+            <a:off x="838080" y="365040"/>
+            <a:ext cx="10514880" cy="1324800"/>
+          </a:xfrm>
+          <a:prstGeom prst="rect">
+            <a:avLst/>
+          </a:prstGeom>
+        </p:spPr>
+        <p:txBody>
+          <a:bodyPr lIns="0" rIns="0" tIns="0" bIns="0" anchor="ctr"/>
+          <a:p>
+            <a:pPr algn="ctr"/>
+            <a:endParaRPr b="0" lang="en-US" sz="4400" spc="-1" strike="noStrike">
+              <a:solidFill>
+                <a:srgbClr val="000000"/>
+              </a:solidFill>
+              <a:uFill>
+                <a:solidFill>
+                  <a:srgbClr val="ffffff"/>
+                </a:solidFill>
+              </a:uFill>
+              <a:latin typeface="Arial"/>
+            </a:endParaRPr>
+          </a:p>
+        </p:txBody>
+      </p:sp>
+      <p:sp>
+        <p:nvSpPr>
+          <p:cNvPr id="99" name="PlaceHolder 2"/>
+          <p:cNvSpPr>
+            <a:spLocks noGrp="1"/>
+          </p:cNvSpPr>
+          <p:nvPr>
+            <p:ph type="body"/>
+          </p:nvPr>
+        </p:nvSpPr>
+        <p:spPr>
+          <a:xfrm>
+            <a:off x="838080" y="1825560"/>
+            <a:ext cx="5131080" cy="2075040"/>
+          </a:xfrm>
+          <a:prstGeom prst="rect">
+            <a:avLst/>
+          </a:prstGeom>
+        </p:spPr>
+        <p:txBody>
+          <a:bodyPr lIns="0" rIns="0" tIns="0" bIns="0"/>
+          <a:p>
+            <a:endParaRPr b="0" lang="en-US" sz="3200" spc="-1" strike="noStrike">
+              <a:solidFill>
+                <a:srgbClr val="000000"/>
+              </a:solidFill>
+              <a:uFill>
+                <a:solidFill>
+                  <a:srgbClr val="ffffff"/>
+                </a:solidFill>
+              </a:uFill>
+              <a:latin typeface="Arial"/>
+            </a:endParaRPr>
+          </a:p>
+        </p:txBody>
+      </p:sp>
+      <p:sp>
+        <p:nvSpPr>
+          <p:cNvPr id="100" name="PlaceHolder 3"/>
+          <p:cNvSpPr>
+            <a:spLocks noGrp="1"/>
+          </p:cNvSpPr>
+          <p:nvPr>
+            <p:ph type="body"/>
+          </p:nvPr>
+        </p:nvSpPr>
+        <p:spPr>
+          <a:xfrm>
+            <a:off x="6226200" y="1825560"/>
+            <a:ext cx="5131080" cy="2075040"/>
+          </a:xfrm>
+          <a:prstGeom prst="rect">
+            <a:avLst/>
+          </a:prstGeom>
+        </p:spPr>
+        <p:txBody>
+          <a:bodyPr lIns="0" rIns="0" tIns="0" bIns="0"/>
+          <a:p>
+            <a:endParaRPr b="0" lang="en-US" sz="3200" spc="-1" strike="noStrike">
+              <a:solidFill>
+                <a:srgbClr val="000000"/>
+              </a:solidFill>
+              <a:uFill>
+                <a:solidFill>
+                  <a:srgbClr val="ffffff"/>
+                </a:solidFill>
+              </a:uFill>
+              <a:latin typeface="Arial"/>
+            </a:endParaRPr>
+          </a:p>
+        </p:txBody>
+      </p:sp>
+      <p:sp>
+        <p:nvSpPr>
+          <p:cNvPr id="101" name="PlaceHolder 4"/>
+          <p:cNvSpPr>
+            <a:spLocks noGrp="1"/>
+          </p:cNvSpPr>
+          <p:nvPr>
+            <p:ph type="body"/>
+          </p:nvPr>
+        </p:nvSpPr>
+        <p:spPr>
+          <a:xfrm>
+            <a:off x="6226200" y="4098240"/>
+            <a:ext cx="5131080" cy="2075040"/>
+          </a:xfrm>
+          <a:prstGeom prst="rect">
+            <a:avLst/>
+          </a:prstGeom>
+        </p:spPr>
+        <p:txBody>
+          <a:bodyPr lIns="0" rIns="0" tIns="0" bIns="0"/>
+          <a:p>
+            <a:endParaRPr b="0" lang="en-US" sz="3200" spc="-1" strike="noStrike">
+              <a:solidFill>
+                <a:srgbClr val="000000"/>
+              </a:solidFill>
+              <a:uFill>
+                <a:solidFill>
+                  <a:srgbClr val="ffffff"/>
+                </a:solidFill>
+              </a:uFill>
+              <a:latin typeface="Arial"/>
+            </a:endParaRPr>
+          </a:p>
+        </p:txBody>
+      </p:sp>
+      <p:sp>
+        <p:nvSpPr>
+          <p:cNvPr id="102" name="PlaceHolder 5"/>
+          <p:cNvSpPr>
+            <a:spLocks noGrp="1"/>
+          </p:cNvSpPr>
+          <p:nvPr>
+            <p:ph type="body"/>
+          </p:nvPr>
+        </p:nvSpPr>
+        <p:spPr>
+          <a:xfrm>
+            <a:off x="838080" y="4098240"/>
+            <a:ext cx="5131080" cy="2075040"/>
+          </a:xfrm>
+          <a:prstGeom prst="rect">
+            <a:avLst/>
+          </a:prstGeom>
+        </p:spPr>
+        <p:txBody>
+          <a:bodyPr lIns="0" rIns="0" tIns="0" bIns="0"/>
+          <a:p>
+            <a:endParaRPr b="0" lang="en-US" sz="3200" spc="-1" strike="noStrike">
+              <a:solidFill>
+                <a:srgbClr val="000000"/>
+              </a:solidFill>
+              <a:uFill>
+                <a:solidFill>
+                  <a:srgbClr val="ffffff"/>
+                </a:solidFill>
+              </a:uFill>
+              <a:latin typeface="Arial"/>
+            </a:endParaRPr>
+          </a:p>
+        </p:txBody>
+      </p:sp>
+    </p:spTree>
+  </p:cSld>
+</p:sldLayout>
+</file>
+
+<file path=ppt/slideLayouts/slideLayout36.xml><?xml version="1.0" encoding="utf-8"?>
+<p:sldLayout xmlns:a="http://schemas.openxmlformats.org/drawingml/2006/main" xmlns:p="http://schemas.openxmlformats.org/presentationml/2006/main" xmlns:r="http://schemas.openxmlformats.org/officeDocument/2006/relationships" xmlns:p14="http://schemas.microsoft.com/office/powerpoint/2010/main" xmlns:p15="http://schemas.microsoft.com/office/powerpoint/2012/main" xmlns:mc="http://schemas.openxmlformats.org/markup-compatibility/2006" type="blank" preserve="1">
+  <p:cSld name="Title, 6 Content">
+    <p:spTree>
+      <p:nvGrpSpPr>
+        <p:cNvPr id="1" name=""/>
+        <p:cNvGrpSpPr/>
+        <p:nvPr/>
+      </p:nvGrpSpPr>
+      <p:grpSpPr>
+        <a:xfrm>
+          <a:off x="0" y="0"/>
+          <a:ext cx="0" cy="0"/>
+          <a:chOff x="0" y="0"/>
+          <a:chExt cx="0" cy="0"/>
+        </a:xfrm>
+      </p:grpSpPr>
+      <p:sp>
+        <p:nvSpPr>
+          <p:cNvPr id="103" name="PlaceHolder 1"/>
+          <p:cNvSpPr>
+            <a:spLocks noGrp="1"/>
+          </p:cNvSpPr>
+          <p:nvPr>
+            <p:ph type="title"/>
+          </p:nvPr>
+        </p:nvSpPr>
+        <p:spPr>
+          <a:xfrm>
+            <a:off x="838080" y="365040"/>
+            <a:ext cx="10514880" cy="1324800"/>
+          </a:xfrm>
+          <a:prstGeom prst="rect">
+            <a:avLst/>
+          </a:prstGeom>
+        </p:spPr>
+        <p:txBody>
+          <a:bodyPr lIns="0" rIns="0" tIns="0" bIns="0" anchor="ctr"/>
+          <a:p>
+            <a:pPr algn="ctr"/>
+            <a:endParaRPr b="0" lang="en-US" sz="4400" spc="-1" strike="noStrike">
+              <a:solidFill>
+                <a:srgbClr val="000000"/>
+              </a:solidFill>
+              <a:uFill>
+                <a:solidFill>
+                  <a:srgbClr val="ffffff"/>
+                </a:solidFill>
+              </a:uFill>
+              <a:latin typeface="Arial"/>
+            </a:endParaRPr>
+          </a:p>
+        </p:txBody>
+      </p:sp>
+      <p:sp>
+        <p:nvSpPr>
+          <p:cNvPr id="104" name="PlaceHolder 2"/>
+          <p:cNvSpPr>
+            <a:spLocks noGrp="1"/>
+          </p:cNvSpPr>
+          <p:nvPr>
+            <p:ph type="body"/>
+          </p:nvPr>
+        </p:nvSpPr>
+        <p:spPr>
+          <a:xfrm>
+            <a:off x="838080" y="1825560"/>
+            <a:ext cx="10514880" cy="4350600"/>
+          </a:xfrm>
+          <a:prstGeom prst="rect">
+            <a:avLst/>
+          </a:prstGeom>
+        </p:spPr>
+        <p:txBody>
+          <a:bodyPr lIns="0" rIns="0" tIns="0" bIns="0"/>
+          <a:p>
+            <a:endParaRPr b="0" lang="en-US" sz="3200" spc="-1" strike="noStrike">
+              <a:solidFill>
+                <a:srgbClr val="000000"/>
+              </a:solidFill>
+              <a:uFill>
+                <a:solidFill>
+                  <a:srgbClr val="ffffff"/>
+                </a:solidFill>
+              </a:uFill>
+              <a:latin typeface="Arial"/>
+            </a:endParaRPr>
+          </a:p>
+        </p:txBody>
+      </p:sp>
+      <p:sp>
+        <p:nvSpPr>
+          <p:cNvPr id="105" name="PlaceHolder 3"/>
+          <p:cNvSpPr>
+            <a:spLocks noGrp="1"/>
+          </p:cNvSpPr>
+          <p:nvPr>
+            <p:ph type="body"/>
+          </p:nvPr>
+        </p:nvSpPr>
+        <p:spPr>
+          <a:xfrm>
+            <a:off x="838080" y="1825560"/>
+            <a:ext cx="10514880" cy="4350600"/>
+          </a:xfrm>
+          <a:prstGeom prst="rect">
+            <a:avLst/>
+          </a:prstGeom>
+        </p:spPr>
+        <p:txBody>
+          <a:bodyPr lIns="0" rIns="0" tIns="0" bIns="0"/>
+          <a:p>
+            <a:endParaRPr b="0" lang="en-US" sz="3200" spc="-1" strike="noStrike">
+              <a:solidFill>
+                <a:srgbClr val="000000"/>
+              </a:solidFill>
+              <a:uFill>
+                <a:solidFill>
+                  <a:srgbClr val="ffffff"/>
+                </a:solidFill>
+              </a:uFill>
+              <a:latin typeface="Arial"/>
+            </a:endParaRPr>
+          </a:p>
+        </p:txBody>
+      </p:sp>
+      <p:pic>
+        <p:nvPicPr>
+          <p:cNvPr id="106" name="" descr=""/>
+          <p:cNvPicPr/>
+          <p:nvPr/>
+        </p:nvPicPr>
+        <p:blipFill>
+          <a:blip r:embed="rId2"/>
+          <a:stretch/>
+        </p:blipFill>
+        <p:spPr>
+          <a:xfrm>
+            <a:off x="3369240" y="1825200"/>
+            <a:ext cx="5452560" cy="4350600"/>
+          </a:xfrm>
+          <a:prstGeom prst="rect">
+            <a:avLst/>
+          </a:prstGeom>
+          <a:ln>
+            <a:noFill/>
+          </a:ln>
+        </p:spPr>
+      </p:pic>
+      <p:pic>
+        <p:nvPicPr>
+          <p:cNvPr id="107" name="" descr=""/>
+          <p:cNvPicPr/>
+          <p:nvPr/>
+        </p:nvPicPr>
+        <p:blipFill>
+          <a:blip r:embed="rId3"/>
+          <a:stretch/>
+        </p:blipFill>
+        <p:spPr>
+          <a:xfrm>
+            <a:off x="3369240" y="1825200"/>
+            <a:ext cx="5452560" cy="4350600"/>
+          </a:xfrm>
+          <a:prstGeom prst="rect">
+            <a:avLst/>
+          </a:prstGeom>
+          <a:ln>
+            <a:noFill/>
+          </a:ln>
+        </p:spPr>
+      </p:pic>
     </p:spTree>
   </p:cSld>
 </p:sldLayout>
@@ -2219,7 +3709,7 @@
       </p:grpSpPr>
       <p:sp>
         <p:nvSpPr>
-          <p:cNvPr id="9" name="PlaceHolder 1"/>
+          <p:cNvPr id="6" name="PlaceHolder 1"/>
           <p:cNvSpPr>
             <a:spLocks noGrp="1"/>
           </p:cNvSpPr>
@@ -2230,7 +3720,7 @@
         <p:spPr>
           <a:xfrm>
             <a:off x="838080" y="365040"/>
-            <a:ext cx="10515240" cy="1325160"/>
+            <a:ext cx="10514880" cy="1324800"/>
           </a:xfrm>
           <a:prstGeom prst="rect">
             <a:avLst/>
@@ -2239,23 +3729,24 @@
         <p:txBody>
           <a:bodyPr lIns="0" rIns="0" tIns="0" bIns="0" anchor="ctr"/>
           <a:p>
-            <a:endParaRPr b="0" lang="zh-CN" sz="1800" spc="-1" strike="noStrike">
-              <a:solidFill>
-                <a:srgbClr val="000000"/>
-              </a:solidFill>
-              <a:uFill>
-                <a:solidFill>
-                  <a:srgbClr val="ffffff"/>
-                </a:solidFill>
-              </a:uFill>
-              <a:latin typeface="Calibri"/>
-            </a:endParaRPr>
-          </a:p>
-        </p:txBody>
-      </p:sp>
-      <p:sp>
-        <p:nvSpPr>
-          <p:cNvPr id="10" name="PlaceHolder 2"/>
+            <a:pPr algn="ctr"/>
+            <a:endParaRPr b="0" lang="en-US" sz="4400" spc="-1" strike="noStrike">
+              <a:solidFill>
+                <a:srgbClr val="000000"/>
+              </a:solidFill>
+              <a:uFill>
+                <a:solidFill>
+                  <a:srgbClr val="ffffff"/>
+                </a:solidFill>
+              </a:uFill>
+              <a:latin typeface="Arial"/>
+            </a:endParaRPr>
+          </a:p>
+        </p:txBody>
+      </p:sp>
+      <p:sp>
+        <p:nvSpPr>
+          <p:cNvPr id="7" name="PlaceHolder 2"/>
           <p:cNvSpPr>
             <a:spLocks noGrp="1"/>
           </p:cNvSpPr>
@@ -2266,7 +3757,7 @@
         <p:spPr>
           <a:xfrm>
             <a:off x="838080" y="1825560"/>
-            <a:ext cx="5131080" cy="4350960"/>
+            <a:ext cx="5131080" cy="4350600"/>
           </a:xfrm>
           <a:prstGeom prst="rect">
             <a:avLst/>
@@ -2275,23 +3766,23 @@
         <p:txBody>
           <a:bodyPr lIns="0" rIns="0" tIns="0" bIns="0"/>
           <a:p>
-            <a:endParaRPr b="0" lang="zh-CN" sz="2800" spc="-1" strike="noStrike">
-              <a:solidFill>
-                <a:srgbClr val="000000"/>
-              </a:solidFill>
-              <a:uFill>
-                <a:solidFill>
-                  <a:srgbClr val="ffffff"/>
-                </a:solidFill>
-              </a:uFill>
-              <a:latin typeface="Calibri"/>
-            </a:endParaRPr>
-          </a:p>
-        </p:txBody>
-      </p:sp>
-      <p:sp>
-        <p:nvSpPr>
-          <p:cNvPr id="11" name="PlaceHolder 3"/>
+            <a:endParaRPr b="0" lang="en-US" sz="3200" spc="-1" strike="noStrike">
+              <a:solidFill>
+                <a:srgbClr val="000000"/>
+              </a:solidFill>
+              <a:uFill>
+                <a:solidFill>
+                  <a:srgbClr val="ffffff"/>
+                </a:solidFill>
+              </a:uFill>
+              <a:latin typeface="Arial"/>
+            </a:endParaRPr>
+          </a:p>
+        </p:txBody>
+      </p:sp>
+      <p:sp>
+        <p:nvSpPr>
+          <p:cNvPr id="8" name="PlaceHolder 3"/>
           <p:cNvSpPr>
             <a:spLocks noGrp="1"/>
           </p:cNvSpPr>
@@ -2302,7 +3793,7 @@
         <p:spPr>
           <a:xfrm>
             <a:off x="6226200" y="1825560"/>
-            <a:ext cx="5131080" cy="4350960"/>
+            <a:ext cx="5131080" cy="4350600"/>
           </a:xfrm>
           <a:prstGeom prst="rect">
             <a:avLst/>
@@ -2311,16 +3802,16 @@
         <p:txBody>
           <a:bodyPr lIns="0" rIns="0" tIns="0" bIns="0"/>
           <a:p>
-            <a:endParaRPr b="0" lang="zh-CN" sz="2800" spc="-1" strike="noStrike">
-              <a:solidFill>
-                <a:srgbClr val="000000"/>
-              </a:solidFill>
-              <a:uFill>
-                <a:solidFill>
-                  <a:srgbClr val="ffffff"/>
-                </a:solidFill>
-              </a:uFill>
-              <a:latin typeface="Calibri"/>
+            <a:endParaRPr b="0" lang="en-US" sz="3200" spc="-1" strike="noStrike">
+              <a:solidFill>
+                <a:srgbClr val="000000"/>
+              </a:solidFill>
+              <a:uFill>
+                <a:solidFill>
+                  <a:srgbClr val="ffffff"/>
+                </a:solidFill>
+              </a:uFill>
+              <a:latin typeface="Arial"/>
             </a:endParaRPr>
           </a:p>
         </p:txBody>
@@ -2349,7 +3840,7 @@
       </p:grpSpPr>
       <p:sp>
         <p:nvSpPr>
-          <p:cNvPr id="12" name="PlaceHolder 1"/>
+          <p:cNvPr id="9" name="PlaceHolder 1"/>
           <p:cNvSpPr>
             <a:spLocks noGrp="1"/>
           </p:cNvSpPr>
@@ -2360,7 +3851,7 @@
         <p:spPr>
           <a:xfrm>
             <a:off x="838080" y="365040"/>
-            <a:ext cx="10515240" cy="1325160"/>
+            <a:ext cx="10514880" cy="1324800"/>
           </a:xfrm>
           <a:prstGeom prst="rect">
             <a:avLst/>
@@ -2369,16 +3860,17 @@
         <p:txBody>
           <a:bodyPr lIns="0" rIns="0" tIns="0" bIns="0" anchor="ctr"/>
           <a:p>
-            <a:endParaRPr b="0" lang="zh-CN" sz="1800" spc="-1" strike="noStrike">
-              <a:solidFill>
-                <a:srgbClr val="000000"/>
-              </a:solidFill>
-              <a:uFill>
-                <a:solidFill>
-                  <a:srgbClr val="ffffff"/>
-                </a:solidFill>
-              </a:uFill>
-              <a:latin typeface="Calibri"/>
+            <a:pPr algn="ctr"/>
+            <a:endParaRPr b="0" lang="en-US" sz="4400" spc="-1" strike="noStrike">
+              <a:solidFill>
+                <a:srgbClr val="000000"/>
+              </a:solidFill>
+              <a:uFill>
+                <a:solidFill>
+                  <a:srgbClr val="ffffff"/>
+                </a:solidFill>
+              </a:uFill>
+              <a:latin typeface="Arial"/>
             </a:endParaRPr>
           </a:p>
         </p:txBody>
@@ -2407,7 +3899,7 @@
       </p:grpSpPr>
       <p:sp>
         <p:nvSpPr>
-          <p:cNvPr id="13" name="PlaceHolder 1"/>
+          <p:cNvPr id="10" name="PlaceHolder 1"/>
           <p:cNvSpPr>
             <a:spLocks noGrp="1"/>
           </p:cNvSpPr>
@@ -2418,7 +3910,7 @@
         <p:spPr>
           <a:xfrm>
             <a:off x="838080" y="365040"/>
-            <a:ext cx="10515240" cy="6144120"/>
+            <a:ext cx="10514880" cy="6142320"/>
           </a:xfrm>
           <a:prstGeom prst="rect">
             <a:avLst/>
@@ -2466,7 +3958,7 @@
       </p:grpSpPr>
       <p:sp>
         <p:nvSpPr>
-          <p:cNvPr id="14" name="PlaceHolder 1"/>
+          <p:cNvPr id="11" name="PlaceHolder 1"/>
           <p:cNvSpPr>
             <a:spLocks noGrp="1"/>
           </p:cNvSpPr>
@@ -2477,7 +3969,7 @@
         <p:spPr>
           <a:xfrm>
             <a:off x="838080" y="365040"/>
-            <a:ext cx="10515240" cy="1325160"/>
+            <a:ext cx="10514880" cy="1324800"/>
           </a:xfrm>
           <a:prstGeom prst="rect">
             <a:avLst/>
@@ -2486,23 +3978,24 @@
         <p:txBody>
           <a:bodyPr lIns="0" rIns="0" tIns="0" bIns="0" anchor="ctr"/>
           <a:p>
-            <a:endParaRPr b="0" lang="zh-CN" sz="1800" spc="-1" strike="noStrike">
-              <a:solidFill>
-                <a:srgbClr val="000000"/>
-              </a:solidFill>
-              <a:uFill>
-                <a:solidFill>
-                  <a:srgbClr val="ffffff"/>
-                </a:solidFill>
-              </a:uFill>
-              <a:latin typeface="Calibri"/>
-            </a:endParaRPr>
-          </a:p>
-        </p:txBody>
-      </p:sp>
-      <p:sp>
-        <p:nvSpPr>
-          <p:cNvPr id="15" name="PlaceHolder 2"/>
+            <a:pPr algn="ctr"/>
+            <a:endParaRPr b="0" lang="en-US" sz="4400" spc="-1" strike="noStrike">
+              <a:solidFill>
+                <a:srgbClr val="000000"/>
+              </a:solidFill>
+              <a:uFill>
+                <a:solidFill>
+                  <a:srgbClr val="ffffff"/>
+                </a:solidFill>
+              </a:uFill>
+              <a:latin typeface="Arial"/>
+            </a:endParaRPr>
+          </a:p>
+        </p:txBody>
+      </p:sp>
+      <p:sp>
+        <p:nvSpPr>
+          <p:cNvPr id="12" name="PlaceHolder 2"/>
           <p:cNvSpPr>
             <a:spLocks noGrp="1"/>
           </p:cNvSpPr>
@@ -2522,23 +4015,23 @@
         <p:txBody>
           <a:bodyPr lIns="0" rIns="0" tIns="0" bIns="0"/>
           <a:p>
-            <a:endParaRPr b="0" lang="zh-CN" sz="2800" spc="-1" strike="noStrike">
-              <a:solidFill>
-                <a:srgbClr val="000000"/>
-              </a:solidFill>
-              <a:uFill>
-                <a:solidFill>
-                  <a:srgbClr val="ffffff"/>
-                </a:solidFill>
-              </a:uFill>
-              <a:latin typeface="Calibri"/>
-            </a:endParaRPr>
-          </a:p>
-        </p:txBody>
-      </p:sp>
-      <p:sp>
-        <p:nvSpPr>
-          <p:cNvPr id="16" name="PlaceHolder 3"/>
+            <a:endParaRPr b="0" lang="en-US" sz="3200" spc="-1" strike="noStrike">
+              <a:solidFill>
+                <a:srgbClr val="000000"/>
+              </a:solidFill>
+              <a:uFill>
+                <a:solidFill>
+                  <a:srgbClr val="ffffff"/>
+                </a:solidFill>
+              </a:uFill>
+              <a:latin typeface="Arial"/>
+            </a:endParaRPr>
+          </a:p>
+        </p:txBody>
+      </p:sp>
+      <p:sp>
+        <p:nvSpPr>
+          <p:cNvPr id="13" name="PlaceHolder 3"/>
           <p:cNvSpPr>
             <a:spLocks noGrp="1"/>
           </p:cNvSpPr>
@@ -2558,23 +4051,23 @@
         <p:txBody>
           <a:bodyPr lIns="0" rIns="0" tIns="0" bIns="0"/>
           <a:p>
-            <a:endParaRPr b="0" lang="zh-CN" sz="2800" spc="-1" strike="noStrike">
-              <a:solidFill>
-                <a:srgbClr val="000000"/>
-              </a:solidFill>
-              <a:uFill>
-                <a:solidFill>
-                  <a:srgbClr val="ffffff"/>
-                </a:solidFill>
-              </a:uFill>
-              <a:latin typeface="Calibri"/>
-            </a:endParaRPr>
-          </a:p>
-        </p:txBody>
-      </p:sp>
-      <p:sp>
-        <p:nvSpPr>
-          <p:cNvPr id="17" name="PlaceHolder 4"/>
+            <a:endParaRPr b="0" lang="en-US" sz="3200" spc="-1" strike="noStrike">
+              <a:solidFill>
+                <a:srgbClr val="000000"/>
+              </a:solidFill>
+              <a:uFill>
+                <a:solidFill>
+                  <a:srgbClr val="ffffff"/>
+                </a:solidFill>
+              </a:uFill>
+              <a:latin typeface="Arial"/>
+            </a:endParaRPr>
+          </a:p>
+        </p:txBody>
+      </p:sp>
+      <p:sp>
+        <p:nvSpPr>
+          <p:cNvPr id="14" name="PlaceHolder 4"/>
           <p:cNvSpPr>
             <a:spLocks noGrp="1"/>
           </p:cNvSpPr>
@@ -2585,7 +4078,7 @@
         <p:spPr>
           <a:xfrm>
             <a:off x="6226200" y="1825560"/>
-            <a:ext cx="5131080" cy="4350960"/>
+            <a:ext cx="5131080" cy="4350600"/>
           </a:xfrm>
           <a:prstGeom prst="rect">
             <a:avLst/>
@@ -2594,16 +4087,16 @@
         <p:txBody>
           <a:bodyPr lIns="0" rIns="0" tIns="0" bIns="0"/>
           <a:p>
-            <a:endParaRPr b="0" lang="zh-CN" sz="2800" spc="-1" strike="noStrike">
-              <a:solidFill>
-                <a:srgbClr val="000000"/>
-              </a:solidFill>
-              <a:uFill>
-                <a:solidFill>
-                  <a:srgbClr val="ffffff"/>
-                </a:solidFill>
-              </a:uFill>
-              <a:latin typeface="Calibri"/>
+            <a:endParaRPr b="0" lang="en-US" sz="3200" spc="-1" strike="noStrike">
+              <a:solidFill>
+                <a:srgbClr val="000000"/>
+              </a:solidFill>
+              <a:uFill>
+                <a:solidFill>
+                  <a:srgbClr val="ffffff"/>
+                </a:solidFill>
+              </a:uFill>
+              <a:latin typeface="Arial"/>
             </a:endParaRPr>
           </a:p>
         </p:txBody>
@@ -2632,7 +4125,7 @@
       </p:grpSpPr>
       <p:sp>
         <p:nvSpPr>
-          <p:cNvPr id="18" name="PlaceHolder 1"/>
+          <p:cNvPr id="15" name="PlaceHolder 1"/>
           <p:cNvSpPr>
             <a:spLocks noGrp="1"/>
           </p:cNvSpPr>
@@ -2643,7 +4136,7 @@
         <p:spPr>
           <a:xfrm>
             <a:off x="838080" y="365040"/>
-            <a:ext cx="10515240" cy="1325160"/>
+            <a:ext cx="10514880" cy="1324800"/>
           </a:xfrm>
           <a:prstGeom prst="rect">
             <a:avLst/>
@@ -2652,23 +4145,24 @@
         <p:txBody>
           <a:bodyPr lIns="0" rIns="0" tIns="0" bIns="0" anchor="ctr"/>
           <a:p>
-            <a:endParaRPr b="0" lang="zh-CN" sz="1800" spc="-1" strike="noStrike">
-              <a:solidFill>
-                <a:srgbClr val="000000"/>
-              </a:solidFill>
-              <a:uFill>
-                <a:solidFill>
-                  <a:srgbClr val="ffffff"/>
-                </a:solidFill>
-              </a:uFill>
-              <a:latin typeface="Calibri"/>
-            </a:endParaRPr>
-          </a:p>
-        </p:txBody>
-      </p:sp>
-      <p:sp>
-        <p:nvSpPr>
-          <p:cNvPr id="19" name="PlaceHolder 2"/>
+            <a:pPr algn="ctr"/>
+            <a:endParaRPr b="0" lang="en-US" sz="4400" spc="-1" strike="noStrike">
+              <a:solidFill>
+                <a:srgbClr val="000000"/>
+              </a:solidFill>
+              <a:uFill>
+                <a:solidFill>
+                  <a:srgbClr val="ffffff"/>
+                </a:solidFill>
+              </a:uFill>
+              <a:latin typeface="Arial"/>
+            </a:endParaRPr>
+          </a:p>
+        </p:txBody>
+      </p:sp>
+      <p:sp>
+        <p:nvSpPr>
+          <p:cNvPr id="16" name="PlaceHolder 2"/>
           <p:cNvSpPr>
             <a:spLocks noGrp="1"/>
           </p:cNvSpPr>
@@ -2679,7 +4173,7 @@
         <p:spPr>
           <a:xfrm>
             <a:off x="838080" y="1825560"/>
-            <a:ext cx="5131080" cy="4350960"/>
+            <a:ext cx="5131080" cy="4350600"/>
           </a:xfrm>
           <a:prstGeom prst="rect">
             <a:avLst/>
@@ -2688,23 +4182,23 @@
         <p:txBody>
           <a:bodyPr lIns="0" rIns="0" tIns="0" bIns="0"/>
           <a:p>
-            <a:endParaRPr b="0" lang="zh-CN" sz="2800" spc="-1" strike="noStrike">
-              <a:solidFill>
-                <a:srgbClr val="000000"/>
-              </a:solidFill>
-              <a:uFill>
-                <a:solidFill>
-                  <a:srgbClr val="ffffff"/>
-                </a:solidFill>
-              </a:uFill>
-              <a:latin typeface="Calibri"/>
-            </a:endParaRPr>
-          </a:p>
-        </p:txBody>
-      </p:sp>
-      <p:sp>
-        <p:nvSpPr>
-          <p:cNvPr id="20" name="PlaceHolder 3"/>
+            <a:endParaRPr b="0" lang="en-US" sz="3200" spc="-1" strike="noStrike">
+              <a:solidFill>
+                <a:srgbClr val="000000"/>
+              </a:solidFill>
+              <a:uFill>
+                <a:solidFill>
+                  <a:srgbClr val="ffffff"/>
+                </a:solidFill>
+              </a:uFill>
+              <a:latin typeface="Arial"/>
+            </a:endParaRPr>
+          </a:p>
+        </p:txBody>
+      </p:sp>
+      <p:sp>
+        <p:nvSpPr>
+          <p:cNvPr id="17" name="PlaceHolder 3"/>
           <p:cNvSpPr>
             <a:spLocks noGrp="1"/>
           </p:cNvSpPr>
@@ -2724,23 +4218,23 @@
         <p:txBody>
           <a:bodyPr lIns="0" rIns="0" tIns="0" bIns="0"/>
           <a:p>
-            <a:endParaRPr b="0" lang="zh-CN" sz="2800" spc="-1" strike="noStrike">
-              <a:solidFill>
-                <a:srgbClr val="000000"/>
-              </a:solidFill>
-              <a:uFill>
-                <a:solidFill>
-                  <a:srgbClr val="ffffff"/>
-                </a:solidFill>
-              </a:uFill>
-              <a:latin typeface="Calibri"/>
-            </a:endParaRPr>
-          </a:p>
-        </p:txBody>
-      </p:sp>
-      <p:sp>
-        <p:nvSpPr>
-          <p:cNvPr id="21" name="PlaceHolder 4"/>
+            <a:endParaRPr b="0" lang="en-US" sz="3200" spc="-1" strike="noStrike">
+              <a:solidFill>
+                <a:srgbClr val="000000"/>
+              </a:solidFill>
+              <a:uFill>
+                <a:solidFill>
+                  <a:srgbClr val="ffffff"/>
+                </a:solidFill>
+              </a:uFill>
+              <a:latin typeface="Arial"/>
+            </a:endParaRPr>
+          </a:p>
+        </p:txBody>
+      </p:sp>
+      <p:sp>
+        <p:nvSpPr>
+          <p:cNvPr id="18" name="PlaceHolder 4"/>
           <p:cNvSpPr>
             <a:spLocks noGrp="1"/>
           </p:cNvSpPr>
@@ -2760,16 +4254,16 @@
         <p:txBody>
           <a:bodyPr lIns="0" rIns="0" tIns="0" bIns="0"/>
           <a:p>
-            <a:endParaRPr b="0" lang="zh-CN" sz="2800" spc="-1" strike="noStrike">
-              <a:solidFill>
-                <a:srgbClr val="000000"/>
-              </a:solidFill>
-              <a:uFill>
-                <a:solidFill>
-                  <a:srgbClr val="ffffff"/>
-                </a:solidFill>
-              </a:uFill>
-              <a:latin typeface="Calibri"/>
+            <a:endParaRPr b="0" lang="en-US" sz="3200" spc="-1" strike="noStrike">
+              <a:solidFill>
+                <a:srgbClr val="000000"/>
+              </a:solidFill>
+              <a:uFill>
+                <a:solidFill>
+                  <a:srgbClr val="ffffff"/>
+                </a:solidFill>
+              </a:uFill>
+              <a:latin typeface="Arial"/>
             </a:endParaRPr>
           </a:p>
         </p:txBody>
@@ -2798,7 +4292,7 @@
       </p:grpSpPr>
       <p:sp>
         <p:nvSpPr>
-          <p:cNvPr id="22" name="PlaceHolder 1"/>
+          <p:cNvPr id="19" name="PlaceHolder 1"/>
           <p:cNvSpPr>
             <a:spLocks noGrp="1"/>
           </p:cNvSpPr>
@@ -2809,7 +4303,7 @@
         <p:spPr>
           <a:xfrm>
             <a:off x="838080" y="365040"/>
-            <a:ext cx="10515240" cy="1325160"/>
+            <a:ext cx="10514880" cy="1324800"/>
           </a:xfrm>
           <a:prstGeom prst="rect">
             <a:avLst/>
@@ -2818,23 +4312,24 @@
         <p:txBody>
           <a:bodyPr lIns="0" rIns="0" tIns="0" bIns="0" anchor="ctr"/>
           <a:p>
-            <a:endParaRPr b="0" lang="zh-CN" sz="1800" spc="-1" strike="noStrike">
-              <a:solidFill>
-                <a:srgbClr val="000000"/>
-              </a:solidFill>
-              <a:uFill>
-                <a:solidFill>
-                  <a:srgbClr val="ffffff"/>
-                </a:solidFill>
-              </a:uFill>
-              <a:latin typeface="Calibri"/>
-            </a:endParaRPr>
-          </a:p>
-        </p:txBody>
-      </p:sp>
-      <p:sp>
-        <p:nvSpPr>
-          <p:cNvPr id="23" name="PlaceHolder 2"/>
+            <a:pPr algn="ctr"/>
+            <a:endParaRPr b="0" lang="en-US" sz="4400" spc="-1" strike="noStrike">
+              <a:solidFill>
+                <a:srgbClr val="000000"/>
+              </a:solidFill>
+              <a:uFill>
+                <a:solidFill>
+                  <a:srgbClr val="ffffff"/>
+                </a:solidFill>
+              </a:uFill>
+              <a:latin typeface="Arial"/>
+            </a:endParaRPr>
+          </a:p>
+        </p:txBody>
+      </p:sp>
+      <p:sp>
+        <p:nvSpPr>
+          <p:cNvPr id="20" name="PlaceHolder 2"/>
           <p:cNvSpPr>
             <a:spLocks noGrp="1"/>
           </p:cNvSpPr>
@@ -2854,23 +4349,23 @@
         <p:txBody>
           <a:bodyPr lIns="0" rIns="0" tIns="0" bIns="0"/>
           <a:p>
-            <a:endParaRPr b="0" lang="zh-CN" sz="2800" spc="-1" strike="noStrike">
-              <a:solidFill>
-                <a:srgbClr val="000000"/>
-              </a:solidFill>
-              <a:uFill>
-                <a:solidFill>
-                  <a:srgbClr val="ffffff"/>
-                </a:solidFill>
-              </a:uFill>
-              <a:latin typeface="Calibri"/>
-            </a:endParaRPr>
-          </a:p>
-        </p:txBody>
-      </p:sp>
-      <p:sp>
-        <p:nvSpPr>
-          <p:cNvPr id="24" name="PlaceHolder 3"/>
+            <a:endParaRPr b="0" lang="en-US" sz="3200" spc="-1" strike="noStrike">
+              <a:solidFill>
+                <a:srgbClr val="000000"/>
+              </a:solidFill>
+              <a:uFill>
+                <a:solidFill>
+                  <a:srgbClr val="ffffff"/>
+                </a:solidFill>
+              </a:uFill>
+              <a:latin typeface="Arial"/>
+            </a:endParaRPr>
+          </a:p>
+        </p:txBody>
+      </p:sp>
+      <p:sp>
+        <p:nvSpPr>
+          <p:cNvPr id="21" name="PlaceHolder 3"/>
           <p:cNvSpPr>
             <a:spLocks noGrp="1"/>
           </p:cNvSpPr>
@@ -2890,23 +4385,23 @@
         <p:txBody>
           <a:bodyPr lIns="0" rIns="0" tIns="0" bIns="0"/>
           <a:p>
-            <a:endParaRPr b="0" lang="zh-CN" sz="2800" spc="-1" strike="noStrike">
-              <a:solidFill>
-                <a:srgbClr val="000000"/>
-              </a:solidFill>
-              <a:uFill>
-                <a:solidFill>
-                  <a:srgbClr val="ffffff"/>
-                </a:solidFill>
-              </a:uFill>
-              <a:latin typeface="Calibri"/>
-            </a:endParaRPr>
-          </a:p>
-        </p:txBody>
-      </p:sp>
-      <p:sp>
-        <p:nvSpPr>
-          <p:cNvPr id="25" name="PlaceHolder 4"/>
+            <a:endParaRPr b="0" lang="en-US" sz="3200" spc="-1" strike="noStrike">
+              <a:solidFill>
+                <a:srgbClr val="000000"/>
+              </a:solidFill>
+              <a:uFill>
+                <a:solidFill>
+                  <a:srgbClr val="ffffff"/>
+                </a:solidFill>
+              </a:uFill>
+              <a:latin typeface="Arial"/>
+            </a:endParaRPr>
+          </a:p>
+        </p:txBody>
+      </p:sp>
+      <p:sp>
+        <p:nvSpPr>
+          <p:cNvPr id="22" name="PlaceHolder 4"/>
           <p:cNvSpPr>
             <a:spLocks noGrp="1"/>
           </p:cNvSpPr>
@@ -2917,7 +4412,7 @@
         <p:spPr>
           <a:xfrm>
             <a:off x="838080" y="4098240"/>
-            <a:ext cx="10515240" cy="2075040"/>
+            <a:ext cx="10514880" cy="2075040"/>
           </a:xfrm>
           <a:prstGeom prst="rect">
             <a:avLst/>
@@ -2926,16 +4421,16 @@
         <p:txBody>
           <a:bodyPr lIns="0" rIns="0" tIns="0" bIns="0"/>
           <a:p>
-            <a:endParaRPr b="0" lang="zh-CN" sz="2800" spc="-1" strike="noStrike">
-              <a:solidFill>
-                <a:srgbClr val="000000"/>
-              </a:solidFill>
-              <a:uFill>
-                <a:solidFill>
-                  <a:srgbClr val="ffffff"/>
-                </a:solidFill>
-              </a:uFill>
-              <a:latin typeface="Calibri"/>
+            <a:endParaRPr b="0" lang="en-US" sz="3200" spc="-1" strike="noStrike">
+              <a:solidFill>
+                <a:srgbClr val="000000"/>
+              </a:solidFill>
+              <a:uFill>
+                <a:solidFill>
+                  <a:srgbClr val="ffffff"/>
+                </a:solidFill>
+              </a:uFill>
+              <a:latin typeface="Arial"/>
             </a:endParaRPr>
           </a:p>
         </p:txBody>
@@ -2981,45 +4476,27 @@
         </p:nvSpPr>
         <p:spPr>
           <a:xfrm>
-            <a:off x="1523880" y="1122480"/>
-            <a:ext cx="9143640" cy="2387160"/>
-          </a:xfrm>
-          <a:prstGeom prst="rect">
-            <a:avLst/>
-          </a:prstGeom>
-        </p:spPr>
-        <p:txBody>
-          <a:bodyPr anchor="b"/>
-          <a:p>
-            <a:pPr algn="ctr">
-              <a:lnSpc>
-                <a:spcPct val="100000"/>
-              </a:lnSpc>
-            </a:pPr>
-            <a:r>
-              <a:rPr b="0" lang="zh-CN" sz="6000" spc="-1" strike="noStrike">
-                <a:solidFill>
-                  <a:srgbClr val="000000"/>
-                </a:solidFill>
-                <a:uFill>
-                  <a:solidFill>
-                    <a:srgbClr val="ffffff"/>
-                  </a:solidFill>
-                </a:uFill>
-                <a:latin typeface="Calibri Light"/>
-              </a:rPr>
-              <a:t>单击此处编辑母版标题样式</a:t>
-            </a:r>
-            <a:endParaRPr b="0" lang="zh-CN" sz="1800" spc="-1" strike="noStrike">
-              <a:solidFill>
-                <a:srgbClr val="000000"/>
-              </a:solidFill>
-              <a:uFill>
-                <a:solidFill>
-                  <a:srgbClr val="ffffff"/>
-                </a:solidFill>
-              </a:uFill>
-              <a:latin typeface="Calibri"/>
+            <a:off x="838080" y="365040"/>
+            <a:ext cx="10514880" cy="1324800"/>
+          </a:xfrm>
+          <a:prstGeom prst="rect">
+            <a:avLst/>
+          </a:prstGeom>
+        </p:spPr>
+        <p:txBody>
+          <a:bodyPr lIns="0" rIns="0" tIns="0" bIns="0" anchor="ctr"/>
+          <a:p>
+            <a:pPr algn="ctr"/>
+            <a:endParaRPr b="0" lang="en-US" sz="4400" spc="-1" strike="noStrike">
+              <a:solidFill>
+                <a:srgbClr val="000000"/>
+              </a:solidFill>
+              <a:uFill>
+                <a:solidFill>
+                  <a:srgbClr val="ffffff"/>
+                </a:solidFill>
+              </a:uFill>
+              <a:latin typeface="Arial"/>
             </a:endParaRPr>
           </a:p>
         </p:txBody>
@@ -3027,152 +4504,6 @@
       <p:sp>
         <p:nvSpPr>
           <p:cNvPr id="1" name="PlaceHolder 2"/>
-          <p:cNvSpPr>
-            <a:spLocks noGrp="1"/>
-          </p:cNvSpPr>
-          <p:nvPr>
-            <p:ph type="dt"/>
-          </p:nvPr>
-        </p:nvSpPr>
-        <p:spPr>
-          <a:xfrm>
-            <a:off x="838080" y="6356520"/>
-            <a:ext cx="2742840" cy="364680"/>
-          </a:xfrm>
-          <a:prstGeom prst="rect">
-            <a:avLst/>
-          </a:prstGeom>
-        </p:spPr>
-        <p:txBody>
-          <a:bodyPr anchor="ctr"/>
-          <a:p>
-            <a:pPr>
-              <a:lnSpc>
-                <a:spcPct val="100000"/>
-              </a:lnSpc>
-            </a:pPr>
-            <a:r>
-              <a:rPr b="0" lang="en-US" sz="1200" spc="-1" strike="noStrike">
-                <a:solidFill>
-                  <a:srgbClr val="8b8b8b"/>
-                </a:solidFill>
-                <a:uFill>
-                  <a:solidFill>
-                    <a:srgbClr val="ffffff"/>
-                  </a:solidFill>
-                </a:uFill>
-                <a:latin typeface="Calibri"/>
-              </a:rPr>
-              <a:t>10/10/16</a:t>
-            </a:r>
-            <a:endParaRPr b="0" lang="en-US" sz="1400" spc="-1" strike="noStrike">
-              <a:solidFill>
-                <a:srgbClr val="000000"/>
-              </a:solidFill>
-              <a:uFill>
-                <a:solidFill>
-                  <a:srgbClr val="ffffff"/>
-                </a:solidFill>
-              </a:uFill>
-              <a:latin typeface="Times New Roman"/>
-            </a:endParaRPr>
-          </a:p>
-        </p:txBody>
-      </p:sp>
-      <p:sp>
-        <p:nvSpPr>
-          <p:cNvPr id="2" name="PlaceHolder 3"/>
-          <p:cNvSpPr>
-            <a:spLocks noGrp="1"/>
-          </p:cNvSpPr>
-          <p:nvPr>
-            <p:ph type="ftr"/>
-          </p:nvPr>
-        </p:nvSpPr>
-        <p:spPr>
-          <a:xfrm>
-            <a:off x="4038480" y="6356520"/>
-            <a:ext cx="4114440" cy="364680"/>
-          </a:xfrm>
-          <a:prstGeom prst="rect">
-            <a:avLst/>
-          </a:prstGeom>
-        </p:spPr>
-        <p:txBody>
-          <a:bodyPr anchor="ctr"/>
-          <a:p>
-            <a:endParaRPr b="0" lang="en-US" sz="2400" spc="-1" strike="noStrike">
-              <a:solidFill>
-                <a:srgbClr val="000000"/>
-              </a:solidFill>
-              <a:uFill>
-                <a:solidFill>
-                  <a:srgbClr val="ffffff"/>
-                </a:solidFill>
-              </a:uFill>
-              <a:latin typeface="Times New Roman"/>
-            </a:endParaRPr>
-          </a:p>
-        </p:txBody>
-      </p:sp>
-      <p:sp>
-        <p:nvSpPr>
-          <p:cNvPr id="3" name="PlaceHolder 4"/>
-          <p:cNvSpPr>
-            <a:spLocks noGrp="1"/>
-          </p:cNvSpPr>
-          <p:nvPr>
-            <p:ph type="sldNum"/>
-          </p:nvPr>
-        </p:nvSpPr>
-        <p:spPr>
-          <a:xfrm>
-            <a:off x="8610480" y="6356520"/>
-            <a:ext cx="2742840" cy="364680"/>
-          </a:xfrm>
-          <a:prstGeom prst="rect">
-            <a:avLst/>
-          </a:prstGeom>
-        </p:spPr>
-        <p:txBody>
-          <a:bodyPr anchor="ctr"/>
-          <a:p>
-            <a:pPr algn="r">
-              <a:lnSpc>
-                <a:spcPct val="100000"/>
-              </a:lnSpc>
-            </a:pPr>
-            <a:fld id="{0F31F6F0-8E37-4BB3-999B-CF8BE7481752}" type="slidenum">
-              <a:rPr b="0" lang="en-US" sz="1200" spc="-1" strike="noStrike">
-                <a:solidFill>
-                  <a:srgbClr val="8b8b8b"/>
-                </a:solidFill>
-                <a:uFill>
-                  <a:solidFill>
-                    <a:srgbClr val="ffffff"/>
-                  </a:solidFill>
-                </a:uFill>
-                <a:latin typeface="Calibri"/>
-              </a:rPr>
-              <a:t>&lt;编号&gt;</a:t>
-            </a:fld>
-            <a:endParaRPr b="0" lang="en-US" sz="1400" spc="-1" strike="noStrike">
-              <a:solidFill>
-                <a:srgbClr val="000000"/>
-              </a:solidFill>
-              <a:uFill>
-                <a:solidFill>
-                  <a:srgbClr val="ffffff"/>
-                </a:solidFill>
-              </a:uFill>
-              <a:latin typeface="Times New Roman"/>
-            </a:endParaRPr>
-          </a:p>
-        </p:txBody>
-      </p:sp>
-      <p:sp>
-        <p:nvSpPr>
-          <p:cNvPr id="4" name="PlaceHolder 5"/>
           <p:cNvSpPr>
             <a:spLocks noGrp="1"/>
           </p:cNvSpPr>
@@ -3201,7 +4532,7 @@
               <a:buChar char=""/>
             </a:pPr>
             <a:r>
-              <a:rPr b="0" lang="zh-CN" sz="2800" spc="-1" strike="noStrike">
+              <a:rPr b="0" lang="en-US" sz="3200" spc="-1" strike="noStrike">
                 <a:solidFill>
                   <a:srgbClr val="000000"/>
                 </a:solidFill>
@@ -3210,20 +4541,20 @@
                     <a:srgbClr val="ffffff"/>
                   </a:solidFill>
                 </a:uFill>
-                <a:latin typeface="Calibri"/>
+                <a:latin typeface="Arial"/>
               </a:rPr>
               <a:t>单击鼠标编辑大纲文字格式</a:t>
             </a:r>
-            <a:endParaRPr b="0" lang="zh-CN" sz="2800" spc="-1" strike="noStrike">
-              <a:solidFill>
-                <a:srgbClr val="000000"/>
-              </a:solidFill>
-              <a:uFill>
-                <a:solidFill>
-                  <a:srgbClr val="ffffff"/>
-                </a:solidFill>
-              </a:uFill>
-              <a:latin typeface="Calibri"/>
+            <a:endParaRPr b="0" lang="en-US" sz="3200" spc="-1" strike="noStrike">
+              <a:solidFill>
+                <a:srgbClr val="000000"/>
+              </a:solidFill>
+              <a:uFill>
+                <a:solidFill>
+                  <a:srgbClr val="ffffff"/>
+                </a:solidFill>
+              </a:uFill>
+              <a:latin typeface="Arial"/>
             </a:endParaRPr>
           </a:p>
           <a:p>
@@ -3236,7 +4567,7 @@
               <a:buChar char=""/>
             </a:pPr>
             <a:r>
-              <a:rPr b="0" lang="zh-CN" sz="2000" spc="-1" strike="noStrike">
+              <a:rPr b="0" lang="en-US" sz="2800" spc="-1" strike="noStrike">
                 <a:solidFill>
                   <a:srgbClr val="000000"/>
                 </a:solidFill>
@@ -3245,20 +4576,20 @@
                     <a:srgbClr val="ffffff"/>
                   </a:solidFill>
                 </a:uFill>
-                <a:latin typeface="Calibri"/>
+                <a:latin typeface="Arial"/>
               </a:rPr>
               <a:t>第二个大纲级</a:t>
             </a:r>
-            <a:endParaRPr b="0" lang="zh-CN" sz="2000" spc="-1" strike="noStrike">
-              <a:solidFill>
-                <a:srgbClr val="000000"/>
-              </a:solidFill>
-              <a:uFill>
-                <a:solidFill>
-                  <a:srgbClr val="ffffff"/>
-                </a:solidFill>
-              </a:uFill>
-              <a:latin typeface="Calibri"/>
+            <a:endParaRPr b="0" lang="en-US" sz="2800" spc="-1" strike="noStrike">
+              <a:solidFill>
+                <a:srgbClr val="000000"/>
+              </a:solidFill>
+              <a:uFill>
+                <a:solidFill>
+                  <a:srgbClr val="ffffff"/>
+                </a:solidFill>
+              </a:uFill>
+              <a:latin typeface="Arial"/>
             </a:endParaRPr>
           </a:p>
           <a:p>
@@ -3271,7 +4602,7 @@
               <a:buChar char=""/>
             </a:pPr>
             <a:r>
-              <a:rPr b="0" lang="zh-CN" sz="1800" spc="-1" strike="noStrike">
+              <a:rPr b="0" lang="en-US" sz="2400" spc="-1" strike="noStrike">
                 <a:solidFill>
                   <a:srgbClr val="000000"/>
                 </a:solidFill>
@@ -3280,20 +4611,20 @@
                     <a:srgbClr val="ffffff"/>
                   </a:solidFill>
                 </a:uFill>
-                <a:latin typeface="Calibri"/>
+                <a:latin typeface="Arial"/>
               </a:rPr>
               <a:t>第三大纲级别</a:t>
             </a:r>
-            <a:endParaRPr b="0" lang="zh-CN" sz="1800" spc="-1" strike="noStrike">
-              <a:solidFill>
-                <a:srgbClr val="000000"/>
-              </a:solidFill>
-              <a:uFill>
-                <a:solidFill>
-                  <a:srgbClr val="ffffff"/>
-                </a:solidFill>
-              </a:uFill>
-              <a:latin typeface="Calibri"/>
+            <a:endParaRPr b="0" lang="en-US" sz="2400" spc="-1" strike="noStrike">
+              <a:solidFill>
+                <a:srgbClr val="000000"/>
+              </a:solidFill>
+              <a:uFill>
+                <a:solidFill>
+                  <a:srgbClr val="ffffff"/>
+                </a:solidFill>
+              </a:uFill>
+              <a:latin typeface="Arial"/>
             </a:endParaRPr>
           </a:p>
           <a:p>
@@ -3306,7 +4637,7 @@
               <a:buChar char=""/>
             </a:pPr>
             <a:r>
-              <a:rPr b="0" lang="zh-CN" sz="1800" spc="-1" strike="noStrike">
+              <a:rPr b="0" lang="en-US" sz="2000" spc="-1" strike="noStrike">
                 <a:solidFill>
                   <a:srgbClr val="000000"/>
                 </a:solidFill>
@@ -3315,20 +4646,20 @@
                     <a:srgbClr val="ffffff"/>
                   </a:solidFill>
                 </a:uFill>
-                <a:latin typeface="Calibri"/>
+                <a:latin typeface="Arial"/>
               </a:rPr>
               <a:t>第四大纲级别</a:t>
             </a:r>
-            <a:endParaRPr b="0" lang="zh-CN" sz="1800" spc="-1" strike="noStrike">
-              <a:solidFill>
-                <a:srgbClr val="000000"/>
-              </a:solidFill>
-              <a:uFill>
-                <a:solidFill>
-                  <a:srgbClr val="ffffff"/>
-                </a:solidFill>
-              </a:uFill>
-              <a:latin typeface="Calibri"/>
+            <a:endParaRPr b="0" lang="en-US" sz="2000" spc="-1" strike="noStrike">
+              <a:solidFill>
+                <a:srgbClr val="000000"/>
+              </a:solidFill>
+              <a:uFill>
+                <a:solidFill>
+                  <a:srgbClr val="ffffff"/>
+                </a:solidFill>
+              </a:uFill>
+              <a:latin typeface="Arial"/>
             </a:endParaRPr>
           </a:p>
           <a:p>
@@ -3341,7 +4672,7 @@
               <a:buChar char=""/>
             </a:pPr>
             <a:r>
-              <a:rPr b="0" lang="zh-CN" sz="2000" spc="-1" strike="noStrike">
+              <a:rPr b="0" lang="en-US" sz="2000" spc="-1" strike="noStrike">
                 <a:solidFill>
                   <a:srgbClr val="000000"/>
                 </a:solidFill>
@@ -3350,20 +4681,20 @@
                     <a:srgbClr val="ffffff"/>
                   </a:solidFill>
                 </a:uFill>
-                <a:latin typeface="Calibri"/>
+                <a:latin typeface="Arial"/>
               </a:rPr>
               <a:t>第五大纲级别</a:t>
             </a:r>
-            <a:endParaRPr b="0" lang="zh-CN" sz="2000" spc="-1" strike="noStrike">
-              <a:solidFill>
-                <a:srgbClr val="000000"/>
-              </a:solidFill>
-              <a:uFill>
-                <a:solidFill>
-                  <a:srgbClr val="ffffff"/>
-                </a:solidFill>
-              </a:uFill>
-              <a:latin typeface="Calibri"/>
+            <a:endParaRPr b="0" lang="en-US" sz="2000" spc="-1" strike="noStrike">
+              <a:solidFill>
+                <a:srgbClr val="000000"/>
+              </a:solidFill>
+              <a:uFill>
+                <a:solidFill>
+                  <a:srgbClr val="ffffff"/>
+                </a:solidFill>
+              </a:uFill>
+              <a:latin typeface="Arial"/>
             </a:endParaRPr>
           </a:p>
           <a:p>
@@ -3376,7 +4707,7 @@
               <a:buChar char=""/>
             </a:pPr>
             <a:r>
-              <a:rPr b="0" lang="zh-CN" sz="2000" spc="-1" strike="noStrike">
+              <a:rPr b="0" lang="en-US" sz="2000" spc="-1" strike="noStrike">
                 <a:solidFill>
                   <a:srgbClr val="000000"/>
                 </a:solidFill>
@@ -3385,20 +4716,20 @@
                     <a:srgbClr val="ffffff"/>
                   </a:solidFill>
                 </a:uFill>
-                <a:latin typeface="Calibri"/>
+                <a:latin typeface="Arial"/>
               </a:rPr>
               <a:t>第六大纲级别</a:t>
             </a:r>
-            <a:endParaRPr b="0" lang="zh-CN" sz="2000" spc="-1" strike="noStrike">
-              <a:solidFill>
-                <a:srgbClr val="000000"/>
-              </a:solidFill>
-              <a:uFill>
-                <a:solidFill>
-                  <a:srgbClr val="ffffff"/>
-                </a:solidFill>
-              </a:uFill>
-              <a:latin typeface="Calibri"/>
+            <a:endParaRPr b="0" lang="en-US" sz="2000" spc="-1" strike="noStrike">
+              <a:solidFill>
+                <a:srgbClr val="000000"/>
+              </a:solidFill>
+              <a:uFill>
+                <a:solidFill>
+                  <a:srgbClr val="ffffff"/>
+                </a:solidFill>
+              </a:uFill>
+              <a:latin typeface="Arial"/>
             </a:endParaRPr>
           </a:p>
           <a:p>
@@ -3411,7 +4742,7 @@
               <a:buChar char=""/>
             </a:pPr>
             <a:r>
-              <a:rPr b="0" lang="zh-CN" sz="2000" spc="-1" strike="noStrike">
+              <a:rPr b="0" lang="en-US" sz="2000" spc="-1" strike="noStrike">
                 <a:solidFill>
                   <a:srgbClr val="000000"/>
                 </a:solidFill>
@@ -3420,20 +4751,20 @@
                     <a:srgbClr val="ffffff"/>
                   </a:solidFill>
                 </a:uFill>
-                <a:latin typeface="Calibri"/>
+                <a:latin typeface="Arial"/>
               </a:rPr>
               <a:t>第七大纲级别</a:t>
             </a:r>
-            <a:endParaRPr b="0" lang="zh-CN" sz="2000" spc="-1" strike="noStrike">
-              <a:solidFill>
-                <a:srgbClr val="000000"/>
-              </a:solidFill>
-              <a:uFill>
-                <a:solidFill>
-                  <a:srgbClr val="ffffff"/>
-                </a:solidFill>
-              </a:uFill>
-              <a:latin typeface="Calibri"/>
+            <a:endParaRPr b="0" lang="en-US" sz="2000" spc="-1" strike="noStrike">
+              <a:solidFill>
+                <a:srgbClr val="000000"/>
+              </a:solidFill>
+              <a:uFill>
+                <a:solidFill>
+                  <a:srgbClr val="ffffff"/>
+                </a:solidFill>
+              </a:uFill>
+              <a:latin typeface="Arial"/>
             </a:endParaRPr>
           </a:p>
         </p:txBody>
@@ -3484,7 +4815,7 @@
       </p:grpSpPr>
       <p:sp>
         <p:nvSpPr>
-          <p:cNvPr id="39" name="PlaceHolder 1"/>
+          <p:cNvPr id="36" name="PlaceHolder 1"/>
           <p:cNvSpPr>
             <a:spLocks noGrp="1"/>
           </p:cNvSpPr>
@@ -3494,23 +4825,19 @@
         </p:nvSpPr>
         <p:spPr>
           <a:xfrm>
-            <a:off x="838080" y="365040"/>
-            <a:ext cx="10515240" cy="1325160"/>
-          </a:xfrm>
-          <a:prstGeom prst="rect">
-            <a:avLst/>
-          </a:prstGeom>
-        </p:spPr>
-        <p:txBody>
-          <a:bodyPr anchor="ctr"/>
-          <a:p>
-            <a:pPr>
-              <a:lnSpc>
-                <a:spcPct val="90000"/>
-              </a:lnSpc>
-            </a:pPr>
+            <a:off x="609480" y="273600"/>
+            <a:ext cx="10972440" cy="1144800"/>
+          </a:xfrm>
+          <a:prstGeom prst="rect">
+            <a:avLst/>
+          </a:prstGeom>
+        </p:spPr>
+        <p:txBody>
+          <a:bodyPr lIns="0" rIns="0" tIns="0" bIns="0" anchor="ctr"/>
+          <a:p>
+            <a:pPr algn="ctr"/>
             <a:r>
-              <a:rPr b="0" lang="zh-CN" sz="4400" spc="-1" strike="noStrike">
+              <a:rPr b="0" lang="en-US" sz="4400" spc="-1" strike="noStrike">
                 <a:solidFill>
                   <a:srgbClr val="000000"/>
                 </a:solidFill>
@@ -3519,27 +4846,27 @@
                     <a:srgbClr val="ffffff"/>
                   </a:solidFill>
                 </a:uFill>
-                <a:latin typeface="Calibri Light"/>
+                <a:latin typeface="Arial"/>
               </a:rPr>
-              <a:t>单击此处编辑母版标题样式</a:t>
+              <a:t>单击鼠标编辑标题文字格式</a:t>
             </a:r>
-            <a:endParaRPr b="0" lang="zh-CN" sz="1800" spc="-1" strike="noStrike">
-              <a:solidFill>
-                <a:srgbClr val="000000"/>
-              </a:solidFill>
-              <a:uFill>
-                <a:solidFill>
-                  <a:srgbClr val="ffffff"/>
-                </a:solidFill>
-              </a:uFill>
-              <a:latin typeface="Calibri"/>
-            </a:endParaRPr>
-          </a:p>
-        </p:txBody>
-      </p:sp>
-      <p:sp>
-        <p:nvSpPr>
-          <p:cNvPr id="40" name="PlaceHolder 2"/>
+            <a:endParaRPr b="0" lang="en-US" sz="4400" spc="-1" strike="noStrike">
+              <a:solidFill>
+                <a:srgbClr val="000000"/>
+              </a:solidFill>
+              <a:uFill>
+                <a:solidFill>
+                  <a:srgbClr val="ffffff"/>
+                </a:solidFill>
+              </a:uFill>
+              <a:latin typeface="Arial"/>
+            </a:endParaRPr>
+          </a:p>
+        </p:txBody>
+      </p:sp>
+      <p:sp>
+        <p:nvSpPr>
+          <p:cNvPr id="37" name="PlaceHolder 2"/>
           <p:cNvSpPr>
             <a:spLocks noGrp="1"/>
           </p:cNvSpPr>
@@ -3549,15 +4876,15 @@
         </p:nvSpPr>
         <p:spPr>
           <a:xfrm>
-            <a:off x="838080" y="1825560"/>
-            <a:ext cx="10515240" cy="4350960"/>
-          </a:xfrm>
-          <a:prstGeom prst="rect">
-            <a:avLst/>
-          </a:prstGeom>
-        </p:spPr>
-        <p:txBody>
-          <a:bodyPr/>
+            <a:off x="609480" y="1604520"/>
+            <a:ext cx="10972440" cy="3977280"/>
+          </a:xfrm>
+          <a:prstGeom prst="rect">
+            <a:avLst/>
+          </a:prstGeom>
+        </p:spPr>
+        <p:txBody>
+          <a:bodyPr lIns="0" rIns="0" tIns="0" bIns="0"/>
           <a:p>
             <a:pPr marL="432000" indent="-324000">
               <a:buClr>
@@ -3568,7 +4895,7 @@
               <a:buChar char=""/>
             </a:pPr>
             <a:r>
-              <a:rPr b="0" lang="zh-CN" sz="2800" spc="-1" strike="noStrike">
+              <a:rPr b="0" lang="en-US" sz="3200" spc="-1" strike="noStrike">
                 <a:solidFill>
                   <a:srgbClr val="000000"/>
                 </a:solidFill>
@@ -3577,20 +4904,20 @@
                     <a:srgbClr val="ffffff"/>
                   </a:solidFill>
                 </a:uFill>
-                <a:latin typeface="Calibri"/>
+                <a:latin typeface="Arial"/>
               </a:rPr>
               <a:t>单击鼠标编辑大纲文字格式</a:t>
             </a:r>
-            <a:endParaRPr b="0" lang="zh-CN" sz="2800" spc="-1" strike="noStrike">
-              <a:solidFill>
-                <a:srgbClr val="000000"/>
-              </a:solidFill>
-              <a:uFill>
-                <a:solidFill>
-                  <a:srgbClr val="ffffff"/>
-                </a:solidFill>
-              </a:uFill>
-              <a:latin typeface="Calibri"/>
+            <a:endParaRPr b="0" lang="en-US" sz="3200" spc="-1" strike="noStrike">
+              <a:solidFill>
+                <a:srgbClr val="000000"/>
+              </a:solidFill>
+              <a:uFill>
+                <a:solidFill>
+                  <a:srgbClr val="ffffff"/>
+                </a:solidFill>
+              </a:uFill>
+              <a:latin typeface="Arial"/>
             </a:endParaRPr>
           </a:p>
           <a:p>
@@ -3603,7 +4930,7 @@
               <a:buChar char=""/>
             </a:pPr>
             <a:r>
-              <a:rPr b="0" lang="zh-CN" sz="2800" spc="-1" strike="noStrike">
+              <a:rPr b="0" lang="en-US" sz="2800" spc="-1" strike="noStrike">
                 <a:solidFill>
                   <a:srgbClr val="000000"/>
                 </a:solidFill>
@@ -3612,20 +4939,20 @@
                     <a:srgbClr val="ffffff"/>
                   </a:solidFill>
                 </a:uFill>
-                <a:latin typeface="Calibri"/>
+                <a:latin typeface="Arial"/>
               </a:rPr>
               <a:t>第二个大纲级</a:t>
             </a:r>
-            <a:endParaRPr b="0" lang="zh-CN" sz="2800" spc="-1" strike="noStrike">
-              <a:solidFill>
-                <a:srgbClr val="000000"/>
-              </a:solidFill>
-              <a:uFill>
-                <a:solidFill>
-                  <a:srgbClr val="ffffff"/>
-                </a:solidFill>
-              </a:uFill>
-              <a:latin typeface="Calibri"/>
+            <a:endParaRPr b="0" lang="en-US" sz="2800" spc="-1" strike="noStrike">
+              <a:solidFill>
+                <a:srgbClr val="000000"/>
+              </a:solidFill>
+              <a:uFill>
+                <a:solidFill>
+                  <a:srgbClr val="ffffff"/>
+                </a:solidFill>
+              </a:uFill>
+              <a:latin typeface="Arial"/>
             </a:endParaRPr>
           </a:p>
           <a:p>
@@ -3638,7 +4965,7 @@
               <a:buChar char=""/>
             </a:pPr>
             <a:r>
-              <a:rPr b="0" lang="zh-CN" sz="2800" spc="-1" strike="noStrike">
+              <a:rPr b="0" lang="en-US" sz="2400" spc="-1" strike="noStrike">
                 <a:solidFill>
                   <a:srgbClr val="000000"/>
                 </a:solidFill>
@@ -3647,20 +4974,20 @@
                     <a:srgbClr val="ffffff"/>
                   </a:solidFill>
                 </a:uFill>
-                <a:latin typeface="Calibri"/>
+                <a:latin typeface="Arial"/>
               </a:rPr>
               <a:t>第三大纲级别</a:t>
             </a:r>
-            <a:endParaRPr b="0" lang="zh-CN" sz="2800" spc="-1" strike="noStrike">
-              <a:solidFill>
-                <a:srgbClr val="000000"/>
-              </a:solidFill>
-              <a:uFill>
-                <a:solidFill>
-                  <a:srgbClr val="ffffff"/>
-                </a:solidFill>
-              </a:uFill>
-              <a:latin typeface="Calibri"/>
+            <a:endParaRPr b="0" lang="en-US" sz="2400" spc="-1" strike="noStrike">
+              <a:solidFill>
+                <a:srgbClr val="000000"/>
+              </a:solidFill>
+              <a:uFill>
+                <a:solidFill>
+                  <a:srgbClr val="ffffff"/>
+                </a:solidFill>
+              </a:uFill>
+              <a:latin typeface="Arial"/>
             </a:endParaRPr>
           </a:p>
           <a:p>
@@ -3673,7 +5000,7 @@
               <a:buChar char=""/>
             </a:pPr>
             <a:r>
-              <a:rPr b="0" lang="zh-CN" sz="2800" spc="-1" strike="noStrike">
+              <a:rPr b="0" lang="en-US" sz="2000" spc="-1" strike="noStrike">
                 <a:solidFill>
                   <a:srgbClr val="000000"/>
                 </a:solidFill>
@@ -3682,20 +5009,20 @@
                     <a:srgbClr val="ffffff"/>
                   </a:solidFill>
                 </a:uFill>
-                <a:latin typeface="Calibri"/>
+                <a:latin typeface="Arial"/>
               </a:rPr>
               <a:t>第四大纲级别</a:t>
             </a:r>
-            <a:endParaRPr b="0" lang="zh-CN" sz="2800" spc="-1" strike="noStrike">
-              <a:solidFill>
-                <a:srgbClr val="000000"/>
-              </a:solidFill>
-              <a:uFill>
-                <a:solidFill>
-                  <a:srgbClr val="ffffff"/>
-                </a:solidFill>
-              </a:uFill>
-              <a:latin typeface="Calibri"/>
+            <a:endParaRPr b="0" lang="en-US" sz="2000" spc="-1" strike="noStrike">
+              <a:solidFill>
+                <a:srgbClr val="000000"/>
+              </a:solidFill>
+              <a:uFill>
+                <a:solidFill>
+                  <a:srgbClr val="ffffff"/>
+                </a:solidFill>
+              </a:uFill>
+              <a:latin typeface="Arial"/>
             </a:endParaRPr>
           </a:p>
           <a:p>
@@ -3708,7 +5035,7 @@
               <a:buChar char=""/>
             </a:pPr>
             <a:r>
-              <a:rPr b="0" lang="zh-CN" sz="2800" spc="-1" strike="noStrike">
+              <a:rPr b="0" lang="en-US" sz="2000" spc="-1" strike="noStrike">
                 <a:solidFill>
                   <a:srgbClr val="000000"/>
                 </a:solidFill>
@@ -3717,20 +5044,20 @@
                     <a:srgbClr val="ffffff"/>
                   </a:solidFill>
                 </a:uFill>
-                <a:latin typeface="Calibri"/>
+                <a:latin typeface="Arial"/>
               </a:rPr>
               <a:t>第五大纲级别</a:t>
             </a:r>
-            <a:endParaRPr b="0" lang="zh-CN" sz="2800" spc="-1" strike="noStrike">
-              <a:solidFill>
-                <a:srgbClr val="000000"/>
-              </a:solidFill>
-              <a:uFill>
-                <a:solidFill>
-                  <a:srgbClr val="ffffff"/>
-                </a:solidFill>
-              </a:uFill>
-              <a:latin typeface="Calibri"/>
+            <a:endParaRPr b="0" lang="en-US" sz="2000" spc="-1" strike="noStrike">
+              <a:solidFill>
+                <a:srgbClr val="000000"/>
+              </a:solidFill>
+              <a:uFill>
+                <a:solidFill>
+                  <a:srgbClr val="ffffff"/>
+                </a:solidFill>
+              </a:uFill>
+              <a:latin typeface="Arial"/>
             </a:endParaRPr>
           </a:p>
           <a:p>
@@ -3743,7 +5070,7 @@
               <a:buChar char=""/>
             </a:pPr>
             <a:r>
-              <a:rPr b="0" lang="zh-CN" sz="2800" spc="-1" strike="noStrike">
+              <a:rPr b="0" lang="en-US" sz="2000" spc="-1" strike="noStrike">
                 <a:solidFill>
                   <a:srgbClr val="000000"/>
                 </a:solidFill>
@@ -3752,35 +5079,33 @@
                     <a:srgbClr val="ffffff"/>
                   </a:solidFill>
                 </a:uFill>
-                <a:latin typeface="Calibri"/>
+                <a:latin typeface="Arial"/>
               </a:rPr>
               <a:t>第六大纲级别</a:t>
             </a:r>
-            <a:endParaRPr b="0" lang="zh-CN" sz="2800" spc="-1" strike="noStrike">
-              <a:solidFill>
-                <a:srgbClr val="000000"/>
-              </a:solidFill>
-              <a:uFill>
-                <a:solidFill>
-                  <a:srgbClr val="ffffff"/>
-                </a:solidFill>
-              </a:uFill>
-              <a:latin typeface="Calibri"/>
-            </a:endParaRPr>
-          </a:p>
-          <a:p>
-            <a:pPr marL="228600" indent="-228240">
-              <a:lnSpc>
-                <a:spcPct val="100000"/>
-              </a:lnSpc>
+            <a:endParaRPr b="0" lang="en-US" sz="2000" spc="-1" strike="noStrike">
+              <a:solidFill>
+                <a:srgbClr val="000000"/>
+              </a:solidFill>
+              <a:uFill>
+                <a:solidFill>
+                  <a:srgbClr val="ffffff"/>
+                </a:solidFill>
+              </a:uFill>
+              <a:latin typeface="Arial"/>
+            </a:endParaRPr>
+          </a:p>
+          <a:p>
+            <a:pPr lvl="6" marL="3024000" indent="-216000">
               <a:buClr>
                 <a:srgbClr val="000000"/>
               </a:buClr>
-              <a:buFont typeface="Arial"/>
-              <a:buChar char="•"/>
+              <a:buSzPct val="45000"/>
+              <a:buFont typeface="Wingdings" charset="2"/>
+              <a:buChar char=""/>
             </a:pPr>
             <a:r>
-              <a:rPr b="0" lang="zh-CN" sz="2800" spc="-1" strike="noStrike">
+              <a:rPr b="0" lang="en-US" sz="2000" spc="-1" strike="noStrike">
                 <a:solidFill>
                   <a:srgbClr val="000000"/>
                 </a:solidFill>
@@ -3789,314 +5114,20 @@
                     <a:srgbClr val="ffffff"/>
                   </a:solidFill>
                 </a:uFill>
-                <a:latin typeface="Calibri"/>
+                <a:latin typeface="Arial"/>
               </a:rPr>
-              <a:t>第七大纲级别单击此处编辑母版文本样式</a:t>
+              <a:t>第七大纲级别</a:t>
             </a:r>
-            <a:endParaRPr b="0" lang="zh-CN" sz="2800" spc="-1" strike="noStrike">
-              <a:solidFill>
-                <a:srgbClr val="000000"/>
-              </a:solidFill>
-              <a:uFill>
-                <a:solidFill>
-                  <a:srgbClr val="ffffff"/>
-                </a:solidFill>
-              </a:uFill>
-              <a:latin typeface="Calibri"/>
-            </a:endParaRPr>
-          </a:p>
-          <a:p>
-            <a:pPr lvl="1" marL="685800" indent="-228240">
-              <a:lnSpc>
-                <a:spcPct val="100000"/>
-              </a:lnSpc>
-              <a:buClr>
-                <a:srgbClr val="000000"/>
-              </a:buClr>
-              <a:buFont typeface="Arial"/>
-              <a:buChar char="•"/>
-            </a:pPr>
-            <a:r>
-              <a:rPr b="0" lang="zh-CN" sz="2400" spc="-1" strike="noStrike">
-                <a:solidFill>
-                  <a:srgbClr val="000000"/>
-                </a:solidFill>
-                <a:uFill>
-                  <a:solidFill>
-                    <a:srgbClr val="ffffff"/>
-                  </a:solidFill>
-                </a:uFill>
-                <a:latin typeface="Calibri"/>
-              </a:rPr>
-              <a:t>二级</a:t>
-            </a:r>
-            <a:endParaRPr b="0" lang="zh-CN" sz="2800" spc="-1" strike="noStrike">
-              <a:solidFill>
-                <a:srgbClr val="000000"/>
-              </a:solidFill>
-              <a:uFill>
-                <a:solidFill>
-                  <a:srgbClr val="ffffff"/>
-                </a:solidFill>
-              </a:uFill>
-              <a:latin typeface="Calibri"/>
-            </a:endParaRPr>
-          </a:p>
-          <a:p>
-            <a:pPr lvl="2" marL="1143000" indent="-228240">
-              <a:lnSpc>
-                <a:spcPct val="100000"/>
-              </a:lnSpc>
-              <a:buClr>
-                <a:srgbClr val="000000"/>
-              </a:buClr>
-              <a:buFont typeface="Arial"/>
-              <a:buChar char="•"/>
-            </a:pPr>
-            <a:r>
-              <a:rPr b="0" lang="zh-CN" sz="2000" spc="-1" strike="noStrike">
-                <a:solidFill>
-                  <a:srgbClr val="000000"/>
-                </a:solidFill>
-                <a:uFill>
-                  <a:solidFill>
-                    <a:srgbClr val="ffffff"/>
-                  </a:solidFill>
-                </a:uFill>
-                <a:latin typeface="Calibri"/>
-              </a:rPr>
-              <a:t>三级</a:t>
-            </a:r>
-            <a:endParaRPr b="0" lang="zh-CN" sz="2800" spc="-1" strike="noStrike">
-              <a:solidFill>
-                <a:srgbClr val="000000"/>
-              </a:solidFill>
-              <a:uFill>
-                <a:solidFill>
-                  <a:srgbClr val="ffffff"/>
-                </a:solidFill>
-              </a:uFill>
-              <a:latin typeface="Calibri"/>
-            </a:endParaRPr>
-          </a:p>
-          <a:p>
-            <a:pPr lvl="3" marL="1600200" indent="-228240">
-              <a:lnSpc>
-                <a:spcPct val="100000"/>
-              </a:lnSpc>
-              <a:buClr>
-                <a:srgbClr val="000000"/>
-              </a:buClr>
-              <a:buFont typeface="Arial"/>
-              <a:buChar char="•"/>
-            </a:pPr>
-            <a:r>
-              <a:rPr b="0" lang="zh-CN" sz="1800" spc="-1" strike="noStrike">
-                <a:solidFill>
-                  <a:srgbClr val="000000"/>
-                </a:solidFill>
-                <a:uFill>
-                  <a:solidFill>
-                    <a:srgbClr val="ffffff"/>
-                  </a:solidFill>
-                </a:uFill>
-                <a:latin typeface="Calibri"/>
-              </a:rPr>
-              <a:t>四级</a:t>
-            </a:r>
-            <a:endParaRPr b="0" lang="zh-CN" sz="2800" spc="-1" strike="noStrike">
-              <a:solidFill>
-                <a:srgbClr val="000000"/>
-              </a:solidFill>
-              <a:uFill>
-                <a:solidFill>
-                  <a:srgbClr val="ffffff"/>
-                </a:solidFill>
-              </a:uFill>
-              <a:latin typeface="Calibri"/>
-            </a:endParaRPr>
-          </a:p>
-          <a:p>
-            <a:pPr lvl="4" marL="2057400" indent="-228240">
-              <a:lnSpc>
-                <a:spcPct val="100000"/>
-              </a:lnSpc>
-              <a:buClr>
-                <a:srgbClr val="000000"/>
-              </a:buClr>
-              <a:buFont typeface="Arial"/>
-              <a:buChar char="•"/>
-            </a:pPr>
-            <a:r>
-              <a:rPr b="0" lang="zh-CN" sz="1800" spc="-1" strike="noStrike">
-                <a:solidFill>
-                  <a:srgbClr val="000000"/>
-                </a:solidFill>
-                <a:uFill>
-                  <a:solidFill>
-                    <a:srgbClr val="ffffff"/>
-                  </a:solidFill>
-                </a:uFill>
-                <a:latin typeface="Calibri"/>
-              </a:rPr>
-              <a:t>五级</a:t>
-            </a:r>
-            <a:endParaRPr b="0" lang="zh-CN" sz="2800" spc="-1" strike="noStrike">
-              <a:solidFill>
-                <a:srgbClr val="000000"/>
-              </a:solidFill>
-              <a:uFill>
-                <a:solidFill>
-                  <a:srgbClr val="ffffff"/>
-                </a:solidFill>
-              </a:uFill>
-              <a:latin typeface="Calibri"/>
-            </a:endParaRPr>
-          </a:p>
-        </p:txBody>
-      </p:sp>
-      <p:sp>
-        <p:nvSpPr>
-          <p:cNvPr id="41" name="PlaceHolder 3"/>
-          <p:cNvSpPr>
-            <a:spLocks noGrp="1"/>
-          </p:cNvSpPr>
-          <p:nvPr>
-            <p:ph type="dt"/>
-          </p:nvPr>
-        </p:nvSpPr>
-        <p:spPr>
-          <a:xfrm>
-            <a:off x="838080" y="6356520"/>
-            <a:ext cx="2742840" cy="364680"/>
-          </a:xfrm>
-          <a:prstGeom prst="rect">
-            <a:avLst/>
-          </a:prstGeom>
-        </p:spPr>
-        <p:txBody>
-          <a:bodyPr anchor="ctr"/>
-          <a:p>
-            <a:pPr>
-              <a:lnSpc>
-                <a:spcPct val="100000"/>
-              </a:lnSpc>
-            </a:pPr>
-            <a:r>
-              <a:rPr b="0" lang="en-US" sz="1200" spc="-1" strike="noStrike">
-                <a:solidFill>
-                  <a:srgbClr val="8b8b8b"/>
-                </a:solidFill>
-                <a:uFill>
-                  <a:solidFill>
-                    <a:srgbClr val="ffffff"/>
-                  </a:solidFill>
-                </a:uFill>
-                <a:latin typeface="Calibri"/>
-              </a:rPr>
-              <a:t>10/10/16</a:t>
-            </a:r>
-            <a:endParaRPr b="0" lang="en-US" sz="1400" spc="-1" strike="noStrike">
-              <a:solidFill>
-                <a:srgbClr val="000000"/>
-              </a:solidFill>
-              <a:uFill>
-                <a:solidFill>
-                  <a:srgbClr val="ffffff"/>
-                </a:solidFill>
-              </a:uFill>
-              <a:latin typeface="Times New Roman"/>
-            </a:endParaRPr>
-          </a:p>
-        </p:txBody>
-      </p:sp>
-      <p:sp>
-        <p:nvSpPr>
-          <p:cNvPr id="42" name="PlaceHolder 4"/>
-          <p:cNvSpPr>
-            <a:spLocks noGrp="1"/>
-          </p:cNvSpPr>
-          <p:nvPr>
-            <p:ph type="ftr"/>
-          </p:nvPr>
-        </p:nvSpPr>
-        <p:spPr>
-          <a:xfrm>
-            <a:off x="4038480" y="6356520"/>
-            <a:ext cx="4114440" cy="364680"/>
-          </a:xfrm>
-          <a:prstGeom prst="rect">
-            <a:avLst/>
-          </a:prstGeom>
-        </p:spPr>
-        <p:txBody>
-          <a:bodyPr anchor="ctr"/>
-          <a:p>
-            <a:endParaRPr b="0" lang="en-US" sz="2400" spc="-1" strike="noStrike">
-              <a:solidFill>
-                <a:srgbClr val="000000"/>
-              </a:solidFill>
-              <a:uFill>
-                <a:solidFill>
-                  <a:srgbClr val="ffffff"/>
-                </a:solidFill>
-              </a:uFill>
-              <a:latin typeface="Times New Roman"/>
-            </a:endParaRPr>
-          </a:p>
-        </p:txBody>
-      </p:sp>
-      <p:sp>
-        <p:nvSpPr>
-          <p:cNvPr id="43" name="PlaceHolder 5"/>
-          <p:cNvSpPr>
-            <a:spLocks noGrp="1"/>
-          </p:cNvSpPr>
-          <p:nvPr>
-            <p:ph type="sldNum"/>
-          </p:nvPr>
-        </p:nvSpPr>
-        <p:spPr>
-          <a:xfrm>
-            <a:off x="8610480" y="6356520"/>
-            <a:ext cx="2742840" cy="364680"/>
-          </a:xfrm>
-          <a:prstGeom prst="rect">
-            <a:avLst/>
-          </a:prstGeom>
-        </p:spPr>
-        <p:txBody>
-          <a:bodyPr anchor="ctr"/>
-          <a:p>
-            <a:pPr algn="r">
-              <a:lnSpc>
-                <a:spcPct val="100000"/>
-              </a:lnSpc>
-            </a:pPr>
-            <a:fld id="{B527EC10-1403-4510-BAD1-98FC1682693B}" type="slidenum">
-              <a:rPr b="0" lang="en-US" sz="1200" spc="-1" strike="noStrike">
-                <a:solidFill>
-                  <a:srgbClr val="8b8b8b"/>
-                </a:solidFill>
-                <a:uFill>
-                  <a:solidFill>
-                    <a:srgbClr val="ffffff"/>
-                  </a:solidFill>
-                </a:uFill>
-                <a:latin typeface="Calibri"/>
-              </a:rPr>
-              <a:t>1</a:t>
-            </a:fld>
-            <a:endParaRPr b="0" lang="en-US" sz="1400" spc="-1" strike="noStrike">
-              <a:solidFill>
-                <a:srgbClr val="000000"/>
-              </a:solidFill>
-              <a:uFill>
-                <a:solidFill>
-                  <a:srgbClr val="ffffff"/>
-                </a:solidFill>
-              </a:uFill>
-              <a:latin typeface="Times New Roman"/>
+            <a:endParaRPr b="0" lang="en-US" sz="2000" spc="-1" strike="noStrike">
+              <a:solidFill>
+                <a:srgbClr val="000000"/>
+              </a:solidFill>
+              <a:uFill>
+                <a:solidFill>
+                  <a:srgbClr val="ffffff"/>
+                </a:solidFill>
+              </a:uFill>
+              <a:latin typeface="Arial"/>
             </a:endParaRPr>
           </a:p>
         </p:txBody>
@@ -4117,6 +5148,355 @@
     <p:sldLayoutId id="2147483671" r:id="rId11"/>
     <p:sldLayoutId id="2147483672" r:id="rId12"/>
     <p:sldLayoutId id="2147483673" r:id="rId13"/>
+  </p:sldLayoutIdLst>
+</p:sldMaster>
+</file>
+
+<file path=ppt/slideMasters/slideMaster3.xml><?xml version="1.0" encoding="utf-8"?>
+<p:sldMaster xmlns:a="http://schemas.openxmlformats.org/drawingml/2006/main" xmlns:p="http://schemas.openxmlformats.org/presentationml/2006/main" xmlns:r="http://schemas.openxmlformats.org/officeDocument/2006/relationships" xmlns:p14="http://schemas.microsoft.com/office/powerpoint/2010/main" xmlns:p15="http://schemas.microsoft.com/office/powerpoint/2012/main" xmlns:mc="http://schemas.openxmlformats.org/markup-compatibility/2006">
+  <p:cSld>
+    <p:bg>
+      <p:bgPr>
+        <a:solidFill>
+          <a:srgbClr val="ffffff"/>
+        </a:solidFill>
+      </p:bgPr>
+    </p:bg>
+    <p:spTree>
+      <p:nvGrpSpPr>
+        <p:cNvPr id="1" name=""/>
+        <p:cNvGrpSpPr/>
+        <p:nvPr/>
+      </p:nvGrpSpPr>
+      <p:grpSpPr>
+        <a:xfrm>
+          <a:off x="0" y="0"/>
+          <a:ext cx="0" cy="0"/>
+          <a:chOff x="0" y="0"/>
+          <a:chExt cx="0" cy="0"/>
+        </a:xfrm>
+      </p:grpSpPr>
+      <p:sp>
+        <p:nvSpPr>
+          <p:cNvPr id="72" name="PlaceHolder 1"/>
+          <p:cNvSpPr>
+            <a:spLocks noGrp="1"/>
+          </p:cNvSpPr>
+          <p:nvPr>
+            <p:ph type="title"/>
+          </p:nvPr>
+        </p:nvSpPr>
+        <p:spPr>
+          <a:xfrm>
+            <a:off x="838080" y="365040"/>
+            <a:ext cx="10514880" cy="1324800"/>
+          </a:xfrm>
+          <a:prstGeom prst="rect">
+            <a:avLst/>
+          </a:prstGeom>
+        </p:spPr>
+        <p:txBody>
+          <a:bodyPr lIns="0" rIns="0" tIns="0" bIns="0" anchor="ctr"/>
+          <a:p>
+            <a:pPr algn="ctr"/>
+            <a:endParaRPr b="0" lang="en-US" sz="4400" spc="-1" strike="noStrike">
+              <a:solidFill>
+                <a:srgbClr val="000000"/>
+              </a:solidFill>
+              <a:uFill>
+                <a:solidFill>
+                  <a:srgbClr val="ffffff"/>
+                </a:solidFill>
+              </a:uFill>
+              <a:latin typeface="Arial"/>
+            </a:endParaRPr>
+          </a:p>
+        </p:txBody>
+      </p:sp>
+      <p:sp>
+        <p:nvSpPr>
+          <p:cNvPr id="73" name="PlaceHolder 2"/>
+          <p:cNvSpPr>
+            <a:spLocks noGrp="1"/>
+          </p:cNvSpPr>
+          <p:nvPr>
+            <p:ph type="body"/>
+          </p:nvPr>
+        </p:nvSpPr>
+        <p:spPr>
+          <a:xfrm>
+            <a:off x="838080" y="1825560"/>
+            <a:ext cx="10514880" cy="4350600"/>
+          </a:xfrm>
+          <a:prstGeom prst="rect">
+            <a:avLst/>
+          </a:prstGeom>
+        </p:spPr>
+        <p:txBody>
+          <a:bodyPr lIns="0" rIns="0" tIns="0" bIns="0"/>
+          <a:p>
+            <a:pPr marL="432000" indent="-324000">
+              <a:buClr>
+                <a:srgbClr val="000000"/>
+              </a:buClr>
+              <a:buSzPct val="45000"/>
+              <a:buFont typeface="Wingdings" charset="2"/>
+              <a:buChar char=""/>
+            </a:pPr>
+            <a:r>
+              <a:rPr b="0" lang="en-US" sz="1800" spc="-1" strike="noStrike">
+                <a:solidFill>
+                  <a:srgbClr val="000000"/>
+                </a:solidFill>
+                <a:uFill>
+                  <a:solidFill>
+                    <a:srgbClr val="ffffff"/>
+                  </a:solidFill>
+                </a:uFill>
+                <a:latin typeface="Arial"/>
+              </a:rPr>
+              <a:t>单击鼠标编辑大纲文字格式</a:t>
+            </a:r>
+            <a:endParaRPr b="0" lang="en-US" sz="1800" spc="-1" strike="noStrike">
+              <a:solidFill>
+                <a:srgbClr val="000000"/>
+              </a:solidFill>
+              <a:uFill>
+                <a:solidFill>
+                  <a:srgbClr val="ffffff"/>
+                </a:solidFill>
+              </a:uFill>
+              <a:latin typeface="Arial"/>
+            </a:endParaRPr>
+          </a:p>
+          <a:p>
+            <a:pPr lvl="1" marL="864000" indent="-324000">
+              <a:buClr>
+                <a:srgbClr val="000000"/>
+              </a:buClr>
+              <a:buSzPct val="75000"/>
+              <a:buFont typeface="Symbol" charset="2"/>
+              <a:buChar char=""/>
+            </a:pPr>
+            <a:r>
+              <a:rPr b="0" lang="en-US" sz="1800" spc="-1" strike="noStrike">
+                <a:solidFill>
+                  <a:srgbClr val="000000"/>
+                </a:solidFill>
+                <a:uFill>
+                  <a:solidFill>
+                    <a:srgbClr val="ffffff"/>
+                  </a:solidFill>
+                </a:uFill>
+                <a:latin typeface="Arial"/>
+              </a:rPr>
+              <a:t>第二个大纲级</a:t>
+            </a:r>
+            <a:endParaRPr b="0" lang="en-US" sz="1800" spc="-1" strike="noStrike">
+              <a:solidFill>
+                <a:srgbClr val="000000"/>
+              </a:solidFill>
+              <a:uFill>
+                <a:solidFill>
+                  <a:srgbClr val="ffffff"/>
+                </a:solidFill>
+              </a:uFill>
+              <a:latin typeface="Arial"/>
+            </a:endParaRPr>
+          </a:p>
+          <a:p>
+            <a:pPr lvl="2" marL="1296000" indent="-288000">
+              <a:buClr>
+                <a:srgbClr val="000000"/>
+              </a:buClr>
+              <a:buSzPct val="45000"/>
+              <a:buFont typeface="Wingdings" charset="2"/>
+              <a:buChar char=""/>
+            </a:pPr>
+            <a:r>
+              <a:rPr b="0" lang="en-US" sz="1800" spc="-1" strike="noStrike">
+                <a:solidFill>
+                  <a:srgbClr val="000000"/>
+                </a:solidFill>
+                <a:uFill>
+                  <a:solidFill>
+                    <a:srgbClr val="ffffff"/>
+                  </a:solidFill>
+                </a:uFill>
+                <a:latin typeface="Arial"/>
+              </a:rPr>
+              <a:t>第三大纲级别</a:t>
+            </a:r>
+            <a:endParaRPr b="0" lang="en-US" sz="1800" spc="-1" strike="noStrike">
+              <a:solidFill>
+                <a:srgbClr val="000000"/>
+              </a:solidFill>
+              <a:uFill>
+                <a:solidFill>
+                  <a:srgbClr val="ffffff"/>
+                </a:solidFill>
+              </a:uFill>
+              <a:latin typeface="Arial"/>
+            </a:endParaRPr>
+          </a:p>
+          <a:p>
+            <a:pPr lvl="3" marL="1728000" indent="-216000">
+              <a:buClr>
+                <a:srgbClr val="000000"/>
+              </a:buClr>
+              <a:buSzPct val="75000"/>
+              <a:buFont typeface="Symbol" charset="2"/>
+              <a:buChar char=""/>
+            </a:pPr>
+            <a:r>
+              <a:rPr b="0" lang="en-US" sz="1800" spc="-1" strike="noStrike">
+                <a:solidFill>
+                  <a:srgbClr val="000000"/>
+                </a:solidFill>
+                <a:uFill>
+                  <a:solidFill>
+                    <a:srgbClr val="ffffff"/>
+                  </a:solidFill>
+                </a:uFill>
+                <a:latin typeface="Arial"/>
+              </a:rPr>
+              <a:t>第四大纲级别</a:t>
+            </a:r>
+            <a:endParaRPr b="0" lang="en-US" sz="1800" spc="-1" strike="noStrike">
+              <a:solidFill>
+                <a:srgbClr val="000000"/>
+              </a:solidFill>
+              <a:uFill>
+                <a:solidFill>
+                  <a:srgbClr val="ffffff"/>
+                </a:solidFill>
+              </a:uFill>
+              <a:latin typeface="Arial"/>
+            </a:endParaRPr>
+          </a:p>
+          <a:p>
+            <a:pPr lvl="4" marL="2160000" indent="-216000">
+              <a:buClr>
+                <a:srgbClr val="000000"/>
+              </a:buClr>
+              <a:buSzPct val="45000"/>
+              <a:buFont typeface="Wingdings" charset="2"/>
+              <a:buChar char=""/>
+            </a:pPr>
+            <a:r>
+              <a:rPr b="0" lang="en-US" sz="1800" spc="-1" strike="noStrike">
+                <a:solidFill>
+                  <a:srgbClr val="000000"/>
+                </a:solidFill>
+                <a:uFill>
+                  <a:solidFill>
+                    <a:srgbClr val="ffffff"/>
+                  </a:solidFill>
+                </a:uFill>
+                <a:latin typeface="Arial"/>
+              </a:rPr>
+              <a:t>第五大纲级别</a:t>
+            </a:r>
+            <a:endParaRPr b="0" lang="en-US" sz="1800" spc="-1" strike="noStrike">
+              <a:solidFill>
+                <a:srgbClr val="000000"/>
+              </a:solidFill>
+              <a:uFill>
+                <a:solidFill>
+                  <a:srgbClr val="ffffff"/>
+                </a:solidFill>
+              </a:uFill>
+              <a:latin typeface="Arial"/>
+            </a:endParaRPr>
+          </a:p>
+          <a:p>
+            <a:pPr lvl="5" marL="2592000" indent="-216000">
+              <a:buClr>
+                <a:srgbClr val="000000"/>
+              </a:buClr>
+              <a:buSzPct val="45000"/>
+              <a:buFont typeface="Wingdings" charset="2"/>
+              <a:buChar char=""/>
+            </a:pPr>
+            <a:r>
+              <a:rPr b="0" lang="en-US" sz="1800" spc="-1" strike="noStrike">
+                <a:solidFill>
+                  <a:srgbClr val="000000"/>
+                </a:solidFill>
+                <a:uFill>
+                  <a:solidFill>
+                    <a:srgbClr val="ffffff"/>
+                  </a:solidFill>
+                </a:uFill>
+                <a:latin typeface="Arial"/>
+              </a:rPr>
+              <a:t>第六大纲级别</a:t>
+            </a:r>
+            <a:endParaRPr b="0" lang="en-US" sz="1800" spc="-1" strike="noStrike">
+              <a:solidFill>
+                <a:srgbClr val="000000"/>
+              </a:solidFill>
+              <a:uFill>
+                <a:solidFill>
+                  <a:srgbClr val="ffffff"/>
+                </a:solidFill>
+              </a:uFill>
+              <a:latin typeface="Arial"/>
+            </a:endParaRPr>
+          </a:p>
+          <a:p>
+            <a:pPr lvl="6" marL="3024000" indent="-216000">
+              <a:buClr>
+                <a:srgbClr val="000000"/>
+              </a:buClr>
+              <a:buSzPct val="45000"/>
+              <a:buFont typeface="Wingdings" charset="2"/>
+              <a:buChar char=""/>
+            </a:pPr>
+            <a:r>
+              <a:rPr b="0" lang="en-US" sz="1800" spc="-1" strike="noStrike">
+                <a:solidFill>
+                  <a:srgbClr val="000000"/>
+                </a:solidFill>
+                <a:uFill>
+                  <a:solidFill>
+                    <a:srgbClr val="ffffff"/>
+                  </a:solidFill>
+                </a:uFill>
+                <a:latin typeface="Arial"/>
+              </a:rPr>
+              <a:t>第七大纲级别</a:t>
+            </a:r>
+            <a:endParaRPr b="0" lang="en-US" sz="1800" spc="-1" strike="noStrike">
+              <a:solidFill>
+                <a:srgbClr val="000000"/>
+              </a:solidFill>
+              <a:uFill>
+                <a:solidFill>
+                  <a:srgbClr val="ffffff"/>
+                </a:solidFill>
+              </a:uFill>
+              <a:latin typeface="Arial"/>
+            </a:endParaRPr>
+          </a:p>
+        </p:txBody>
+      </p:sp>
+    </p:spTree>
+  </p:cSld>
+  <p:clrMap bg1="lt1" bg2="lt2" tx1="dk1" tx2="dk2" accent1="accent1" accent2="accent2" accent3="accent3" accent4="accent4" accent5="accent5" accent6="accent6" hlink="hlink" folHlink="folHlink"/>
+  <p:sldLayoutIdLst>
+    <p:sldLayoutId id="2147483675" r:id="rId2"/>
+    <p:sldLayoutId id="2147483676" r:id="rId3"/>
+    <p:sldLayoutId id="2147483677" r:id="rId4"/>
+    <p:sldLayoutId id="2147483678" r:id="rId5"/>
+    <p:sldLayoutId id="2147483679" r:id="rId6"/>
+    <p:sldLayoutId id="2147483680" r:id="rId7"/>
+    <p:sldLayoutId id="2147483681" r:id="rId8"/>
+    <p:sldLayoutId id="2147483682" r:id="rId9"/>
+    <p:sldLayoutId id="2147483683" r:id="rId10"/>
+    <p:sldLayoutId id="2147483684" r:id="rId11"/>
+    <p:sldLayoutId id="2147483685" r:id="rId12"/>
+    <p:sldLayoutId id="2147483686" r:id="rId13"/>
   </p:sldLayoutIdLst>
 </p:sldMaster>
 </file>
@@ -4140,14 +5520,14 @@
       </p:grpSpPr>
       <p:sp>
         <p:nvSpPr>
-          <p:cNvPr id="78" name="TextShape 1"/>
-          <p:cNvSpPr txBox="1"/>
+          <p:cNvPr id="108" name="CustomShape 1"/>
+          <p:cNvSpPr/>
           <p:nvPr/>
         </p:nvSpPr>
         <p:spPr>
           <a:xfrm>
             <a:off x="789840" y="1122480"/>
-            <a:ext cx="10778400" cy="2382480"/>
+            <a:ext cx="10778040" cy="2382120"/>
           </a:xfrm>
           <a:prstGeom prst="rect">
             <a:avLst/>
@@ -4157,8 +5537,14 @@
             <a:noFill/>
           </a:ln>
         </p:spPr>
-        <p:txBody>
-          <a:bodyPr anchor="b"/>
+        <p:style>
+          <a:lnRef idx="0"/>
+          <a:fillRef idx="0"/>
+          <a:effectRef idx="0"/>
+          <a:fontRef idx="minor"/>
+        </p:style>
+        <p:txBody>
+          <a:bodyPr lIns="90000" rIns="90000" tIns="45000" bIns="45000" anchor="b"/>
           <a:p>
             <a:pPr>
               <a:lnSpc>
@@ -4166,7 +5552,7 @@
               </a:lnSpc>
             </a:pPr>
             <a:r>
-              <a:rPr b="1" lang="zh-CN" sz="3600" spc="-1" strike="noStrike">
+              <a:rPr b="1" lang="en-US" sz="3600" spc="-1" strike="noStrike">
                 <a:solidFill>
                   <a:srgbClr val="000000"/>
                 </a:solidFill>
@@ -4180,16 +5566,16 @@
               </a:rPr>
               <a:t>Deep Visual-Semantic Alignments for Generating Image Descriptions</a:t>
             </a:r>
-            <a:endParaRPr b="0" lang="zh-CN" sz="1800" spc="-1" strike="noStrike">
-              <a:solidFill>
-                <a:srgbClr val="000000"/>
-              </a:solidFill>
-              <a:uFill>
-                <a:solidFill>
-                  <a:srgbClr val="ffffff"/>
-                </a:solidFill>
-              </a:uFill>
-              <a:latin typeface="Calibri"/>
+            <a:endParaRPr b="0" lang="en-US" sz="1800" spc="-1" strike="noStrike">
+              <a:solidFill>
+                <a:srgbClr val="000000"/>
+              </a:solidFill>
+              <a:uFill>
+                <a:solidFill>
+                  <a:srgbClr val="ffffff"/>
+                </a:solidFill>
+              </a:uFill>
+              <a:latin typeface="Arial"/>
             </a:endParaRPr>
           </a:p>
         </p:txBody>
@@ -4245,14 +5631,14 @@
       </p:grpSpPr>
       <p:sp>
         <p:nvSpPr>
-          <p:cNvPr id="79" name="TextShape 1"/>
-          <p:cNvSpPr txBox="1"/>
+          <p:cNvPr id="109" name="CustomShape 1"/>
+          <p:cNvSpPr/>
           <p:nvPr/>
         </p:nvSpPr>
         <p:spPr>
           <a:xfrm>
             <a:off x="838080" y="365040"/>
-            <a:ext cx="10515240" cy="1325160"/>
+            <a:ext cx="10514880" cy="1324800"/>
           </a:xfrm>
           <a:prstGeom prst="rect">
             <a:avLst/>
@@ -4262,8 +5648,14 @@
             <a:noFill/>
           </a:ln>
         </p:spPr>
-        <p:txBody>
-          <a:bodyPr anchor="ctr"/>
+        <p:style>
+          <a:lnRef idx="0"/>
+          <a:fillRef idx="0"/>
+          <a:effectRef idx="0"/>
+          <a:fontRef idx="minor"/>
+        </p:style>
+        <p:txBody>
+          <a:bodyPr lIns="90000" rIns="90000" tIns="45000" bIns="45000" anchor="ctr"/>
           <a:p>
             <a:pPr>
               <a:lnSpc>
@@ -4271,7 +5663,7 @@
               </a:lnSpc>
             </a:pPr>
             <a:r>
-              <a:rPr b="0" lang="zh-CN" sz="4400" spc="-1" strike="noStrike">
+              <a:rPr b="0" lang="en-US" sz="4400" spc="-1" strike="noStrike">
                 <a:solidFill>
                   <a:srgbClr val="000000"/>
                 </a:solidFill>
@@ -4284,30 +5676,30 @@
               </a:rPr>
               <a:t>Two Things</a:t>
             </a:r>
-            <a:endParaRPr b="0" lang="zh-CN" sz="1800" spc="-1" strike="noStrike">
-              <a:solidFill>
-                <a:srgbClr val="000000"/>
-              </a:solidFill>
-              <a:uFill>
-                <a:solidFill>
-                  <a:srgbClr val="ffffff"/>
-                </a:solidFill>
-              </a:uFill>
-              <a:latin typeface="Calibri"/>
-            </a:endParaRPr>
-          </a:p>
-        </p:txBody>
-      </p:sp>
-      <p:sp>
-        <p:nvSpPr>
-          <p:cNvPr id="80" name="TextShape 2"/>
-          <p:cNvSpPr txBox="1"/>
+            <a:endParaRPr b="0" lang="en-US" sz="1800" spc="-1" strike="noStrike">
+              <a:solidFill>
+                <a:srgbClr val="000000"/>
+              </a:solidFill>
+              <a:uFill>
+                <a:solidFill>
+                  <a:srgbClr val="ffffff"/>
+                </a:solidFill>
+              </a:uFill>
+              <a:latin typeface="Arial"/>
+            </a:endParaRPr>
+          </a:p>
+        </p:txBody>
+      </p:sp>
+      <p:sp>
+        <p:nvSpPr>
+          <p:cNvPr id="110" name="CustomShape 2"/>
+          <p:cNvSpPr/>
           <p:nvPr/>
         </p:nvSpPr>
         <p:spPr>
           <a:xfrm>
             <a:off x="838080" y="1825560"/>
-            <a:ext cx="10515240" cy="4350960"/>
+            <a:ext cx="10514880" cy="4350600"/>
           </a:xfrm>
           <a:prstGeom prst="rect">
             <a:avLst/>
@@ -4317,10 +5709,16 @@
             <a:noFill/>
           </a:ln>
         </p:spPr>
-        <p:txBody>
-          <a:bodyPr/>
-          <a:p>
-            <a:pPr marL="228600" indent="-228240">
+        <p:style>
+          <a:lnRef idx="0"/>
+          <a:fillRef idx="0"/>
+          <a:effectRef idx="0"/>
+          <a:fontRef idx="minor"/>
+        </p:style>
+        <p:txBody>
+          <a:bodyPr lIns="90000" rIns="90000" tIns="45000" bIns="45000"/>
+          <a:p>
+            <a:pPr marL="228600" indent="-227880">
               <a:lnSpc>
                 <a:spcPct val="90000"/>
               </a:lnSpc>
@@ -4331,7 +5729,7 @@
               <a:buChar char="•"/>
             </a:pPr>
             <a:r>
-              <a:rPr b="0" lang="zh-CN" sz="2800" spc="-1" strike="noStrike">
+              <a:rPr b="0" lang="en-US" sz="2800" spc="-1" strike="noStrike">
                 <a:solidFill>
                   <a:srgbClr val="000000"/>
                 </a:solidFill>
@@ -4344,16 +5742,16 @@
               </a:rPr>
               <a:t>Alignment between sentence snippets and image regions</a:t>
             </a:r>
-            <a:endParaRPr b="0" lang="zh-CN" sz="2800" spc="-1" strike="noStrike">
-              <a:solidFill>
-                <a:srgbClr val="000000"/>
-              </a:solidFill>
-              <a:uFill>
-                <a:solidFill>
-                  <a:srgbClr val="ffffff"/>
-                </a:solidFill>
-              </a:uFill>
-              <a:latin typeface="Calibri"/>
+            <a:endParaRPr b="0" lang="en-US" sz="1800" spc="-1" strike="noStrike">
+              <a:solidFill>
+                <a:srgbClr val="000000"/>
+              </a:solidFill>
+              <a:uFill>
+                <a:solidFill>
+                  <a:srgbClr val="ffffff"/>
+                </a:solidFill>
+              </a:uFill>
+              <a:latin typeface="Arial"/>
             </a:endParaRPr>
           </a:p>
           <a:p>
@@ -4362,20 +5760,20 @@
                 <a:spcPct val="90000"/>
               </a:lnSpc>
             </a:pPr>
-            <a:endParaRPr b="0" lang="zh-CN" sz="2800" spc="-1" strike="noStrike">
-              <a:solidFill>
-                <a:srgbClr val="000000"/>
-              </a:solidFill>
-              <a:uFill>
-                <a:solidFill>
-                  <a:srgbClr val="ffffff"/>
-                </a:solidFill>
-              </a:uFill>
-              <a:latin typeface="Calibri"/>
-            </a:endParaRPr>
-          </a:p>
-          <a:p>
-            <a:pPr marL="228600" indent="-228240">
+            <a:endParaRPr b="0" lang="en-US" sz="1800" spc="-1" strike="noStrike">
+              <a:solidFill>
+                <a:srgbClr val="000000"/>
+              </a:solidFill>
+              <a:uFill>
+                <a:solidFill>
+                  <a:srgbClr val="ffffff"/>
+                </a:solidFill>
+              </a:uFill>
+              <a:latin typeface="Arial"/>
+            </a:endParaRPr>
+          </a:p>
+          <a:p>
+            <a:pPr marL="228600" indent="-227880">
               <a:lnSpc>
                 <a:spcPct val="90000"/>
               </a:lnSpc>
@@ -4386,7 +5784,7 @@
               <a:buChar char="•"/>
             </a:pPr>
             <a:r>
-              <a:rPr b="0" lang="zh-CN" sz="2800" spc="-1" strike="noStrike">
+              <a:rPr b="0" lang="en-US" sz="2800" spc="-1" strike="noStrike">
                 <a:solidFill>
                   <a:srgbClr val="000000"/>
                 </a:solidFill>
@@ -4399,16 +5797,16 @@
               </a:rPr>
               <a:t>Generating text descriptions for input images</a:t>
             </a:r>
-            <a:endParaRPr b="0" lang="zh-CN" sz="2800" spc="-1" strike="noStrike">
-              <a:solidFill>
-                <a:srgbClr val="000000"/>
-              </a:solidFill>
-              <a:uFill>
-                <a:solidFill>
-                  <a:srgbClr val="ffffff"/>
-                </a:solidFill>
-              </a:uFill>
-              <a:latin typeface="Calibri"/>
+            <a:endParaRPr b="0" lang="en-US" sz="1800" spc="-1" strike="noStrike">
+              <a:solidFill>
+                <a:srgbClr val="000000"/>
+              </a:solidFill>
+              <a:uFill>
+                <a:solidFill>
+                  <a:srgbClr val="ffffff"/>
+                </a:solidFill>
+              </a:uFill>
+              <a:latin typeface="Arial"/>
             </a:endParaRPr>
           </a:p>
           <a:p>
@@ -4417,16 +5815,16 @@
                 <a:spcPct val="90000"/>
               </a:lnSpc>
             </a:pPr>
-            <a:endParaRPr b="0" lang="zh-CN" sz="2800" spc="-1" strike="noStrike">
-              <a:solidFill>
-                <a:srgbClr val="000000"/>
-              </a:solidFill>
-              <a:uFill>
-                <a:solidFill>
-                  <a:srgbClr val="ffffff"/>
-                </a:solidFill>
-              </a:uFill>
-              <a:latin typeface="Calibri"/>
+            <a:endParaRPr b="0" lang="en-US" sz="1800" spc="-1" strike="noStrike">
+              <a:solidFill>
+                <a:srgbClr val="000000"/>
+              </a:solidFill>
+              <a:uFill>
+                <a:solidFill>
+                  <a:srgbClr val="ffffff"/>
+                </a:solidFill>
+              </a:uFill>
+              <a:latin typeface="Arial"/>
             </a:endParaRPr>
           </a:p>
         </p:txBody>
@@ -4482,14 +5880,14 @@
       </p:grpSpPr>
       <p:sp>
         <p:nvSpPr>
-          <p:cNvPr id="81" name="TextShape 1"/>
-          <p:cNvSpPr txBox="1"/>
+          <p:cNvPr id="111" name="CustomShape 1"/>
+          <p:cNvSpPr/>
           <p:nvPr/>
         </p:nvSpPr>
         <p:spPr>
           <a:xfrm>
             <a:off x="838080" y="365040"/>
-            <a:ext cx="10515240" cy="1325160"/>
+            <a:ext cx="10514880" cy="1324800"/>
           </a:xfrm>
           <a:prstGeom prst="rect">
             <a:avLst/>
@@ -4499,8 +5897,14 @@
             <a:noFill/>
           </a:ln>
         </p:spPr>
-        <p:txBody>
-          <a:bodyPr anchor="ctr"/>
+        <p:style>
+          <a:lnRef idx="0"/>
+          <a:fillRef idx="0"/>
+          <a:effectRef idx="0"/>
+          <a:fontRef idx="minor"/>
+        </p:style>
+        <p:txBody>
+          <a:bodyPr lIns="90000" rIns="90000" tIns="45000" bIns="45000" anchor="ctr"/>
           <a:p>
             <a:pPr>
               <a:lnSpc>
@@ -4508,7 +5912,7 @@
               </a:lnSpc>
             </a:pPr>
             <a:r>
-              <a:rPr b="0" lang="zh-CN" sz="4400" spc="-1" strike="noStrike">
+              <a:rPr b="0" lang="en-US" sz="4400" spc="-1" strike="noStrike">
                 <a:solidFill>
                   <a:srgbClr val="000000"/>
                 </a:solidFill>
@@ -4521,30 +5925,30 @@
               </a:rPr>
               <a:t>Alignment </a:t>
             </a:r>
-            <a:endParaRPr b="0" lang="zh-CN" sz="1800" spc="-1" strike="noStrike">
-              <a:solidFill>
-                <a:srgbClr val="000000"/>
-              </a:solidFill>
-              <a:uFill>
-                <a:solidFill>
-                  <a:srgbClr val="ffffff"/>
-                </a:solidFill>
-              </a:uFill>
-              <a:latin typeface="Calibri"/>
-            </a:endParaRPr>
-          </a:p>
-        </p:txBody>
-      </p:sp>
-      <p:sp>
-        <p:nvSpPr>
-          <p:cNvPr id="82" name="TextShape 2"/>
-          <p:cNvSpPr txBox="1"/>
+            <a:endParaRPr b="0" lang="en-US" sz="1800" spc="-1" strike="noStrike">
+              <a:solidFill>
+                <a:srgbClr val="000000"/>
+              </a:solidFill>
+              <a:uFill>
+                <a:solidFill>
+                  <a:srgbClr val="ffffff"/>
+                </a:solidFill>
+              </a:uFill>
+              <a:latin typeface="Arial"/>
+            </a:endParaRPr>
+          </a:p>
+        </p:txBody>
+      </p:sp>
+      <p:sp>
+        <p:nvSpPr>
+          <p:cNvPr id="112" name="CustomShape 2"/>
+          <p:cNvSpPr/>
           <p:nvPr/>
         </p:nvSpPr>
         <p:spPr>
           <a:xfrm>
             <a:off x="838080" y="1825560"/>
-            <a:ext cx="10515240" cy="4350960"/>
+            <a:ext cx="10514880" cy="4350600"/>
           </a:xfrm>
           <a:prstGeom prst="rect">
             <a:avLst/>
@@ -4554,10 +5958,16 @@
             <a:noFill/>
           </a:ln>
         </p:spPr>
-        <p:txBody>
-          <a:bodyPr/>
-          <a:p>
-            <a:pPr marL="228600" indent="-228240">
+        <p:style>
+          <a:lnRef idx="0"/>
+          <a:fillRef idx="0"/>
+          <a:effectRef idx="0"/>
+          <a:fontRef idx="minor"/>
+        </p:style>
+        <p:txBody>
+          <a:bodyPr lIns="90000" rIns="90000" tIns="45000" bIns="45000"/>
+          <a:p>
+            <a:pPr marL="228600" indent="-227880">
               <a:lnSpc>
                 <a:spcPct val="90000"/>
               </a:lnSpc>
@@ -4568,7 +5978,7 @@
               <a:buChar char="•"/>
             </a:pPr>
             <a:r>
-              <a:rPr b="0" lang="zh-CN" sz="2800" spc="-1" strike="noStrike">
+              <a:rPr b="0" lang="en-US" sz="2800" spc="-1" strike="noStrike">
                 <a:solidFill>
                   <a:srgbClr val="000000"/>
                 </a:solidFill>
@@ -4581,20 +5991,20 @@
               </a:rPr>
               <a:t>Representing images</a:t>
             </a:r>
-            <a:endParaRPr b="0" lang="zh-CN" sz="2800" spc="-1" strike="noStrike">
-              <a:solidFill>
-                <a:srgbClr val="000000"/>
-              </a:solidFill>
-              <a:uFill>
-                <a:solidFill>
-                  <a:srgbClr val="ffffff"/>
-                </a:solidFill>
-              </a:uFill>
-              <a:latin typeface="Calibri"/>
-            </a:endParaRPr>
-          </a:p>
-          <a:p>
-            <a:pPr lvl="1" marL="685800" indent="-228240">
+            <a:endParaRPr b="0" lang="en-US" sz="1800" spc="-1" strike="noStrike">
+              <a:solidFill>
+                <a:srgbClr val="000000"/>
+              </a:solidFill>
+              <a:uFill>
+                <a:solidFill>
+                  <a:srgbClr val="ffffff"/>
+                </a:solidFill>
+              </a:uFill>
+              <a:latin typeface="Arial"/>
+            </a:endParaRPr>
+          </a:p>
+          <a:p>
+            <a:pPr lvl="1" marL="685800" indent="-227880">
               <a:lnSpc>
                 <a:spcPct val="100000"/>
               </a:lnSpc>
@@ -4605,7 +6015,7 @@
               <a:buChar char="•"/>
             </a:pPr>
             <a:r>
-              <a:rPr b="0" lang="zh-CN" sz="2400" spc="-1" strike="noStrike">
+              <a:rPr b="0" lang="en-US" sz="2400" spc="-1" strike="noStrike">
                 <a:solidFill>
                   <a:srgbClr val="000000"/>
                 </a:solidFill>
@@ -4618,20 +6028,20 @@
               </a:rPr>
               <a:t>RCNN – image region representations</a:t>
             </a:r>
-            <a:endParaRPr b="0" lang="zh-CN" sz="2000" spc="-1" strike="noStrike">
-              <a:solidFill>
-                <a:srgbClr val="000000"/>
-              </a:solidFill>
-              <a:uFill>
-                <a:solidFill>
-                  <a:srgbClr val="ffffff"/>
-                </a:solidFill>
-              </a:uFill>
-              <a:latin typeface="Calibri"/>
-            </a:endParaRPr>
-          </a:p>
-          <a:p>
-            <a:pPr lvl="1" marL="685800" indent="-228240">
+            <a:endParaRPr b="0" lang="en-US" sz="1800" spc="-1" strike="noStrike">
+              <a:solidFill>
+                <a:srgbClr val="000000"/>
+              </a:solidFill>
+              <a:uFill>
+                <a:solidFill>
+                  <a:srgbClr val="ffffff"/>
+                </a:solidFill>
+              </a:uFill>
+              <a:latin typeface="Arial"/>
+            </a:endParaRPr>
+          </a:p>
+          <a:p>
+            <a:pPr lvl="1" marL="685800" indent="-227880">
               <a:lnSpc>
                 <a:spcPct val="100000"/>
               </a:lnSpc>
@@ -4642,7 +6052,7 @@
               <a:buChar char="•"/>
             </a:pPr>
             <a:r>
-              <a:rPr b="0" lang="zh-CN" sz="2400" spc="-1" strike="noStrike">
+              <a:rPr b="0" lang="en-US" sz="2400" spc="-1" strike="noStrike">
                 <a:solidFill>
                   <a:srgbClr val="000000"/>
                 </a:solidFill>
@@ -4653,22 +6063,22 @@
                 </a:uFill>
                 <a:latin typeface="Calibri"/>
               </a:rPr>
-              <a:t>h-dimensional vectors</a:t>
+              <a:t>A set of h-dimensional vectors</a:t>
             </a:r>
-            <a:endParaRPr b="0" lang="zh-CN" sz="2000" spc="-1" strike="noStrike">
-              <a:solidFill>
-                <a:srgbClr val="000000"/>
-              </a:solidFill>
-              <a:uFill>
-                <a:solidFill>
-                  <a:srgbClr val="ffffff"/>
-                </a:solidFill>
-              </a:uFill>
-              <a:latin typeface="Calibri"/>
-            </a:endParaRPr>
-          </a:p>
-          <a:p>
-            <a:pPr marL="228600" indent="-228240">
+            <a:endParaRPr b="0" lang="en-US" sz="1800" spc="-1" strike="noStrike">
+              <a:solidFill>
+                <a:srgbClr val="000000"/>
+              </a:solidFill>
+              <a:uFill>
+                <a:solidFill>
+                  <a:srgbClr val="ffffff"/>
+                </a:solidFill>
+              </a:uFill>
+              <a:latin typeface="Arial"/>
+            </a:endParaRPr>
+          </a:p>
+          <a:p>
+            <a:pPr marL="228600" indent="-227880">
               <a:lnSpc>
                 <a:spcPct val="90000"/>
               </a:lnSpc>
@@ -4679,7 +6089,7 @@
               <a:buChar char="•"/>
             </a:pPr>
             <a:r>
-              <a:rPr b="0" lang="zh-CN" sz="2800" spc="-1" strike="noStrike">
+              <a:rPr b="0" lang="en-US" sz="2800" spc="-1" strike="noStrike">
                 <a:solidFill>
                   <a:srgbClr val="000000"/>
                 </a:solidFill>
@@ -4692,20 +6102,20 @@
               </a:rPr>
               <a:t>Representing sentences</a:t>
             </a:r>
-            <a:endParaRPr b="0" lang="zh-CN" sz="2800" spc="-1" strike="noStrike">
-              <a:solidFill>
-                <a:srgbClr val="000000"/>
-              </a:solidFill>
-              <a:uFill>
-                <a:solidFill>
-                  <a:srgbClr val="ffffff"/>
-                </a:solidFill>
-              </a:uFill>
-              <a:latin typeface="Calibri"/>
-            </a:endParaRPr>
-          </a:p>
-          <a:p>
-            <a:pPr lvl="1" marL="685800" indent="-228240">
+            <a:endParaRPr b="0" lang="en-US" sz="1800" spc="-1" strike="noStrike">
+              <a:solidFill>
+                <a:srgbClr val="000000"/>
+              </a:solidFill>
+              <a:uFill>
+                <a:solidFill>
+                  <a:srgbClr val="ffffff"/>
+                </a:solidFill>
+              </a:uFill>
+              <a:latin typeface="Arial"/>
+            </a:endParaRPr>
+          </a:p>
+          <a:p>
+            <a:pPr lvl="1" marL="685800" indent="-227880">
               <a:lnSpc>
                 <a:spcPct val="100000"/>
               </a:lnSpc>
@@ -4716,7 +6126,7 @@
               <a:buChar char="•"/>
             </a:pPr>
             <a:r>
-              <a:rPr b="0" lang="zh-CN" sz="2400" spc="-1" strike="noStrike">
+              <a:rPr b="0" lang="en-US" sz="2400" spc="-1" strike="noStrike">
                 <a:solidFill>
                   <a:srgbClr val="000000"/>
                 </a:solidFill>
@@ -4729,22 +6139,22 @@
               </a:rPr>
               <a:t>BRNN – word representations</a:t>
             </a:r>
-            <a:endParaRPr b="0" lang="zh-CN" sz="2000" spc="-1" strike="noStrike">
-              <a:solidFill>
-                <a:srgbClr val="000000"/>
-              </a:solidFill>
-              <a:uFill>
-                <a:solidFill>
-                  <a:srgbClr val="ffffff"/>
-                </a:solidFill>
-              </a:uFill>
-              <a:latin typeface="Calibri"/>
-            </a:endParaRPr>
-          </a:p>
-          <a:p>
-            <a:pPr marL="228600" indent="-228240">
+            <a:endParaRPr b="0" lang="en-US" sz="1800" spc="-1" strike="noStrike">
+              <a:solidFill>
+                <a:srgbClr val="000000"/>
+              </a:solidFill>
+              <a:uFill>
+                <a:solidFill>
+                  <a:srgbClr val="ffffff"/>
+                </a:solidFill>
+              </a:uFill>
+              <a:latin typeface="Arial"/>
+            </a:endParaRPr>
+          </a:p>
+          <a:p>
+            <a:pPr lvl="1" marL="685800" indent="-227880">
               <a:lnSpc>
-                <a:spcPct val="90000"/>
+                <a:spcPct val="100000"/>
               </a:lnSpc>
               <a:buClr>
                 <a:srgbClr val="000000"/>
@@ -4753,7 +6163,44 @@
               <a:buChar char="•"/>
             </a:pPr>
             <a:r>
-              <a:rPr b="0" lang="zh-CN" sz="2800" spc="-1" strike="noStrike">
+              <a:rPr b="0" lang="en-US" sz="2400" spc="-1" strike="noStrike">
+                <a:solidFill>
+                  <a:srgbClr val="000000"/>
+                </a:solidFill>
+                <a:uFill>
+                  <a:solidFill>
+                    <a:srgbClr val="ffffff"/>
+                  </a:solidFill>
+                </a:uFill>
+                <a:latin typeface="Calibri"/>
+              </a:rPr>
+              <a:t>Transform each word into a h-dimensional vector</a:t>
+            </a:r>
+            <a:endParaRPr b="0" lang="en-US" sz="1800" spc="-1" strike="noStrike">
+              <a:solidFill>
+                <a:srgbClr val="000000"/>
+              </a:solidFill>
+              <a:uFill>
+                <a:solidFill>
+                  <a:srgbClr val="ffffff"/>
+                </a:solidFill>
+              </a:uFill>
+              <a:latin typeface="Arial"/>
+            </a:endParaRPr>
+          </a:p>
+          <a:p>
+            <a:pPr marL="228600" indent="-227880">
+              <a:lnSpc>
+                <a:spcPct val="90000"/>
+              </a:lnSpc>
+              <a:buClr>
+                <a:srgbClr val="000000"/>
+              </a:buClr>
+              <a:buFont typeface="Arial"/>
+              <a:buChar char="•"/>
+            </a:pPr>
+            <a:r>
+              <a:rPr b="0" lang="en-US" sz="2800" spc="-1" strike="noStrike">
                 <a:solidFill>
                   <a:srgbClr val="000000"/>
                 </a:solidFill>
@@ -4766,20 +6213,20 @@
               </a:rPr>
               <a:t>Alignment objective</a:t>
             </a:r>
-            <a:endParaRPr b="0" lang="zh-CN" sz="2800" spc="-1" strike="noStrike">
-              <a:solidFill>
-                <a:srgbClr val="000000"/>
-              </a:solidFill>
-              <a:uFill>
-                <a:solidFill>
-                  <a:srgbClr val="ffffff"/>
-                </a:solidFill>
-              </a:uFill>
-              <a:latin typeface="Calibri"/>
-            </a:endParaRPr>
-          </a:p>
-          <a:p>
-            <a:pPr lvl="1" marL="685800" indent="-228240">
+            <a:endParaRPr b="0" lang="en-US" sz="1800" spc="-1" strike="noStrike">
+              <a:solidFill>
+                <a:srgbClr val="000000"/>
+              </a:solidFill>
+              <a:uFill>
+                <a:solidFill>
+                  <a:srgbClr val="ffffff"/>
+                </a:solidFill>
+              </a:uFill>
+              <a:latin typeface="Arial"/>
+            </a:endParaRPr>
+          </a:p>
+          <a:p>
+            <a:pPr lvl="1" marL="685800" indent="-227880">
               <a:lnSpc>
                 <a:spcPct val="100000"/>
               </a:lnSpc>
@@ -4790,7 +6237,7 @@
               <a:buChar char="•"/>
             </a:pPr>
             <a:r>
-              <a:rPr b="0" lang="zh-CN" sz="2400" spc="-1" strike="noStrike">
+              <a:rPr b="0" lang="en-US" sz="2400" spc="-1" strike="noStrike">
                 <a:solidFill>
                   <a:srgbClr val="000000"/>
                 </a:solidFill>
@@ -4803,20 +6250,20 @@
               </a:rPr>
               <a:t>The strategy is to formulate an image-sentence score as a function of the individual region-word scores.</a:t>
             </a:r>
-            <a:endParaRPr b="0" lang="zh-CN" sz="2000" spc="-1" strike="noStrike">
-              <a:solidFill>
-                <a:srgbClr val="000000"/>
-              </a:solidFill>
-              <a:uFill>
-                <a:solidFill>
-                  <a:srgbClr val="ffffff"/>
-                </a:solidFill>
-              </a:uFill>
-              <a:latin typeface="Calibri"/>
-            </a:endParaRPr>
-          </a:p>
-          <a:p>
-            <a:pPr marL="228600" indent="-228240">
+            <a:endParaRPr b="0" lang="en-US" sz="1800" spc="-1" strike="noStrike">
+              <a:solidFill>
+                <a:srgbClr val="000000"/>
+              </a:solidFill>
+              <a:uFill>
+                <a:solidFill>
+                  <a:srgbClr val="ffffff"/>
+                </a:solidFill>
+              </a:uFill>
+              <a:latin typeface="Arial"/>
+            </a:endParaRPr>
+          </a:p>
+          <a:p>
+            <a:pPr marL="228600" indent="-227880">
               <a:lnSpc>
                 <a:spcPct val="90000"/>
               </a:lnSpc>
@@ -4827,7 +6274,7 @@
               <a:buChar char="•"/>
             </a:pPr>
             <a:r>
-              <a:rPr b="0" lang="zh-CN" sz="2800" spc="-1" strike="noStrike">
+              <a:rPr b="0" lang="en-US" sz="2800" spc="-1" strike="noStrike">
                 <a:solidFill>
                   <a:srgbClr val="000000"/>
                 </a:solidFill>
@@ -4840,20 +6287,20 @@
               </a:rPr>
               <a:t>Extend single word to text segment</a:t>
             </a:r>
-            <a:endParaRPr b="0" lang="zh-CN" sz="2800" spc="-1" strike="noStrike">
-              <a:solidFill>
-                <a:srgbClr val="000000"/>
-              </a:solidFill>
-              <a:uFill>
-                <a:solidFill>
-                  <a:srgbClr val="ffffff"/>
-                </a:solidFill>
-              </a:uFill>
-              <a:latin typeface="Calibri"/>
-            </a:endParaRPr>
-          </a:p>
-          <a:p>
-            <a:pPr lvl="1" marL="685800" indent="-228240">
+            <a:endParaRPr b="0" lang="en-US" sz="1800" spc="-1" strike="noStrike">
+              <a:solidFill>
+                <a:srgbClr val="000000"/>
+              </a:solidFill>
+              <a:uFill>
+                <a:solidFill>
+                  <a:srgbClr val="ffffff"/>
+                </a:solidFill>
+              </a:uFill>
+              <a:latin typeface="Arial"/>
+            </a:endParaRPr>
+          </a:p>
+          <a:p>
+            <a:pPr lvl="1" marL="685800" indent="-227880">
               <a:lnSpc>
                 <a:spcPct val="100000"/>
               </a:lnSpc>
@@ -4864,7 +6311,7 @@
               <a:buChar char="•"/>
             </a:pPr>
             <a:r>
-              <a:rPr b="0" lang="zh-CN" sz="2400" spc="-1" strike="noStrike">
+              <a:rPr b="0" lang="en-US" sz="2400" spc="-1" strike="noStrike">
                 <a:solidFill>
                   <a:srgbClr val="000000"/>
                 </a:solidFill>
@@ -4877,16 +6324,16 @@
               </a:rPr>
               <a:t>Markov Random Field (MRF), treat true alignments as latent variables in MRF</a:t>
             </a:r>
-            <a:endParaRPr b="0" lang="zh-CN" sz="2000" spc="-1" strike="noStrike">
-              <a:solidFill>
-                <a:srgbClr val="000000"/>
-              </a:solidFill>
-              <a:uFill>
-                <a:solidFill>
-                  <a:srgbClr val="ffffff"/>
-                </a:solidFill>
-              </a:uFill>
-              <a:latin typeface="Calibri"/>
+            <a:endParaRPr b="0" lang="en-US" sz="1800" spc="-1" strike="noStrike">
+              <a:solidFill>
+                <a:srgbClr val="000000"/>
+              </a:solidFill>
+              <a:uFill>
+                <a:solidFill>
+                  <a:srgbClr val="ffffff"/>
+                </a:solidFill>
+              </a:uFill>
+              <a:latin typeface="Arial"/>
             </a:endParaRPr>
           </a:p>
         </p:txBody>
@@ -4942,14 +6389,14 @@
       </p:grpSpPr>
       <p:sp>
         <p:nvSpPr>
-          <p:cNvPr id="83" name="TextShape 1"/>
-          <p:cNvSpPr txBox="1"/>
+          <p:cNvPr id="113" name="CustomShape 1"/>
+          <p:cNvSpPr/>
           <p:nvPr/>
         </p:nvSpPr>
         <p:spPr>
           <a:xfrm>
             <a:off x="838080" y="365040"/>
-            <a:ext cx="10515240" cy="1325160"/>
+            <a:ext cx="10514880" cy="1324800"/>
           </a:xfrm>
           <a:prstGeom prst="rect">
             <a:avLst/>
@@ -4959,8 +6406,14 @@
             <a:noFill/>
           </a:ln>
         </p:spPr>
-        <p:txBody>
-          <a:bodyPr anchor="ctr"/>
+        <p:style>
+          <a:lnRef idx="0"/>
+          <a:fillRef idx="0"/>
+          <a:effectRef idx="0"/>
+          <a:fontRef idx="minor"/>
+        </p:style>
+        <p:txBody>
+          <a:bodyPr lIns="90000" rIns="90000" tIns="45000" bIns="45000" anchor="ctr"/>
           <a:p>
             <a:pPr>
               <a:lnSpc>
@@ -4968,7 +6421,7 @@
               </a:lnSpc>
             </a:pPr>
             <a:r>
-              <a:rPr b="0" lang="zh-CN" sz="4400" spc="-1" strike="noStrike">
+              <a:rPr b="0" lang="en-US" sz="4400" spc="-1" strike="noStrike">
                 <a:solidFill>
                   <a:srgbClr val="000000"/>
                 </a:solidFill>
@@ -4981,30 +6434,30 @@
               </a:rPr>
               <a:t>Generating descriptions</a:t>
             </a:r>
-            <a:endParaRPr b="0" lang="zh-CN" sz="1800" spc="-1" strike="noStrike">
-              <a:solidFill>
-                <a:srgbClr val="000000"/>
-              </a:solidFill>
-              <a:uFill>
-                <a:solidFill>
-                  <a:srgbClr val="ffffff"/>
-                </a:solidFill>
-              </a:uFill>
-              <a:latin typeface="Calibri"/>
-            </a:endParaRPr>
-          </a:p>
-        </p:txBody>
-      </p:sp>
-      <p:sp>
-        <p:nvSpPr>
-          <p:cNvPr id="84" name="TextShape 2"/>
-          <p:cNvSpPr txBox="1"/>
+            <a:endParaRPr b="0" lang="en-US" sz="1800" spc="-1" strike="noStrike">
+              <a:solidFill>
+                <a:srgbClr val="000000"/>
+              </a:solidFill>
+              <a:uFill>
+                <a:solidFill>
+                  <a:srgbClr val="ffffff"/>
+                </a:solidFill>
+              </a:uFill>
+              <a:latin typeface="Arial"/>
+            </a:endParaRPr>
+          </a:p>
+        </p:txBody>
+      </p:sp>
+      <p:sp>
+        <p:nvSpPr>
+          <p:cNvPr id="114" name="CustomShape 2"/>
+          <p:cNvSpPr/>
           <p:nvPr/>
         </p:nvSpPr>
         <p:spPr>
           <a:xfrm>
             <a:off x="838080" y="1825560"/>
-            <a:ext cx="10515240" cy="4350960"/>
+            <a:ext cx="10514880" cy="4350600"/>
           </a:xfrm>
           <a:prstGeom prst="rect">
             <a:avLst/>
@@ -5014,10 +6467,19 @@
             <a:noFill/>
           </a:ln>
         </p:spPr>
-        <p:txBody>
-          <a:bodyPr/>
-          <a:p>
-            <a:pPr marL="432000" indent="-324000">
+        <p:style>
+          <a:lnRef idx="0"/>
+          <a:fillRef idx="0"/>
+          <a:effectRef idx="0"/>
+          <a:fontRef idx="minor"/>
+        </p:style>
+        <p:txBody>
+          <a:bodyPr lIns="90000" rIns="90000" tIns="45000" bIns="45000"/>
+          <a:p>
+            <a:pPr marL="432000" indent="-323640">
+              <a:lnSpc>
+                <a:spcPct val="100000"/>
+              </a:lnSpc>
               <a:buClr>
                 <a:srgbClr val="000000"/>
               </a:buClr>
@@ -5026,7 +6488,7 @@
               <a:buChar char=""/>
             </a:pPr>
             <a:r>
-              <a:rPr b="0" lang="zh-CN" sz="2800" spc="-1" strike="noStrike">
+              <a:rPr b="0" lang="en-US" sz="2800" spc="-1" strike="noStrike">
                 <a:solidFill>
                   <a:srgbClr val="000000"/>
                 </a:solidFill>
@@ -5039,29 +6501,32 @@
               </a:rPr>
               <a:t>Multimodal RNN</a:t>
             </a:r>
-            <a:endParaRPr b="0" lang="zh-CN" sz="2800" spc="-1" strike="noStrike">
-              <a:solidFill>
-                <a:srgbClr val="000000"/>
-              </a:solidFill>
-              <a:uFill>
-                <a:solidFill>
-                  <a:srgbClr val="ffffff"/>
-                </a:solidFill>
-              </a:uFill>
-              <a:latin typeface="Calibri"/>
-            </a:endParaRPr>
-          </a:p>
-          <a:p>
-            <a:pPr lvl="1" marL="864000" indent="-324000">
+            <a:endParaRPr b="0" lang="en-US" sz="1800" spc="-1" strike="noStrike">
+              <a:solidFill>
+                <a:srgbClr val="000000"/>
+              </a:solidFill>
+              <a:uFill>
+                <a:solidFill>
+                  <a:srgbClr val="ffffff"/>
+                </a:solidFill>
+              </a:uFill>
+              <a:latin typeface="Arial"/>
+            </a:endParaRPr>
+          </a:p>
+          <a:p>
+            <a:pPr lvl="1" marL="864000" indent="-323640">
+              <a:lnSpc>
+                <a:spcPct val="100000"/>
+              </a:lnSpc>
               <a:buClr>
                 <a:srgbClr val="000000"/>
               </a:buClr>
               <a:buSzPct val="75000"/>
-              <a:buFont typeface="Symbol" charset="2"/>
+              <a:buFont typeface="Symbol"/>
               <a:buChar char=""/>
             </a:pPr>
             <a:r>
-              <a:rPr b="0" lang="zh-CN" sz="2000" spc="-1" strike="noStrike">
+              <a:rPr b="0" lang="en-US" sz="2000" spc="-1" strike="noStrike">
                 <a:solidFill>
                   <a:srgbClr val="000000"/>
                 </a:solidFill>
@@ -5074,29 +6539,32 @@
               </a:rPr>
               <a:t>Additionally conditions the generative process on the content of input image</a:t>
             </a:r>
-            <a:endParaRPr b="0" lang="zh-CN" sz="2000" spc="-1" strike="noStrike">
-              <a:solidFill>
-                <a:srgbClr val="000000"/>
-              </a:solidFill>
-              <a:uFill>
-                <a:solidFill>
-                  <a:srgbClr val="ffffff"/>
-                </a:solidFill>
-              </a:uFill>
-              <a:latin typeface="Calibri"/>
-            </a:endParaRPr>
-          </a:p>
-          <a:p>
-            <a:pPr lvl="1" marL="864000" indent="-324000">
+            <a:endParaRPr b="0" lang="en-US" sz="1800" spc="-1" strike="noStrike">
+              <a:solidFill>
+                <a:srgbClr val="000000"/>
+              </a:solidFill>
+              <a:uFill>
+                <a:solidFill>
+                  <a:srgbClr val="ffffff"/>
+                </a:solidFill>
+              </a:uFill>
+              <a:latin typeface="Arial"/>
+            </a:endParaRPr>
+          </a:p>
+          <a:p>
+            <a:pPr lvl="1" marL="864000" indent="-323640">
+              <a:lnSpc>
+                <a:spcPct val="100000"/>
+              </a:lnSpc>
               <a:buClr>
                 <a:srgbClr val="000000"/>
               </a:buClr>
               <a:buSzPct val="75000"/>
-              <a:buFont typeface="Symbol" charset="2"/>
+              <a:buFont typeface="Symbol"/>
               <a:buChar char=""/>
             </a:pPr>
             <a:r>
-              <a:rPr b="0" lang="zh-CN" sz="2000" spc="-1" strike="noStrike">
+              <a:rPr b="0" lang="en-US" sz="2000" spc="-1" strike="noStrike">
                 <a:solidFill>
                   <a:srgbClr val="000000"/>
                 </a:solidFill>
@@ -5109,29 +6577,32 @@
               </a:rPr>
               <a:t>Image pixels I ----RCNN----&gt; vector b_v </a:t>
             </a:r>
-            <a:endParaRPr b="0" lang="zh-CN" sz="2000" spc="-1" strike="noStrike">
-              <a:solidFill>
-                <a:srgbClr val="000000"/>
-              </a:solidFill>
-              <a:uFill>
-                <a:solidFill>
-                  <a:srgbClr val="ffffff"/>
-                </a:solidFill>
-              </a:uFill>
-              <a:latin typeface="Calibri"/>
-            </a:endParaRPr>
-          </a:p>
-          <a:p>
-            <a:pPr lvl="1" marL="864000" indent="-324000">
+            <a:endParaRPr b="0" lang="en-US" sz="1800" spc="-1" strike="noStrike">
+              <a:solidFill>
+                <a:srgbClr val="000000"/>
+              </a:solidFill>
+              <a:uFill>
+                <a:solidFill>
+                  <a:srgbClr val="ffffff"/>
+                </a:solidFill>
+              </a:uFill>
+              <a:latin typeface="Arial"/>
+            </a:endParaRPr>
+          </a:p>
+          <a:p>
+            <a:pPr lvl="1" marL="864000" indent="-323640">
+              <a:lnSpc>
+                <a:spcPct val="100000"/>
+              </a:lnSpc>
               <a:buClr>
                 <a:srgbClr val="000000"/>
               </a:buClr>
               <a:buSzPct val="75000"/>
-              <a:buFont typeface="Symbol" charset="2"/>
+              <a:buFont typeface="Symbol"/>
               <a:buChar char=""/>
             </a:pPr>
             <a:r>
-              <a:rPr b="0" lang="zh-CN" sz="2000" spc="-1" strike="noStrike">
+              <a:rPr b="0" lang="en-US" sz="2000" spc="-1" strike="noStrike">
                 <a:solidFill>
                   <a:srgbClr val="000000"/>
                 </a:solidFill>
@@ -5144,29 +6615,32 @@
               </a:rPr>
               <a:t>Previous word vectors x_1, ..., x_t</a:t>
             </a:r>
-            <a:endParaRPr b="0" lang="zh-CN" sz="2000" spc="-1" strike="noStrike">
-              <a:solidFill>
-                <a:srgbClr val="000000"/>
-              </a:solidFill>
-              <a:uFill>
-                <a:solidFill>
-                  <a:srgbClr val="ffffff"/>
-                </a:solidFill>
-              </a:uFill>
-              <a:latin typeface="Calibri"/>
-            </a:endParaRPr>
-          </a:p>
-          <a:p>
-            <a:pPr lvl="1" marL="864000" indent="-324000">
+            <a:endParaRPr b="0" lang="en-US" sz="1800" spc="-1" strike="noStrike">
+              <a:solidFill>
+                <a:srgbClr val="000000"/>
+              </a:solidFill>
+              <a:uFill>
+                <a:solidFill>
+                  <a:srgbClr val="ffffff"/>
+                </a:solidFill>
+              </a:uFill>
+              <a:latin typeface="Arial"/>
+            </a:endParaRPr>
+          </a:p>
+          <a:p>
+            <a:pPr lvl="1" marL="864000" indent="-323640">
+              <a:lnSpc>
+                <a:spcPct val="100000"/>
+              </a:lnSpc>
               <a:buClr>
                 <a:srgbClr val="000000"/>
               </a:buClr>
               <a:buSzPct val="75000"/>
-              <a:buFont typeface="Symbol" charset="2"/>
+              <a:buFont typeface="Symbol"/>
               <a:buChar char=""/>
             </a:pPr>
             <a:r>
-              <a:rPr b="0" lang="zh-CN" sz="2000" spc="-1" strike="noStrike">
+              <a:rPr b="0" lang="en-US" sz="2000" spc="-1" strike="noStrike">
                 <a:solidFill>
                   <a:srgbClr val="000000"/>
                 </a:solidFill>
@@ -5179,16 +6653,16 @@
               </a:rPr>
               <a:t>Generate a sequence of target words y_1, ....</a:t>
             </a:r>
-            <a:endParaRPr b="0" lang="zh-CN" sz="2000" spc="-1" strike="noStrike">
-              <a:solidFill>
-                <a:srgbClr val="000000"/>
-              </a:solidFill>
-              <a:uFill>
-                <a:solidFill>
-                  <a:srgbClr val="ffffff"/>
-                </a:solidFill>
-              </a:uFill>
-              <a:latin typeface="Calibri"/>
+            <a:endParaRPr b="0" lang="en-US" sz="1800" spc="-1" strike="noStrike">
+              <a:solidFill>
+                <a:srgbClr val="000000"/>
+              </a:solidFill>
+              <a:uFill>
+                <a:solidFill>
+                  <a:srgbClr val="ffffff"/>
+                </a:solidFill>
+              </a:uFill>
+              <a:latin typeface="Arial"/>
             </a:endParaRPr>
           </a:p>
         </p:txBody>
@@ -5244,14 +6718,14 @@
       </p:grpSpPr>
       <p:sp>
         <p:nvSpPr>
-          <p:cNvPr id="85" name="TextShape 1"/>
-          <p:cNvSpPr txBox="1"/>
+          <p:cNvPr id="115" name="CustomShape 1"/>
+          <p:cNvSpPr/>
           <p:nvPr/>
         </p:nvSpPr>
         <p:spPr>
           <a:xfrm>
             <a:off x="838080" y="365040"/>
-            <a:ext cx="10515240" cy="1325160"/>
+            <a:ext cx="10514880" cy="1324800"/>
           </a:xfrm>
           <a:prstGeom prst="rect">
             <a:avLst/>
@@ -5261,11 +6735,17 @@
             <a:noFill/>
           </a:ln>
         </p:spPr>
+        <p:style>
+          <a:lnRef idx="0"/>
+          <a:fillRef idx="0"/>
+          <a:effectRef idx="0"/>
+          <a:fontRef idx="minor"/>
+        </p:style>
         <p:txBody>
           <a:bodyPr lIns="0" rIns="0" tIns="0" bIns="0" anchor="ctr"/>
           <a:p>
             <a:r>
-              <a:rPr b="0" lang="zh-CN" sz="4400" spc="-1" strike="noStrike">
+              <a:rPr b="0" lang="en-US" sz="4400" spc="-1" strike="noStrike">
                 <a:solidFill>
                   <a:srgbClr val="000000"/>
                 </a:solidFill>
@@ -5278,30 +6758,30 @@
               </a:rPr>
               <a:t>Experiments</a:t>
             </a:r>
-            <a:endParaRPr b="0" lang="zh-CN" sz="4400" spc="-1" strike="noStrike">
-              <a:solidFill>
-                <a:srgbClr val="000000"/>
-              </a:solidFill>
-              <a:uFill>
-                <a:solidFill>
-                  <a:srgbClr val="ffffff"/>
-                </a:solidFill>
-              </a:uFill>
-              <a:latin typeface="Calibri"/>
-            </a:endParaRPr>
-          </a:p>
-        </p:txBody>
-      </p:sp>
-      <p:sp>
-        <p:nvSpPr>
-          <p:cNvPr id="86" name="TextShape 2"/>
-          <p:cNvSpPr txBox="1"/>
+            <a:endParaRPr b="0" lang="en-US" sz="1800" spc="-1" strike="noStrike">
+              <a:solidFill>
+                <a:srgbClr val="000000"/>
+              </a:solidFill>
+              <a:uFill>
+                <a:solidFill>
+                  <a:srgbClr val="ffffff"/>
+                </a:solidFill>
+              </a:uFill>
+              <a:latin typeface="Arial"/>
+            </a:endParaRPr>
+          </a:p>
+        </p:txBody>
+      </p:sp>
+      <p:sp>
+        <p:nvSpPr>
+          <p:cNvPr id="116" name="CustomShape 2"/>
+          <p:cNvSpPr/>
           <p:nvPr/>
         </p:nvSpPr>
         <p:spPr>
           <a:xfrm>
             <a:off x="838080" y="1825560"/>
-            <a:ext cx="10515240" cy="4350960"/>
+            <a:ext cx="10514880" cy="4350600"/>
           </a:xfrm>
           <a:prstGeom prst="rect">
             <a:avLst/>
@@ -5311,10 +6791,19 @@
             <a:noFill/>
           </a:ln>
         </p:spPr>
+        <p:style>
+          <a:lnRef idx="0"/>
+          <a:fillRef idx="0"/>
+          <a:effectRef idx="0"/>
+          <a:fontRef idx="minor"/>
+        </p:style>
         <p:txBody>
           <a:bodyPr lIns="0" rIns="0" tIns="0" bIns="0"/>
           <a:p>
-            <a:pPr marL="432000" indent="-324000">
+            <a:pPr marL="432000" indent="-323640">
+              <a:lnSpc>
+                <a:spcPct val="100000"/>
+              </a:lnSpc>
               <a:buClr>
                 <a:srgbClr val="000000"/>
               </a:buClr>
@@ -5323,7 +6812,7 @@
               <a:buChar char=""/>
             </a:pPr>
             <a:r>
-              <a:rPr b="0" lang="zh-CN" sz="2800" spc="-1" strike="noStrike">
+              <a:rPr b="0" lang="en-US" sz="2800" spc="-1" strike="noStrike">
                 <a:solidFill>
                   <a:srgbClr val="000000"/>
                 </a:solidFill>
@@ -5336,29 +6825,32 @@
               </a:rPr>
               <a:t>Datasets</a:t>
             </a:r>
-            <a:endParaRPr b="0" lang="zh-CN" sz="2800" spc="-1" strike="noStrike">
-              <a:solidFill>
-                <a:srgbClr val="000000"/>
-              </a:solidFill>
-              <a:uFill>
-                <a:solidFill>
-                  <a:srgbClr val="ffffff"/>
-                </a:solidFill>
-              </a:uFill>
-              <a:latin typeface="Calibri"/>
-            </a:endParaRPr>
-          </a:p>
-          <a:p>
-            <a:pPr lvl="1" marL="864000" indent="-324000">
+            <a:endParaRPr b="0" lang="en-US" sz="1800" spc="-1" strike="noStrike">
+              <a:solidFill>
+                <a:srgbClr val="000000"/>
+              </a:solidFill>
+              <a:uFill>
+                <a:solidFill>
+                  <a:srgbClr val="ffffff"/>
+                </a:solidFill>
+              </a:uFill>
+              <a:latin typeface="Arial"/>
+            </a:endParaRPr>
+          </a:p>
+          <a:p>
+            <a:pPr lvl="1" marL="864000" indent="-323640">
+              <a:lnSpc>
+                <a:spcPct val="100000"/>
+              </a:lnSpc>
               <a:buClr>
                 <a:srgbClr val="000000"/>
               </a:buClr>
               <a:buSzPct val="75000"/>
-              <a:buFont typeface="Symbol" charset="2"/>
+              <a:buFont typeface="Symbol"/>
               <a:buChar char=""/>
             </a:pPr>
             <a:r>
-              <a:rPr b="0" lang="zh-CN" sz="2000" spc="-1" strike="noStrike">
+              <a:rPr b="0" lang="en-US" sz="2000" spc="-1" strike="noStrike">
                 <a:solidFill>
                   <a:srgbClr val="000000"/>
                 </a:solidFill>
@@ -5371,20 +6863,23 @@
               </a:rPr>
               <a:t>Flickr8k</a:t>
             </a:r>
-            <a:endParaRPr b="0" lang="zh-CN" sz="2000" spc="-1" strike="noStrike">
-              <a:solidFill>
-                <a:srgbClr val="000000"/>
-              </a:solidFill>
-              <a:uFill>
-                <a:solidFill>
-                  <a:srgbClr val="ffffff"/>
-                </a:solidFill>
-              </a:uFill>
-              <a:latin typeface="Calibri"/>
-            </a:endParaRPr>
-          </a:p>
-          <a:p>
-            <a:pPr lvl="2" marL="1296000" indent="-288000">
+            <a:endParaRPr b="0" lang="en-US" sz="1800" spc="-1" strike="noStrike">
+              <a:solidFill>
+                <a:srgbClr val="000000"/>
+              </a:solidFill>
+              <a:uFill>
+                <a:solidFill>
+                  <a:srgbClr val="ffffff"/>
+                </a:solidFill>
+              </a:uFill>
+              <a:latin typeface="Arial"/>
+            </a:endParaRPr>
+          </a:p>
+          <a:p>
+            <a:pPr lvl="2" marL="1296000" indent="-287640">
+              <a:lnSpc>
+                <a:spcPct val="100000"/>
+              </a:lnSpc>
               <a:buClr>
                 <a:srgbClr val="000000"/>
               </a:buClr>
@@ -5393,7 +6888,7 @@
               <a:buChar char=""/>
             </a:pPr>
             <a:r>
-              <a:rPr b="0" lang="zh-CN" sz="1800" spc="-1" strike="noStrike">
+              <a:rPr b="0" lang="en-US" sz="1800" spc="-1" strike="noStrike">
                 <a:solidFill>
                   <a:srgbClr val="000000"/>
                 </a:solidFill>
@@ -5406,29 +6901,32 @@
               </a:rPr>
               <a:t>8000 images, 1000 for validation, 1000 for test</a:t>
             </a:r>
-            <a:endParaRPr b="0" lang="zh-CN" sz="1800" spc="-1" strike="noStrike">
-              <a:solidFill>
-                <a:srgbClr val="000000"/>
-              </a:solidFill>
-              <a:uFill>
-                <a:solidFill>
-                  <a:srgbClr val="ffffff"/>
-                </a:solidFill>
-              </a:uFill>
-              <a:latin typeface="Calibri"/>
-            </a:endParaRPr>
-          </a:p>
-          <a:p>
-            <a:pPr lvl="1" marL="864000" indent="-324000">
+            <a:endParaRPr b="0" lang="en-US" sz="1800" spc="-1" strike="noStrike">
+              <a:solidFill>
+                <a:srgbClr val="000000"/>
+              </a:solidFill>
+              <a:uFill>
+                <a:solidFill>
+                  <a:srgbClr val="ffffff"/>
+                </a:solidFill>
+              </a:uFill>
+              <a:latin typeface="Arial"/>
+            </a:endParaRPr>
+          </a:p>
+          <a:p>
+            <a:pPr lvl="1" marL="864000" indent="-323640">
+              <a:lnSpc>
+                <a:spcPct val="100000"/>
+              </a:lnSpc>
               <a:buClr>
                 <a:srgbClr val="000000"/>
               </a:buClr>
               <a:buSzPct val="75000"/>
-              <a:buFont typeface="Symbol" charset="2"/>
+              <a:buFont typeface="Symbol"/>
               <a:buChar char=""/>
             </a:pPr>
             <a:r>
-              <a:rPr b="0" lang="zh-CN" sz="2000" spc="-1" strike="noStrike">
+              <a:rPr b="0" lang="en-US" sz="2000" spc="-1" strike="noStrike">
                 <a:solidFill>
                   <a:srgbClr val="000000"/>
                 </a:solidFill>
@@ -5441,20 +6939,23 @@
               </a:rPr>
               <a:t>Flickr30k</a:t>
             </a:r>
-            <a:endParaRPr b="0" lang="zh-CN" sz="2000" spc="-1" strike="noStrike">
-              <a:solidFill>
-                <a:srgbClr val="000000"/>
-              </a:solidFill>
-              <a:uFill>
-                <a:solidFill>
-                  <a:srgbClr val="ffffff"/>
-                </a:solidFill>
-              </a:uFill>
-              <a:latin typeface="Calibri"/>
-            </a:endParaRPr>
-          </a:p>
-          <a:p>
-            <a:pPr lvl="2" marL="1296000" indent="-288000">
+            <a:endParaRPr b="0" lang="en-US" sz="1800" spc="-1" strike="noStrike">
+              <a:solidFill>
+                <a:srgbClr val="000000"/>
+              </a:solidFill>
+              <a:uFill>
+                <a:solidFill>
+                  <a:srgbClr val="ffffff"/>
+                </a:solidFill>
+              </a:uFill>
+              <a:latin typeface="Arial"/>
+            </a:endParaRPr>
+          </a:p>
+          <a:p>
+            <a:pPr lvl="2" marL="1296000" indent="-287640">
+              <a:lnSpc>
+                <a:spcPct val="100000"/>
+              </a:lnSpc>
               <a:buClr>
                 <a:srgbClr val="000000"/>
               </a:buClr>
@@ -5463,7 +6964,7 @@
               <a:buChar char=""/>
             </a:pPr>
             <a:r>
-              <a:rPr b="0" lang="zh-CN" sz="1800" spc="-1" strike="noStrike">
+              <a:rPr b="0" lang="en-US" sz="1800" spc="-1" strike="noStrike">
                 <a:solidFill>
                   <a:srgbClr val="000000"/>
                 </a:solidFill>
@@ -5476,29 +6977,32 @@
               </a:rPr>
               <a:t>31000 images, 1000 for validation, 1000 for test</a:t>
             </a:r>
-            <a:endParaRPr b="0" lang="zh-CN" sz="1800" spc="-1" strike="noStrike">
-              <a:solidFill>
-                <a:srgbClr val="000000"/>
-              </a:solidFill>
-              <a:uFill>
-                <a:solidFill>
-                  <a:srgbClr val="ffffff"/>
-                </a:solidFill>
-              </a:uFill>
-              <a:latin typeface="Calibri"/>
-            </a:endParaRPr>
-          </a:p>
-          <a:p>
-            <a:pPr lvl="1" marL="864000" indent="-324000">
+            <a:endParaRPr b="0" lang="en-US" sz="1800" spc="-1" strike="noStrike">
+              <a:solidFill>
+                <a:srgbClr val="000000"/>
+              </a:solidFill>
+              <a:uFill>
+                <a:solidFill>
+                  <a:srgbClr val="ffffff"/>
+                </a:solidFill>
+              </a:uFill>
+              <a:latin typeface="Arial"/>
+            </a:endParaRPr>
+          </a:p>
+          <a:p>
+            <a:pPr lvl="1" marL="864000" indent="-323640">
+              <a:lnSpc>
+                <a:spcPct val="100000"/>
+              </a:lnSpc>
               <a:buClr>
                 <a:srgbClr val="000000"/>
               </a:buClr>
               <a:buSzPct val="75000"/>
-              <a:buFont typeface="Symbol" charset="2"/>
+              <a:buFont typeface="Symbol"/>
               <a:buChar char=""/>
             </a:pPr>
             <a:r>
-              <a:rPr b="0" lang="zh-CN" sz="2000" spc="-1" strike="noStrike">
+              <a:rPr b="0" lang="en-US" sz="2000" spc="-1" strike="noStrike">
                 <a:solidFill>
                   <a:srgbClr val="000000"/>
                 </a:solidFill>
@@ -5511,20 +7015,23 @@
               </a:rPr>
               <a:t>MSCOCO</a:t>
             </a:r>
-            <a:endParaRPr b="0" lang="zh-CN" sz="2000" spc="-1" strike="noStrike">
-              <a:solidFill>
-                <a:srgbClr val="000000"/>
-              </a:solidFill>
-              <a:uFill>
-                <a:solidFill>
-                  <a:srgbClr val="ffffff"/>
-                </a:solidFill>
-              </a:uFill>
-              <a:latin typeface="Calibri"/>
-            </a:endParaRPr>
-          </a:p>
-          <a:p>
-            <a:pPr lvl="2" marL="1296000" indent="-288000">
+            <a:endParaRPr b="0" lang="en-US" sz="1800" spc="-1" strike="noStrike">
+              <a:solidFill>
+                <a:srgbClr val="000000"/>
+              </a:solidFill>
+              <a:uFill>
+                <a:solidFill>
+                  <a:srgbClr val="ffffff"/>
+                </a:solidFill>
+              </a:uFill>
+              <a:latin typeface="Arial"/>
+            </a:endParaRPr>
+          </a:p>
+          <a:p>
+            <a:pPr lvl="2" marL="1296000" indent="-287640">
+              <a:lnSpc>
+                <a:spcPct val="100000"/>
+              </a:lnSpc>
               <a:buClr>
                 <a:srgbClr val="000000"/>
               </a:buClr>
@@ -5533,7 +7040,7 @@
               <a:buChar char=""/>
             </a:pPr>
             <a:r>
-              <a:rPr b="0" lang="zh-CN" sz="1800" spc="-1" strike="noStrike">
+              <a:rPr b="0" lang="en-US" sz="1800" spc="-1" strike="noStrike">
                 <a:solidFill>
                   <a:srgbClr val="000000"/>
                 </a:solidFill>
@@ -5546,29 +7053,32 @@
               </a:rPr>
               <a:t>123000 images, 5000 for validation, 5000 for test</a:t>
             </a:r>
-            <a:endParaRPr b="0" lang="zh-CN" sz="1800" spc="-1" strike="noStrike">
-              <a:solidFill>
-                <a:srgbClr val="000000"/>
-              </a:solidFill>
-              <a:uFill>
-                <a:solidFill>
-                  <a:srgbClr val="ffffff"/>
-                </a:solidFill>
-              </a:uFill>
-              <a:latin typeface="Calibri"/>
-            </a:endParaRPr>
-          </a:p>
-          <a:p>
-            <a:pPr lvl="1" marL="864000" indent="-324000">
+            <a:endParaRPr b="0" lang="en-US" sz="1800" spc="-1" strike="noStrike">
+              <a:solidFill>
+                <a:srgbClr val="000000"/>
+              </a:solidFill>
+              <a:uFill>
+                <a:solidFill>
+                  <a:srgbClr val="ffffff"/>
+                </a:solidFill>
+              </a:uFill>
+              <a:latin typeface="Arial"/>
+            </a:endParaRPr>
+          </a:p>
+          <a:p>
+            <a:pPr lvl="1" marL="864000" indent="-323640">
+              <a:lnSpc>
+                <a:spcPct val="100000"/>
+              </a:lnSpc>
               <a:buClr>
                 <a:srgbClr val="000000"/>
               </a:buClr>
               <a:buSzPct val="75000"/>
-              <a:buFont typeface="Symbol" charset="2"/>
+              <a:buFont typeface="Symbol"/>
               <a:buChar char=""/>
             </a:pPr>
             <a:r>
-              <a:rPr b="0" lang="zh-CN" sz="2000" spc="-1" strike="noStrike">
+              <a:rPr b="0" lang="en-US" sz="2000" spc="-1" strike="noStrike">
                 <a:solidFill>
                   <a:srgbClr val="000000"/>
                 </a:solidFill>
@@ -5581,22 +7091,49 @@
               </a:rPr>
               <a:t>Each image is annotated with 5 sentences</a:t>
             </a:r>
-            <a:endParaRPr b="0" lang="zh-CN" sz="2000" spc="-1" strike="noStrike">
-              <a:solidFill>
-                <a:srgbClr val="000000"/>
-              </a:solidFill>
-              <a:uFill>
-                <a:solidFill>
-                  <a:srgbClr val="ffffff"/>
-                </a:solidFill>
-              </a:uFill>
-              <a:latin typeface="Calibri"/>
+            <a:endParaRPr b="0" lang="en-US" sz="1800" spc="-1" strike="noStrike">
+              <a:solidFill>
+                <a:srgbClr val="000000"/>
+              </a:solidFill>
+              <a:uFill>
+                <a:solidFill>
+                  <a:srgbClr val="ffffff"/>
+                </a:solidFill>
+              </a:uFill>
+              <a:latin typeface="Arial"/>
             </a:endParaRPr>
           </a:p>
         </p:txBody>
       </p:sp>
     </p:spTree>
   </p:cSld>
+  <p:timing>
+    <p:tnLst>
+      <p:par>
+        <p:cTn id="9" dur="indefinite" restart="never" nodeType="tmRoot">
+          <p:childTnLst>
+            <p:seq>
+              <p:cTn id="10" nodeType="mainSeq"/>
+              <p:prevCondLst>
+                <p:cond delay="0" evt="onPrev">
+                  <p:tgtEl>
+                    <p:sldTgt/>
+                  </p:tgtEl>
+                </p:cond>
+              </p:prevCondLst>
+              <p:nextCondLst>
+                <p:cond delay="0" evt="onNext">
+                  <p:tgtEl>
+                    <p:sldTgt/>
+                  </p:tgtEl>
+                </p:cond>
+              </p:nextCondLst>
+            </p:seq>
+          </p:childTnLst>
+        </p:cTn>
+      </p:par>
+    </p:tnLst>
+  </p:timing>
 </p:sld>
 </file>
 
@@ -6044,4 +7581,227 @@
     </a:fmtScheme>
   </a:themeElements>
 </a:theme>
+</file>
+
+<file path=ppt/theme/theme3.xml><?xml version="1.0" encoding="utf-8"?>
+<a:theme xmlns:a="http://schemas.openxmlformats.org/drawingml/2006/main" name="Office Theme">
+  <a:themeElements>
+    <a:clrScheme name="Office">
+      <a:dk1>
+        <a:sysClr val="windowText" lastClr="000000"/>
+      </a:dk1>
+      <a:lt1>
+        <a:sysClr val="window" lastClr="FFFFFF"/>
+      </a:lt1>
+      <a:dk2>
+        <a:srgbClr val="1F497D"/>
+      </a:dk2>
+      <a:lt2>
+        <a:srgbClr val="EEECE1"/>
+      </a:lt2>
+      <a:accent1>
+        <a:srgbClr val="4F81BD"/>
+      </a:accent1>
+      <a:accent2>
+        <a:srgbClr val="C0504D"/>
+      </a:accent2>
+      <a:accent3>
+        <a:srgbClr val="9BBB59"/>
+      </a:accent3>
+      <a:accent4>
+        <a:srgbClr val="8064A2"/>
+      </a:accent4>
+      <a:accent5>
+        <a:srgbClr val="4BACC6"/>
+      </a:accent5>
+      <a:accent6>
+        <a:srgbClr val="F79646"/>
+      </a:accent6>
+      <a:hlink>
+        <a:srgbClr val="0000FF"/>
+      </a:hlink>
+      <a:folHlink>
+        <a:srgbClr val="800080"/>
+      </a:folHlink>
+    </a:clrScheme>
+    <a:fontScheme name="Office">
+      <a:majorFont>
+        <a:latin typeface="Arial"/>
+        <a:ea typeface="DejaVu Sans"/>
+        <a:cs typeface="DejaVu Sans"/>
+      </a:majorFont>
+      <a:minorFont>
+        <a:latin typeface="Arial"/>
+        <a:ea typeface="DejaVu Sans"/>
+        <a:cs typeface="DejaVu Sans"/>
+      </a:minorFont>
+    </a:fontScheme>
+    <a:fmtScheme name="Office">
+      <a:fillStyleLst>
+        <a:solidFill>
+          <a:schemeClr val="phClr"/>
+        </a:solidFill>
+        <a:gradFill rotWithShape="1">
+          <a:gsLst>
+            <a:gs pos="0">
+              <a:schemeClr val="phClr">
+                <a:tint val="50000"/>
+                <a:satMod val="300000"/>
+              </a:schemeClr>
+            </a:gs>
+            <a:gs pos="35000">
+              <a:schemeClr val="phClr">
+                <a:tint val="37000"/>
+                <a:satMod val="300000"/>
+              </a:schemeClr>
+            </a:gs>
+            <a:gs pos="100000">
+              <a:schemeClr val="phClr">
+                <a:tint val="15000"/>
+                <a:satMod val="350000"/>
+              </a:schemeClr>
+            </a:gs>
+          </a:gsLst>
+          <a:lin ang="16200000" scaled="1"/>
+        </a:gradFill>
+        <a:gradFill rotWithShape="1">
+          <a:gsLst>
+            <a:gs pos="0">
+              <a:schemeClr val="phClr">
+                <a:shade val="51000"/>
+                <a:satMod val="130000"/>
+              </a:schemeClr>
+            </a:gs>
+            <a:gs pos="80000">
+              <a:schemeClr val="phClr">
+                <a:shade val="93000"/>
+                <a:satMod val="130000"/>
+              </a:schemeClr>
+            </a:gs>
+            <a:gs pos="100000">
+              <a:schemeClr val="phClr">
+                <a:shade val="94000"/>
+                <a:satMod val="135000"/>
+              </a:schemeClr>
+            </a:gs>
+          </a:gsLst>
+          <a:lin ang="16200000" scaled="0"/>
+        </a:gradFill>
+      </a:fillStyleLst>
+      <a:lnStyleLst>
+        <a:ln w="9525" cap="flat" cmpd="sng" algn="ctr">
+          <a:solidFill>
+            <a:schemeClr val="phClr">
+              <a:shade val="95000"/>
+              <a:satMod val="105000"/>
+            </a:schemeClr>
+          </a:solidFill>
+          <a:prstDash val="solid"/>
+        </a:ln>
+        <a:ln w="25400" cap="flat" cmpd="sng" algn="ctr">
+          <a:solidFill>
+            <a:schemeClr val="phClr"/>
+          </a:solidFill>
+          <a:prstDash val="solid"/>
+        </a:ln>
+        <a:ln w="38100" cap="flat" cmpd="sng" algn="ctr">
+          <a:solidFill>
+            <a:schemeClr val="phClr"/>
+          </a:solidFill>
+          <a:prstDash val="solid"/>
+        </a:ln>
+      </a:lnStyleLst>
+      <a:effectStyleLst>
+        <a:effectStyle>
+          <a:effectLst>
+            <a:outerShdw blurRad="40000" dist="20000" dir="5400000" rotWithShape="0">
+              <a:srgbClr val="000000">
+                <a:alpha val="38000"/>
+              </a:srgbClr>
+            </a:outerShdw>
+          </a:effectLst>
+        </a:effectStyle>
+        <a:effectStyle>
+          <a:effectLst>
+            <a:outerShdw blurRad="40000" dist="23000" dir="5400000" rotWithShape="0">
+              <a:srgbClr val="000000">
+                <a:alpha val="35000"/>
+              </a:srgbClr>
+            </a:outerShdw>
+          </a:effectLst>
+        </a:effectStyle>
+        <a:effectStyle>
+          <a:effectLst>
+            <a:outerShdw blurRad="40000" dist="23000" dir="5400000" rotWithShape="0">
+              <a:srgbClr val="000000">
+                <a:alpha val="35000"/>
+              </a:srgbClr>
+            </a:outerShdw>
+          </a:effectLst>
+          <a:scene3d>
+            <a:camera prst="orthographicFront">
+              <a:rot lat="0" lon="0" rev="0"/>
+            </a:camera>
+            <a:lightRig rig="threePt" dir="t">
+              <a:rot lat="0" lon="0" rev="1200000"/>
+            </a:lightRig>
+          </a:scene3d>
+          <a:sp3d>
+            <a:bevelT w="63500" h="25400"/>
+          </a:sp3d>
+        </a:effectStyle>
+      </a:effectStyleLst>
+      <a:bgFillStyleLst>
+        <a:solidFill>
+          <a:schemeClr val="phClr"/>
+        </a:solidFill>
+        <a:gradFill rotWithShape="1">
+          <a:gsLst>
+            <a:gs pos="0">
+              <a:schemeClr val="phClr">
+                <a:tint val="40000"/>
+                <a:satMod val="350000"/>
+              </a:schemeClr>
+            </a:gs>
+            <a:gs pos="40000">
+              <a:schemeClr val="phClr">
+                <a:tint val="45000"/>
+                <a:shade val="99000"/>
+                <a:satMod val="350000"/>
+              </a:schemeClr>
+            </a:gs>
+            <a:gs pos="100000">
+              <a:schemeClr val="phClr">
+                <a:shade val="20000"/>
+                <a:satMod val="255000"/>
+              </a:schemeClr>
+            </a:gs>
+          </a:gsLst>
+          <a:path path="circle">
+            <a:fillToRect l="50000" t="-80000" r="50000" b="180000"/>
+          </a:path>
+        </a:gradFill>
+        <a:gradFill rotWithShape="1">
+          <a:gsLst>
+            <a:gs pos="0">
+              <a:schemeClr val="phClr">
+                <a:tint val="80000"/>
+                <a:satMod val="300000"/>
+              </a:schemeClr>
+            </a:gs>
+            <a:gs pos="100000">
+              <a:schemeClr val="phClr">
+                <a:shade val="30000"/>
+                <a:satMod val="200000"/>
+              </a:schemeClr>
+            </a:gs>
+          </a:gsLst>
+          <a:path path="circle">
+            <a:fillToRect l="50000" t="50000" r="50000" b="50000"/>
+          </a:path>
+        </a:gradFill>
+      </a:bgFillStyleLst>
+    </a:fmtScheme>
+  </a:themeElements>
+</a:theme>
 </file>